--- a/Noisier2Noise.pptx
+++ b/Noisier2Noise.pptx
@@ -7216,7 +7216,7 @@
 </file>
 
 <file path=ppt/slides/slide6.xml><?xml version="1.0" encoding="utf-8"?>
-<p:sld xmlns:p="http://schemas.openxmlformats.org/presentationml/2006/main" xmlns:a="http://schemas.openxmlformats.org/drawingml/2006/main">
+<p:sld xmlns:p="http://schemas.openxmlformats.org/presentationml/2006/main" xmlns:a="http://schemas.openxmlformats.org/drawingml/2006/main" xmlns:r="http://schemas.openxmlformats.org/officeDocument/2006/relationships">
   <p:cSld>
     <p:spTree>
       <p:nvGrpSpPr>
@@ -7519,7 +7519,53 @@
       </p:grpSp>
       <p:sp>
         <p:nvSpPr>
-          <p:cNvPr name="TextBox 11" id="11"/>
+          <p:cNvPr name="Freeform 11" id="11"/>
+          <p:cNvSpPr/>
+          <p:nvPr/>
+        </p:nvSpPr>
+        <p:spPr>
+          <a:xfrm flipH="false" flipV="false" rot="0">
+            <a:off x="3051963" y="2715821"/>
+            <a:ext cx="10974614" cy="7316409"/>
+          </a:xfrm>
+          <a:custGeom>
+            <a:avLst/>
+            <a:gdLst/>
+            <a:ahLst/>
+            <a:cxnLst/>
+            <a:rect r="r" b="b" t="t" l="l"/>
+            <a:pathLst>
+              <a:path h="7316409" w="10974614">
+                <a:moveTo>
+                  <a:pt x="0" y="0"/>
+                </a:moveTo>
+                <a:lnTo>
+                  <a:pt x="10974614" y="0"/>
+                </a:lnTo>
+                <a:lnTo>
+                  <a:pt x="10974614" y="7316409"/>
+                </a:lnTo>
+                <a:lnTo>
+                  <a:pt x="0" y="7316409"/>
+                </a:lnTo>
+                <a:lnTo>
+                  <a:pt x="0" y="0"/>
+                </a:lnTo>
+                <a:close/>
+              </a:path>
+            </a:pathLst>
+          </a:custGeom>
+          <a:blipFill>
+            <a:blip r:embed="rId2"/>
+            <a:stretch>
+              <a:fillRect l="0" t="0" r="0" b="0"/>
+            </a:stretch>
+          </a:blipFill>
+        </p:spPr>
+      </p:sp>
+      <p:sp>
+        <p:nvSpPr>
+          <p:cNvPr name="TextBox 12" id="12"/>
           <p:cNvSpPr txBox="true"/>
           <p:nvPr/>
         </p:nvSpPr>
@@ -7563,7 +7609,7 @@
       </p:sp>
       <p:sp>
         <p:nvSpPr>
-          <p:cNvPr name="TextBox 12" id="12"/>
+          <p:cNvPr name="TextBox 13" id="13"/>
           <p:cNvSpPr txBox="true"/>
           <p:nvPr/>
         </p:nvSpPr>
@@ -7604,14 +7650,14 @@
       </p:sp>
       <p:sp>
         <p:nvSpPr>
-          <p:cNvPr name="TextBox 13" id="13"/>
+          <p:cNvPr name="TextBox 14" id="14"/>
           <p:cNvSpPr txBox="true"/>
           <p:nvPr/>
         </p:nvSpPr>
         <p:spPr>
           <a:xfrm rot="0">
-            <a:off x="2721597" y="1681787"/>
-            <a:ext cx="12192411" cy="1357758"/>
+            <a:off x="1028700" y="1474788"/>
+            <a:ext cx="15295902" cy="898794"/>
           </a:xfrm>
           <a:prstGeom prst="rect">
             <a:avLst/>

--- a/Noisier2Noise.pptx
+++ b/Noisier2Noise.pptx
@@ -1,34 +1,37 @@
 
 <file path=ppt/presentation.xml><?xml version="1.0" encoding="utf-8"?>
-<p:presentation xmlns:a="http://schemas.openxmlformats.org/drawingml/2006/main" xmlns:r="http://schemas.openxmlformats.org/officeDocument/2006/relationships" xmlns:p="http://schemas.openxmlformats.org/presentationml/2006/main" saveSubsetFonts="1" embedTrueTypeFonts="true">
+<p:presentation xmlns:a="http://schemas.openxmlformats.org/drawingml/2006/main" xmlns:r="http://schemas.openxmlformats.org/officeDocument/2006/relationships" xmlns:p="http://schemas.openxmlformats.org/presentationml/2006/main" embedTrueTypeFonts="1" saveSubsetFonts="1">
   <p:sldMasterIdLst>
     <p:sldMasterId id="2147483648" r:id="rId1"/>
   </p:sldMasterIdLst>
   <p:sldIdLst>
-    <p:sldId id="256" r:id="rId6"/>
-    <p:sldId id="257" r:id="rId7"/>
-    <p:sldId id="258" r:id="rId8"/>
-    <p:sldId id="259" r:id="rId9"/>
-    <p:sldId id="260" r:id="rId10"/>
-    <p:sldId id="261" r:id="rId11"/>
-    <p:sldId id="262" r:id="rId12"/>
-    <p:sldId id="263" r:id="rId13"/>
-    <p:sldId id="264" r:id="rId14"/>
+    <p:sldId id="256" r:id="rId2"/>
+    <p:sldId id="257" r:id="rId3"/>
+    <p:sldId id="258" r:id="rId4"/>
+    <p:sldId id="259" r:id="rId5"/>
+    <p:sldId id="260" r:id="rId6"/>
+    <p:sldId id="261" r:id="rId7"/>
+    <p:sldId id="262" r:id="rId8"/>
+    <p:sldId id="263" r:id="rId9"/>
+    <p:sldId id="264" r:id="rId10"/>
   </p:sldIdLst>
   <p:sldSz cx="18288000" cy="10287000"/>
   <p:notesSz cx="6858000" cy="9144000"/>
   <p:embeddedFontLst>
     <p:embeddedFont>
-      <p:font typeface="Open Sans Bold" charset="1" panose="00000000000000000000"/>
-      <p:regular r:id="rId15"/>
+      <p:font typeface="Barlow Condensed Bold" pitchFamily="2" charset="77"/>
+      <p:regular r:id="rId11"/>
+      <p:bold r:id="rId12"/>
     </p:embeddedFont>
     <p:embeddedFont>
-      <p:font typeface="Barlow Condensed Bold" charset="1" panose="00000806000000000000"/>
-      <p:regular r:id="rId16"/>
+      <p:font typeface="Open Sans" panose="020B0606030504020204" pitchFamily="34" charset="0"/>
+      <p:regular r:id="rId13"/>
+      <p:bold r:id="rId14"/>
     </p:embeddedFont>
     <p:embeddedFont>
-      <p:font typeface="Open Sans" charset="1" panose="00000000000000000000"/>
-      <p:regular r:id="rId17"/>
+      <p:font typeface="Open Sans Bold" pitchFamily="2" charset="0"/>
+      <p:regular r:id="rId15"/>
+      <p:bold r:id="rId16"/>
     </p:embeddedFont>
   </p:embeddedFontLst>
   <p:defaultTextStyle>
@@ -126,6 +129,22 @@
       </a:defRPr>
     </a:lvl9pPr>
   </p:defaultTextStyle>
+  <p:extLst>
+    <p:ext uri="{EFAFB233-063F-42B5-8137-9DF3F51BA10A}">
+      <p15:sldGuideLst xmlns:p15="http://schemas.microsoft.com/office/powerpoint/2012/main">
+        <p15:guide id="1" orient="horz" pos="2160">
+          <p15:clr>
+            <a:srgbClr val="A4A3A4"/>
+          </p15:clr>
+        </p15:guide>
+        <p15:guide id="2" pos="2880">
+          <p15:clr>
+            <a:srgbClr val="A4A3A4"/>
+          </p15:clr>
+        </p15:guide>
+      </p15:sldGuideLst>
+    </p:ext>
+  </p:extLst>
 </p:presentation>
 </file>
 
@@ -167,10 +186,9 @@
           <a:lstStyle/>
           <a:p>
             <a:r>
-              <a:rPr lang="en-US" smtClean="0"/>
+              <a:rPr lang="en-US"/>
               <a:t>Click to edit Master title style</a:t>
             </a:r>
-            <a:endParaRPr lang="en-US"/>
           </a:p>
         </p:txBody>
       </p:sp>
@@ -286,10 +304,9 @@
           </a:lstStyle>
           <a:p>
             <a:r>
-              <a:rPr lang="en-US" smtClean="0"/>
+              <a:rPr lang="en-US"/>
               <a:t>Click to edit Master subtitle style</a:t>
             </a:r>
-            <a:endParaRPr lang="en-US"/>
           </a:p>
         </p:txBody>
       </p:sp>
@@ -311,7 +328,7 @@
             <a:fld id="{1D8BD707-D9CF-40AE-B4C6-C98DA3205C09}" type="datetimeFigureOut">
               <a:rPr lang="en-US" smtClean="0"/>
               <a:pPr/>
-              <a:t>8/1/2011</a:t>
+              <a:t>9/4/24</a:t>
             </a:fld>
             <a:endParaRPr lang="en-US"/>
           </a:p>
@@ -401,10 +418,9 @@
           <a:lstStyle/>
           <a:p>
             <a:r>
-              <a:rPr lang="en-US" smtClean="0"/>
+              <a:rPr lang="en-US"/>
               <a:t>Click to edit Master title style</a:t>
             </a:r>
-            <a:endParaRPr lang="en-US"/>
           </a:p>
         </p:txBody>
       </p:sp>
@@ -425,38 +441,37 @@
           <a:p>
             <a:pPr lvl="0"/>
             <a:r>
-              <a:rPr lang="en-US" smtClean="0"/>
+              <a:rPr lang="en-US"/>
               <a:t>Click to edit Master text styles</a:t>
             </a:r>
           </a:p>
           <a:p>
             <a:pPr lvl="1"/>
             <a:r>
-              <a:rPr lang="en-US" smtClean="0"/>
+              <a:rPr lang="en-US"/>
               <a:t>Second level</a:t>
             </a:r>
           </a:p>
           <a:p>
             <a:pPr lvl="2"/>
             <a:r>
-              <a:rPr lang="en-US" smtClean="0"/>
+              <a:rPr lang="en-US"/>
               <a:t>Third level</a:t>
             </a:r>
           </a:p>
           <a:p>
             <a:pPr lvl="3"/>
             <a:r>
-              <a:rPr lang="en-US" smtClean="0"/>
+              <a:rPr lang="en-US"/>
               <a:t>Fourth level</a:t>
             </a:r>
           </a:p>
           <a:p>
             <a:pPr lvl="4"/>
             <a:r>
-              <a:rPr lang="en-US" smtClean="0"/>
+              <a:rPr lang="en-US"/>
               <a:t>Fifth level</a:t>
             </a:r>
-            <a:endParaRPr lang="en-US"/>
           </a:p>
         </p:txBody>
       </p:sp>
@@ -478,7 +493,7 @@
             <a:fld id="{1D8BD707-D9CF-40AE-B4C6-C98DA3205C09}" type="datetimeFigureOut">
               <a:rPr lang="en-US" smtClean="0"/>
               <a:pPr/>
-              <a:t>8/1/2011</a:t>
+              <a:t>9/4/24</a:t>
             </a:fld>
             <a:endParaRPr lang="en-US"/>
           </a:p>
@@ -573,10 +588,9 @@
           <a:lstStyle/>
           <a:p>
             <a:r>
-              <a:rPr lang="en-US" smtClean="0"/>
+              <a:rPr lang="en-US"/>
               <a:t>Click to edit Master title style</a:t>
             </a:r>
-            <a:endParaRPr lang="en-US"/>
           </a:p>
         </p:txBody>
       </p:sp>
@@ -602,38 +616,37 @@
           <a:p>
             <a:pPr lvl="0"/>
             <a:r>
-              <a:rPr lang="en-US" smtClean="0"/>
+              <a:rPr lang="en-US"/>
               <a:t>Click to edit Master text styles</a:t>
             </a:r>
           </a:p>
           <a:p>
             <a:pPr lvl="1"/>
             <a:r>
-              <a:rPr lang="en-US" smtClean="0"/>
+              <a:rPr lang="en-US"/>
               <a:t>Second level</a:t>
             </a:r>
           </a:p>
           <a:p>
             <a:pPr lvl="2"/>
             <a:r>
-              <a:rPr lang="en-US" smtClean="0"/>
+              <a:rPr lang="en-US"/>
               <a:t>Third level</a:t>
             </a:r>
           </a:p>
           <a:p>
             <a:pPr lvl="3"/>
             <a:r>
-              <a:rPr lang="en-US" smtClean="0"/>
+              <a:rPr lang="en-US"/>
               <a:t>Fourth level</a:t>
             </a:r>
           </a:p>
           <a:p>
             <a:pPr lvl="4"/>
             <a:r>
-              <a:rPr lang="en-US" smtClean="0"/>
+              <a:rPr lang="en-US"/>
               <a:t>Fifth level</a:t>
             </a:r>
-            <a:endParaRPr lang="en-US"/>
           </a:p>
         </p:txBody>
       </p:sp>
@@ -655,7 +668,7 @@
             <a:fld id="{1D8BD707-D9CF-40AE-B4C6-C98DA3205C09}" type="datetimeFigureOut">
               <a:rPr lang="en-US" smtClean="0"/>
               <a:pPr/>
-              <a:t>8/1/2011</a:t>
+              <a:t>9/4/24</a:t>
             </a:fld>
             <a:endParaRPr lang="en-US"/>
           </a:p>
@@ -745,10 +758,9 @@
           <a:lstStyle/>
           <a:p>
             <a:r>
-              <a:rPr lang="en-US" smtClean="0"/>
+              <a:rPr lang="en-US"/>
               <a:t>Click to edit Master title style</a:t>
             </a:r>
-            <a:endParaRPr lang="en-US"/>
           </a:p>
         </p:txBody>
       </p:sp>
@@ -769,38 +781,37 @@
           <a:p>
             <a:pPr lvl="0"/>
             <a:r>
-              <a:rPr lang="en-US" smtClean="0"/>
+              <a:rPr lang="en-US"/>
               <a:t>Click to edit Master text styles</a:t>
             </a:r>
           </a:p>
           <a:p>
             <a:pPr lvl="1"/>
             <a:r>
-              <a:rPr lang="en-US" smtClean="0"/>
+              <a:rPr lang="en-US"/>
               <a:t>Second level</a:t>
             </a:r>
           </a:p>
           <a:p>
             <a:pPr lvl="2"/>
             <a:r>
-              <a:rPr lang="en-US" smtClean="0"/>
+              <a:rPr lang="en-US"/>
               <a:t>Third level</a:t>
             </a:r>
           </a:p>
           <a:p>
             <a:pPr lvl="3"/>
             <a:r>
-              <a:rPr lang="en-US" smtClean="0"/>
+              <a:rPr lang="en-US"/>
               <a:t>Fourth level</a:t>
             </a:r>
           </a:p>
           <a:p>
             <a:pPr lvl="4"/>
             <a:r>
-              <a:rPr lang="en-US" smtClean="0"/>
+              <a:rPr lang="en-US"/>
               <a:t>Fifth level</a:t>
             </a:r>
-            <a:endParaRPr lang="en-US"/>
           </a:p>
         </p:txBody>
       </p:sp>
@@ -822,7 +833,7 @@
             <a:fld id="{1D8BD707-D9CF-40AE-B4C6-C98DA3205C09}" type="datetimeFigureOut">
               <a:rPr lang="en-US" smtClean="0"/>
               <a:pPr/>
-              <a:t>8/1/2011</a:t>
+              <a:t>9/4/24</a:t>
             </a:fld>
             <a:endParaRPr lang="en-US"/>
           </a:p>
@@ -921,10 +932,9 @@
           </a:lstStyle>
           <a:p>
             <a:r>
-              <a:rPr lang="en-US" smtClean="0"/>
+              <a:rPr lang="en-US"/>
               <a:t>Click to edit Master title style</a:t>
             </a:r>
-            <a:endParaRPr lang="en-US"/>
           </a:p>
         </p:txBody>
       </p:sp>
@@ -1041,7 +1051,7 @@
           <a:p>
             <a:pPr lvl="0"/>
             <a:r>
-              <a:rPr lang="en-US" smtClean="0"/>
+              <a:rPr lang="en-US"/>
               <a:t>Click to edit Master text styles</a:t>
             </a:r>
           </a:p>
@@ -1065,7 +1075,7 @@
             <a:fld id="{1D8BD707-D9CF-40AE-B4C6-C98DA3205C09}" type="datetimeFigureOut">
               <a:rPr lang="en-US" smtClean="0"/>
               <a:pPr/>
-              <a:t>8/1/2011</a:t>
+              <a:t>9/4/24</a:t>
             </a:fld>
             <a:endParaRPr lang="en-US"/>
           </a:p>
@@ -1155,10 +1165,9 @@
           <a:lstStyle/>
           <a:p>
             <a:r>
-              <a:rPr lang="en-US" smtClean="0"/>
+              <a:rPr lang="en-US"/>
               <a:t>Click to edit Master title style</a:t>
             </a:r>
-            <a:endParaRPr lang="en-US"/>
           </a:p>
         </p:txBody>
       </p:sp>
@@ -1212,38 +1221,37 @@
           <a:p>
             <a:pPr lvl="0"/>
             <a:r>
-              <a:rPr lang="en-US" smtClean="0"/>
+              <a:rPr lang="en-US"/>
               <a:t>Click to edit Master text styles</a:t>
             </a:r>
           </a:p>
           <a:p>
             <a:pPr lvl="1"/>
             <a:r>
-              <a:rPr lang="en-US" smtClean="0"/>
+              <a:rPr lang="en-US"/>
               <a:t>Second level</a:t>
             </a:r>
           </a:p>
           <a:p>
             <a:pPr lvl="2"/>
             <a:r>
-              <a:rPr lang="en-US" smtClean="0"/>
+              <a:rPr lang="en-US"/>
               <a:t>Third level</a:t>
             </a:r>
           </a:p>
           <a:p>
             <a:pPr lvl="3"/>
             <a:r>
-              <a:rPr lang="en-US" smtClean="0"/>
+              <a:rPr lang="en-US"/>
               <a:t>Fourth level</a:t>
             </a:r>
           </a:p>
           <a:p>
             <a:pPr lvl="4"/>
             <a:r>
-              <a:rPr lang="en-US" smtClean="0"/>
+              <a:rPr lang="en-US"/>
               <a:t>Fifth level</a:t>
             </a:r>
-            <a:endParaRPr lang="en-US"/>
           </a:p>
         </p:txBody>
       </p:sp>
@@ -1297,38 +1305,37 @@
           <a:p>
             <a:pPr lvl="0"/>
             <a:r>
-              <a:rPr lang="en-US" smtClean="0"/>
+              <a:rPr lang="en-US"/>
               <a:t>Click to edit Master text styles</a:t>
             </a:r>
           </a:p>
           <a:p>
             <a:pPr lvl="1"/>
             <a:r>
-              <a:rPr lang="en-US" smtClean="0"/>
+              <a:rPr lang="en-US"/>
               <a:t>Second level</a:t>
             </a:r>
           </a:p>
           <a:p>
             <a:pPr lvl="2"/>
             <a:r>
-              <a:rPr lang="en-US" smtClean="0"/>
+              <a:rPr lang="en-US"/>
               <a:t>Third level</a:t>
             </a:r>
           </a:p>
           <a:p>
             <a:pPr lvl="3"/>
             <a:r>
-              <a:rPr lang="en-US" smtClean="0"/>
+              <a:rPr lang="en-US"/>
               <a:t>Fourth level</a:t>
             </a:r>
           </a:p>
           <a:p>
             <a:pPr lvl="4"/>
             <a:r>
-              <a:rPr lang="en-US" smtClean="0"/>
+              <a:rPr lang="en-US"/>
               <a:t>Fifth level</a:t>
             </a:r>
-            <a:endParaRPr lang="en-US"/>
           </a:p>
         </p:txBody>
       </p:sp>
@@ -1350,7 +1357,7 @@
             <a:fld id="{1D8BD707-D9CF-40AE-B4C6-C98DA3205C09}" type="datetimeFigureOut">
               <a:rPr lang="en-US" smtClean="0"/>
               <a:pPr/>
-              <a:t>8/1/2011</a:t>
+              <a:t>9/4/24</a:t>
             </a:fld>
             <a:endParaRPr lang="en-US"/>
           </a:p>
@@ -1444,10 +1451,9 @@
           </a:lstStyle>
           <a:p>
             <a:r>
-              <a:rPr lang="en-US" smtClean="0"/>
+              <a:rPr lang="en-US"/>
               <a:t>Click to edit Master title style</a:t>
             </a:r>
-            <a:endParaRPr lang="en-US"/>
           </a:p>
         </p:txBody>
       </p:sp>
@@ -1510,7 +1516,7 @@
           <a:p>
             <a:pPr lvl="0"/>
             <a:r>
-              <a:rPr lang="en-US" smtClean="0"/>
+              <a:rPr lang="en-US"/>
               <a:t>Click to edit Master text styles</a:t>
             </a:r>
           </a:p>
@@ -1566,38 +1572,37 @@
           <a:p>
             <a:pPr lvl="0"/>
             <a:r>
-              <a:rPr lang="en-US" smtClean="0"/>
+              <a:rPr lang="en-US"/>
               <a:t>Click to edit Master text styles</a:t>
             </a:r>
           </a:p>
           <a:p>
             <a:pPr lvl="1"/>
             <a:r>
-              <a:rPr lang="en-US" smtClean="0"/>
+              <a:rPr lang="en-US"/>
               <a:t>Second level</a:t>
             </a:r>
           </a:p>
           <a:p>
             <a:pPr lvl="2"/>
             <a:r>
-              <a:rPr lang="en-US" smtClean="0"/>
+              <a:rPr lang="en-US"/>
               <a:t>Third level</a:t>
             </a:r>
           </a:p>
           <a:p>
             <a:pPr lvl="3"/>
             <a:r>
-              <a:rPr lang="en-US" smtClean="0"/>
+              <a:rPr lang="en-US"/>
               <a:t>Fourth level</a:t>
             </a:r>
           </a:p>
           <a:p>
             <a:pPr lvl="4"/>
             <a:r>
-              <a:rPr lang="en-US" smtClean="0"/>
+              <a:rPr lang="en-US"/>
               <a:t>Fifth level</a:t>
             </a:r>
-            <a:endParaRPr lang="en-US"/>
           </a:p>
         </p:txBody>
       </p:sp>
@@ -1660,7 +1665,7 @@
           <a:p>
             <a:pPr lvl="0"/>
             <a:r>
-              <a:rPr lang="en-US" smtClean="0"/>
+              <a:rPr lang="en-US"/>
               <a:t>Click to edit Master text styles</a:t>
             </a:r>
           </a:p>
@@ -1716,38 +1721,37 @@
           <a:p>
             <a:pPr lvl="0"/>
             <a:r>
-              <a:rPr lang="en-US" smtClean="0"/>
+              <a:rPr lang="en-US"/>
               <a:t>Click to edit Master text styles</a:t>
             </a:r>
           </a:p>
           <a:p>
             <a:pPr lvl="1"/>
             <a:r>
-              <a:rPr lang="en-US" smtClean="0"/>
+              <a:rPr lang="en-US"/>
               <a:t>Second level</a:t>
             </a:r>
           </a:p>
           <a:p>
             <a:pPr lvl="2"/>
             <a:r>
-              <a:rPr lang="en-US" smtClean="0"/>
+              <a:rPr lang="en-US"/>
               <a:t>Third level</a:t>
             </a:r>
           </a:p>
           <a:p>
             <a:pPr lvl="3"/>
             <a:r>
-              <a:rPr lang="en-US" smtClean="0"/>
+              <a:rPr lang="en-US"/>
               <a:t>Fourth level</a:t>
             </a:r>
           </a:p>
           <a:p>
             <a:pPr lvl="4"/>
             <a:r>
-              <a:rPr lang="en-US" smtClean="0"/>
+              <a:rPr lang="en-US"/>
               <a:t>Fifth level</a:t>
             </a:r>
-            <a:endParaRPr lang="en-US"/>
           </a:p>
         </p:txBody>
       </p:sp>
@@ -1769,7 +1773,7 @@
             <a:fld id="{1D8BD707-D9CF-40AE-B4C6-C98DA3205C09}" type="datetimeFigureOut">
               <a:rPr lang="en-US" smtClean="0"/>
               <a:pPr/>
-              <a:t>8/1/2011</a:t>
+              <a:t>9/4/24</a:t>
             </a:fld>
             <a:endParaRPr lang="en-US"/>
           </a:p>
@@ -1859,10 +1863,9 @@
           <a:lstStyle/>
           <a:p>
             <a:r>
-              <a:rPr lang="en-US" smtClean="0"/>
+              <a:rPr lang="en-US"/>
               <a:t>Click to edit Master title style</a:t>
             </a:r>
-            <a:endParaRPr lang="en-US"/>
           </a:p>
         </p:txBody>
       </p:sp>
@@ -1884,7 +1887,7 @@
             <a:fld id="{1D8BD707-D9CF-40AE-B4C6-C98DA3205C09}" type="datetimeFigureOut">
               <a:rPr lang="en-US" smtClean="0"/>
               <a:pPr/>
-              <a:t>8/1/2011</a:t>
+              <a:t>9/4/24</a:t>
             </a:fld>
             <a:endParaRPr lang="en-US"/>
           </a:p>
@@ -1976,7 +1979,7 @@
             <a:fld id="{1D8BD707-D9CF-40AE-B4C6-C98DA3205C09}" type="datetimeFigureOut">
               <a:rPr lang="en-US" smtClean="0"/>
               <a:pPr/>
-              <a:t>8/1/2011</a:t>
+              <a:t>9/4/24</a:t>
             </a:fld>
             <a:endParaRPr lang="en-US"/>
           </a:p>
@@ -2075,10 +2078,9 @@
           </a:lstStyle>
           <a:p>
             <a:r>
-              <a:rPr lang="en-US" smtClean="0"/>
+              <a:rPr lang="en-US"/>
               <a:t>Click to edit Master title style</a:t>
             </a:r>
-            <a:endParaRPr lang="en-US"/>
           </a:p>
         </p:txBody>
       </p:sp>
@@ -2132,38 +2134,37 @@
           <a:p>
             <a:pPr lvl="0"/>
             <a:r>
-              <a:rPr lang="en-US" smtClean="0"/>
+              <a:rPr lang="en-US"/>
               <a:t>Click to edit Master text styles</a:t>
             </a:r>
           </a:p>
           <a:p>
             <a:pPr lvl="1"/>
             <a:r>
-              <a:rPr lang="en-US" smtClean="0"/>
+              <a:rPr lang="en-US"/>
               <a:t>Second level</a:t>
             </a:r>
           </a:p>
           <a:p>
             <a:pPr lvl="2"/>
             <a:r>
-              <a:rPr lang="en-US" smtClean="0"/>
+              <a:rPr lang="en-US"/>
               <a:t>Third level</a:t>
             </a:r>
           </a:p>
           <a:p>
             <a:pPr lvl="3"/>
             <a:r>
-              <a:rPr lang="en-US" smtClean="0"/>
+              <a:rPr lang="en-US"/>
               <a:t>Fourth level</a:t>
             </a:r>
           </a:p>
           <a:p>
             <a:pPr lvl="4"/>
             <a:r>
-              <a:rPr lang="en-US" smtClean="0"/>
+              <a:rPr lang="en-US"/>
               <a:t>Fifth level</a:t>
             </a:r>
-            <a:endParaRPr lang="en-US"/>
           </a:p>
         </p:txBody>
       </p:sp>
@@ -2226,7 +2227,7 @@
           <a:p>
             <a:pPr lvl="0"/>
             <a:r>
-              <a:rPr lang="en-US" smtClean="0"/>
+              <a:rPr lang="en-US"/>
               <a:t>Click to edit Master text styles</a:t>
             </a:r>
           </a:p>
@@ -2250,7 +2251,7 @@
             <a:fld id="{1D8BD707-D9CF-40AE-B4C6-C98DA3205C09}" type="datetimeFigureOut">
               <a:rPr lang="en-US" smtClean="0"/>
               <a:pPr/>
-              <a:t>8/1/2011</a:t>
+              <a:t>9/4/24</a:t>
             </a:fld>
             <a:endParaRPr lang="en-US"/>
           </a:p>
@@ -2349,10 +2350,9 @@
           </a:lstStyle>
           <a:p>
             <a:r>
-              <a:rPr lang="en-US" smtClean="0"/>
+              <a:rPr lang="en-US"/>
               <a:t>Click to edit Master title style</a:t>
             </a:r>
-            <a:endParaRPr lang="en-US"/>
           </a:p>
         </p:txBody>
       </p:sp>
@@ -2476,7 +2476,7 @@
           <a:p>
             <a:pPr lvl="0"/>
             <a:r>
-              <a:rPr lang="en-US" smtClean="0"/>
+              <a:rPr lang="en-US"/>
               <a:t>Click to edit Master text styles</a:t>
             </a:r>
           </a:p>
@@ -2500,7 +2500,7 @@
             <a:fld id="{1D8BD707-D9CF-40AE-B4C6-C98DA3205C09}" type="datetimeFigureOut">
               <a:rPr lang="en-US" smtClean="0"/>
               <a:pPr/>
-              <a:t>8/1/2011</a:t>
+              <a:t>9/4/24</a:t>
             </a:fld>
             <a:endParaRPr lang="en-US"/>
           </a:p>
@@ -2605,10 +2605,9 @@
           <a:lstStyle/>
           <a:p>
             <a:r>
-              <a:rPr lang="en-US" smtClean="0"/>
+              <a:rPr lang="en-US"/>
               <a:t>Click to edit Master title style</a:t>
             </a:r>
-            <a:endParaRPr lang="en-US"/>
           </a:p>
         </p:txBody>
       </p:sp>
@@ -2639,38 +2638,37 @@
           <a:p>
             <a:pPr lvl="0"/>
             <a:r>
-              <a:rPr lang="en-US" smtClean="0"/>
+              <a:rPr lang="en-US"/>
               <a:t>Click to edit Master text styles</a:t>
             </a:r>
           </a:p>
           <a:p>
             <a:pPr lvl="1"/>
             <a:r>
-              <a:rPr lang="en-US" smtClean="0"/>
+              <a:rPr lang="en-US"/>
               <a:t>Second level</a:t>
             </a:r>
           </a:p>
           <a:p>
             <a:pPr lvl="2"/>
             <a:r>
-              <a:rPr lang="en-US" smtClean="0"/>
+              <a:rPr lang="en-US"/>
               <a:t>Third level</a:t>
             </a:r>
           </a:p>
           <a:p>
             <a:pPr lvl="3"/>
             <a:r>
-              <a:rPr lang="en-US" smtClean="0"/>
+              <a:rPr lang="en-US"/>
               <a:t>Fourth level</a:t>
             </a:r>
           </a:p>
           <a:p>
             <a:pPr lvl="4"/>
             <a:r>
-              <a:rPr lang="en-US" smtClean="0"/>
+              <a:rPr lang="en-US"/>
               <a:t>Fifth level</a:t>
             </a:r>
-            <a:endParaRPr lang="en-US"/>
           </a:p>
         </p:txBody>
       </p:sp>
@@ -2710,7 +2708,7 @@
             <a:fld id="{1D8BD707-D9CF-40AE-B4C6-C98DA3205C09}" type="datetimeFigureOut">
               <a:rPr lang="en-US" smtClean="0"/>
               <a:pPr/>
-              <a:t>8/1/2011</a:t>
+              <a:t>9/4/24</a:t>
             </a:fld>
             <a:endParaRPr lang="en-US"/>
           </a:p>
@@ -3065,7 +3063,7 @@
 </file>
 
 <file path=ppt/slides/slide1.xml><?xml version="1.0" encoding="utf-8"?>
-<p:sld xmlns:p="http://schemas.openxmlformats.org/presentationml/2006/main" xmlns:a="http://schemas.openxmlformats.org/drawingml/2006/main" xmlns:r="http://schemas.openxmlformats.org/officeDocument/2006/relationships">
+<p:sld xmlns:a="http://schemas.openxmlformats.org/drawingml/2006/main" xmlns:r="http://schemas.openxmlformats.org/officeDocument/2006/relationships" xmlns:p="http://schemas.openxmlformats.org/presentationml/2006/main">
   <p:cSld>
     <p:spTree>
       <p:nvGrpSpPr>
@@ -3083,12 +3081,12 @@
       </p:grpSpPr>
       <p:sp>
         <p:nvSpPr>
-          <p:cNvPr name="Freeform 2" id="2"/>
+          <p:cNvPr id="2" name="Freeform 2"/>
           <p:cNvSpPr/>
           <p:nvPr/>
         </p:nvSpPr>
         <p:spPr>
-          <a:xfrm flipH="false" flipV="false" rot="0">
+          <a:xfrm>
             <a:off x="1139319" y="3035914"/>
             <a:ext cx="4215172" cy="4215172"/>
           </a:xfrm>
@@ -3097,9 +3095,9 @@
             <a:gdLst/>
             <a:ahLst/>
             <a:cxnLst/>
-            <a:rect r="r" b="b" t="t" l="l"/>
+            <a:rect l="l" t="t" r="r" b="b"/>
             <a:pathLst>
-              <a:path h="4215172" w="4215172">
+              <a:path w="4215172" h="4215172">
                 <a:moveTo>
                   <a:pt x="0" y="0"/>
                 </a:moveTo>
@@ -3122,19 +3120,26 @@
           <a:blipFill>
             <a:blip r:embed="rId2"/>
             <a:stretch>
-              <a:fillRect l="0" t="0" r="0" b="0"/>
+              <a:fillRect/>
             </a:stretch>
           </a:blipFill>
         </p:spPr>
+        <p:txBody>
+          <a:bodyPr/>
+          <a:lstStyle/>
+          <a:p>
+            <a:endParaRPr lang="en-IL"/>
+          </a:p>
+        </p:txBody>
       </p:sp>
       <p:grpSp>
         <p:nvGrpSpPr>
-          <p:cNvPr name="Group 3" id="3"/>
+          <p:cNvPr id="3" name="Group 3"/>
           <p:cNvGrpSpPr/>
           <p:nvPr/>
         </p:nvGrpSpPr>
         <p:grpSpPr>
-          <a:xfrm rot="0">
+          <a:xfrm>
             <a:off x="17749838" y="7527480"/>
             <a:ext cx="47625" cy="1740345"/>
             <a:chOff x="0" y="0"/>
@@ -3143,12 +3148,12 @@
         </p:grpSpPr>
         <p:sp>
           <p:nvSpPr>
-            <p:cNvPr name="Freeform 4" id="4"/>
+            <p:cNvPr id="4" name="Freeform 4"/>
             <p:cNvSpPr/>
             <p:nvPr/>
           </p:nvSpPr>
           <p:spPr>
-            <a:xfrm flipH="false" flipV="false" rot="0">
+            <a:xfrm>
               <a:off x="0" y="0"/>
               <a:ext cx="12543" cy="458362"/>
             </a:xfrm>
@@ -3157,9 +3162,9 @@
               <a:gdLst/>
               <a:ahLst/>
               <a:cxnLst/>
-              <a:rect r="r" b="b" t="t" l="l"/>
+              <a:rect l="l" t="t" r="r" b="b"/>
               <a:pathLst>
-                <a:path h="458362" w="12543">
+                <a:path w="12543" h="458362">
                   <a:moveTo>
                     <a:pt x="0" y="0"/>
                   </a:moveTo>
@@ -3176,7 +3181,7 @@
                 </a:path>
               </a:pathLst>
             </a:custGeom>
-            <a:gradFill rotWithShape="true">
+            <a:gradFill rotWithShape="1">
               <a:gsLst>
                 <a:gs pos="0">
                   <a:srgbClr val="45D0FC">
@@ -3192,11 +3197,18 @@
               <a:lin ang="2700000"/>
             </a:gradFill>
           </p:spPr>
+          <p:txBody>
+            <a:bodyPr/>
+            <a:lstStyle/>
+            <a:p>
+              <a:endParaRPr lang="en-IL"/>
+            </a:p>
+          </p:txBody>
         </p:sp>
         <p:sp>
           <p:nvSpPr>
-            <p:cNvPr name="TextBox 5" id="5"/>
-            <p:cNvSpPr txBox="true"/>
+            <p:cNvPr id="5" name="TextBox 5"/>
+            <p:cNvSpPr txBox="1"/>
             <p:nvPr/>
           </p:nvSpPr>
           <p:spPr>
@@ -3209,7 +3221,7 @@
             </a:prstGeom>
           </p:spPr>
           <p:txBody>
-            <a:bodyPr anchor="ctr" rtlCol="false" tIns="50800" lIns="50800" bIns="50800" rIns="50800"/>
+            <a:bodyPr lIns="50800" tIns="50800" rIns="50800" bIns="50800" rtlCol="0" anchor="ctr"/>
             <a:lstStyle/>
             <a:p>
               <a:pPr algn="ctr">
@@ -3220,18 +3232,19 @@
                   <a:spcPct val="0"/>
                 </a:spcBef>
               </a:pPr>
+              <a:endParaRPr/>
             </a:p>
           </p:txBody>
         </p:sp>
       </p:grpSp>
       <p:grpSp>
         <p:nvGrpSpPr>
-          <p:cNvPr name="Group 6" id="6"/>
+          <p:cNvPr id="6" name="Group 6"/>
           <p:cNvGrpSpPr/>
           <p:nvPr/>
         </p:nvGrpSpPr>
         <p:grpSpPr>
-          <a:xfrm rot="0">
+          <a:xfrm>
             <a:off x="17259300" y="0"/>
             <a:ext cx="1028700" cy="1028700"/>
             <a:chOff x="0" y="0"/>
@@ -3240,12 +3253,12 @@
         </p:grpSpPr>
         <p:sp>
           <p:nvSpPr>
-            <p:cNvPr name="Freeform 7" id="7"/>
+            <p:cNvPr id="7" name="Freeform 7"/>
             <p:cNvSpPr/>
             <p:nvPr/>
           </p:nvSpPr>
           <p:spPr>
-            <a:xfrm flipH="false" flipV="false" rot="0">
+            <a:xfrm>
               <a:off x="0" y="0"/>
               <a:ext cx="270933" cy="270933"/>
             </a:xfrm>
@@ -3254,9 +3267,9 @@
               <a:gdLst/>
               <a:ahLst/>
               <a:cxnLst/>
-              <a:rect r="r" b="b" t="t" l="l"/>
+              <a:rect l="l" t="t" r="r" b="b"/>
               <a:pathLst>
-                <a:path h="270933" w="270933">
+                <a:path w="270933" h="270933">
                   <a:moveTo>
                     <a:pt x="0" y="0"/>
                   </a:moveTo>
@@ -3273,7 +3286,7 @@
                 </a:path>
               </a:pathLst>
             </a:custGeom>
-            <a:gradFill rotWithShape="true">
+            <a:gradFill rotWithShape="1">
               <a:gsLst>
                 <a:gs pos="0">
                   <a:srgbClr val="45D0FC">
@@ -3289,11 +3302,18 @@
               <a:lin ang="2700000"/>
             </a:gradFill>
           </p:spPr>
+          <p:txBody>
+            <a:bodyPr/>
+            <a:lstStyle/>
+            <a:p>
+              <a:endParaRPr lang="en-IL"/>
+            </a:p>
+          </p:txBody>
         </p:sp>
         <p:sp>
           <p:nvSpPr>
-            <p:cNvPr name="TextBox 8" id="8"/>
-            <p:cNvSpPr txBox="true"/>
+            <p:cNvPr id="8" name="TextBox 8"/>
+            <p:cNvSpPr txBox="1"/>
             <p:nvPr/>
           </p:nvSpPr>
           <p:spPr>
@@ -3306,7 +3326,7 @@
             </a:prstGeom>
           </p:spPr>
           <p:txBody>
-            <a:bodyPr anchor="ctr" rtlCol="false" tIns="50800" lIns="50800" bIns="50800" rIns="50800"/>
+            <a:bodyPr lIns="50800" tIns="50800" rIns="50800" bIns="50800" rtlCol="0" anchor="ctr"/>
             <a:lstStyle/>
             <a:p>
               <a:pPr algn="ctr">
@@ -3314,18 +3334,19 @@
                   <a:spcPts val="2659"/>
                 </a:lnSpc>
               </a:pPr>
+              <a:endParaRPr/>
             </a:p>
           </p:txBody>
         </p:sp>
       </p:grpSp>
       <p:grpSp>
         <p:nvGrpSpPr>
-          <p:cNvPr name="Group 9" id="9"/>
+          <p:cNvPr id="9" name="Group 9"/>
           <p:cNvGrpSpPr/>
           <p:nvPr/>
         </p:nvGrpSpPr>
         <p:grpSpPr>
-          <a:xfrm rot="0">
+          <a:xfrm>
             <a:off x="17259300" y="9258300"/>
             <a:ext cx="1028700" cy="1028700"/>
             <a:chOff x="0" y="0"/>
@@ -3334,12 +3355,12 @@
         </p:grpSpPr>
         <p:sp>
           <p:nvSpPr>
-            <p:cNvPr name="Freeform 10" id="10"/>
+            <p:cNvPr id="10" name="Freeform 10"/>
             <p:cNvSpPr/>
             <p:nvPr/>
           </p:nvSpPr>
           <p:spPr>
-            <a:xfrm flipH="false" flipV="false" rot="0">
+            <a:xfrm>
               <a:off x="0" y="0"/>
               <a:ext cx="270933" cy="270933"/>
             </a:xfrm>
@@ -3348,9 +3369,9 @@
               <a:gdLst/>
               <a:ahLst/>
               <a:cxnLst/>
-              <a:rect r="r" b="b" t="t" l="l"/>
+              <a:rect l="l" t="t" r="r" b="b"/>
               <a:pathLst>
-                <a:path h="270933" w="270933">
+                <a:path w="270933" h="270933">
                   <a:moveTo>
                     <a:pt x="0" y="0"/>
                   </a:moveTo>
@@ -3367,7 +3388,7 @@
                 </a:path>
               </a:pathLst>
             </a:custGeom>
-            <a:gradFill rotWithShape="true">
+            <a:gradFill rotWithShape="1">
               <a:gsLst>
                 <a:gs pos="0">
                   <a:srgbClr val="45D0FC">
@@ -3383,11 +3404,18 @@
               <a:lin ang="2700000"/>
             </a:gradFill>
           </p:spPr>
+          <p:txBody>
+            <a:bodyPr/>
+            <a:lstStyle/>
+            <a:p>
+              <a:endParaRPr lang="en-IL"/>
+            </a:p>
+          </p:txBody>
         </p:sp>
         <p:sp>
           <p:nvSpPr>
-            <p:cNvPr name="TextBox 11" id="11"/>
-            <p:cNvSpPr txBox="true"/>
+            <p:cNvPr id="11" name="TextBox 11"/>
+            <p:cNvSpPr txBox="1"/>
             <p:nvPr/>
           </p:nvSpPr>
           <p:spPr>
@@ -3400,7 +3428,7 @@
             </a:prstGeom>
           </p:spPr>
           <p:txBody>
-            <a:bodyPr anchor="ctr" rtlCol="false" tIns="50800" lIns="50800" bIns="50800" rIns="50800"/>
+            <a:bodyPr lIns="50800" tIns="50800" rIns="50800" bIns="50800" rtlCol="0" anchor="ctr"/>
             <a:lstStyle/>
             <a:p>
               <a:pPr algn="ctr">
@@ -3408,18 +3436,19 @@
                   <a:spcPts val="2659"/>
                 </a:lnSpc>
               </a:pPr>
+              <a:endParaRPr/>
             </a:p>
           </p:txBody>
         </p:sp>
       </p:grpSp>
       <p:sp>
         <p:nvSpPr>
-          <p:cNvPr name="Freeform 12" id="12"/>
+          <p:cNvPr id="12" name="Freeform 12"/>
           <p:cNvSpPr/>
           <p:nvPr/>
         </p:nvSpPr>
         <p:spPr>
-          <a:xfrm flipH="false" flipV="false" rot="0">
+          <a:xfrm>
             <a:off x="-49714" y="0"/>
             <a:ext cx="4054177" cy="2131713"/>
           </a:xfrm>
@@ -3428,9 +3457,9 @@
             <a:gdLst/>
             <a:ahLst/>
             <a:cxnLst/>
-            <a:rect r="r" b="b" t="t" l="l"/>
+            <a:rect l="l" t="t" r="r" b="b"/>
             <a:pathLst>
-              <a:path h="2131713" w="4054177">
+              <a:path w="4054177" h="2131713">
                 <a:moveTo>
                   <a:pt x="0" y="0"/>
                 </a:moveTo>
@@ -3453,19 +3482,26 @@
           <a:blipFill>
             <a:blip r:embed="rId3"/>
             <a:stretch>
-              <a:fillRect l="0" t="0" r="0" b="0"/>
+              <a:fillRect/>
             </a:stretch>
           </a:blipFill>
         </p:spPr>
-      </p:sp>
-      <p:sp>
-        <p:nvSpPr>
-          <p:cNvPr name="Freeform 13" id="13"/>
+        <p:txBody>
+          <a:bodyPr/>
+          <a:lstStyle/>
+          <a:p>
+            <a:endParaRPr lang="en-IL"/>
+          </a:p>
+        </p:txBody>
+      </p:sp>
+      <p:sp>
+        <p:nvSpPr>
+          <p:cNvPr id="13" name="Freeform 13"/>
           <p:cNvSpPr/>
           <p:nvPr/>
         </p:nvSpPr>
         <p:spPr>
-          <a:xfrm flipH="false" flipV="false" rot="0">
+          <a:xfrm>
             <a:off x="11475569" y="154168"/>
             <a:ext cx="5449086" cy="1707447"/>
           </a:xfrm>
@@ -3474,9 +3510,9 @@
             <a:gdLst/>
             <a:ahLst/>
             <a:cxnLst/>
-            <a:rect r="r" b="b" t="t" l="l"/>
+            <a:rect l="l" t="t" r="r" b="b"/>
             <a:pathLst>
-              <a:path h="1707447" w="5449086">
+              <a:path w="5449086" h="1707447">
                 <a:moveTo>
                   <a:pt x="0" y="0"/>
                 </a:moveTo>
@@ -3499,19 +3535,26 @@
           <a:blipFill>
             <a:blip r:embed="rId4"/>
             <a:stretch>
-              <a:fillRect l="-6474" t="0" r="0" b="0"/>
+              <a:fillRect l="-6474"/>
             </a:stretch>
           </a:blipFill>
         </p:spPr>
-      </p:sp>
-      <p:sp>
-        <p:nvSpPr>
-          <p:cNvPr name="TextBox 14" id="14"/>
-          <p:cNvSpPr txBox="true"/>
+        <p:txBody>
+          <a:bodyPr/>
+          <a:lstStyle/>
+          <a:p>
+            <a:endParaRPr lang="en-IL"/>
+          </a:p>
+        </p:txBody>
+      </p:sp>
+      <p:sp>
+        <p:nvSpPr>
+          <p:cNvPr id="14" name="TextBox 14"/>
+          <p:cNvSpPr txBox="1"/>
           <p:nvPr/>
         </p:nvSpPr>
         <p:spPr>
-          <a:xfrm rot="0">
+          <a:xfrm>
             <a:off x="17499918" y="9638067"/>
             <a:ext cx="547464" cy="240591"/>
           </a:xfrm>
@@ -3520,7 +3563,7 @@
           </a:prstGeom>
         </p:spPr>
         <p:txBody>
-          <a:bodyPr anchor="t" rtlCol="false" tIns="0" lIns="0" bIns="0" rIns="0">
+          <a:bodyPr lIns="0" tIns="0" rIns="0" bIns="0" rtlCol="0" anchor="t">
             <a:spAutoFit/>
           </a:bodyPr>
           <a:lstStyle/>
@@ -3534,7 +3577,7 @@
               </a:spcBef>
             </a:pPr>
             <a:r>
-              <a:rPr lang="en-US" b="true" sz="1400">
+              <a:rPr lang="en-US" sz="1400" b="1">
                 <a:solidFill>
                   <a:srgbClr val="FFFFFF"/>
                 </a:solidFill>
@@ -3550,12 +3593,12 @@
       </p:sp>
       <p:sp>
         <p:nvSpPr>
-          <p:cNvPr name="TextBox 15" id="15"/>
-          <p:cNvSpPr txBox="true"/>
+          <p:cNvPr id="15" name="TextBox 15"/>
+          <p:cNvSpPr txBox="1"/>
           <p:nvPr/>
         </p:nvSpPr>
         <p:spPr>
-          <a:xfrm rot="0">
+          <a:xfrm>
             <a:off x="6370530" y="2731114"/>
             <a:ext cx="10210078" cy="2712602"/>
           </a:xfrm>
@@ -3564,7 +3607,7 @@
           </a:prstGeom>
         </p:spPr>
         <p:txBody>
-          <a:bodyPr anchor="t" rtlCol="false" tIns="0" lIns="0" bIns="0" rIns="0">
+          <a:bodyPr lIns="0" tIns="0" rIns="0" bIns="0" rtlCol="0" anchor="t">
             <a:spAutoFit/>
           </a:bodyPr>
           <a:lstStyle/>
@@ -3578,7 +3621,7 @@
               </a:spcBef>
             </a:pPr>
             <a:r>
-              <a:rPr lang="en-US" b="true" sz="15829">
+              <a:rPr lang="en-US" sz="15829" b="1">
                 <a:solidFill>
                   <a:srgbClr val="1F2020"/>
                 </a:solidFill>
@@ -3594,12 +3637,12 @@
       </p:sp>
       <p:sp>
         <p:nvSpPr>
-          <p:cNvPr name="TextBox 16" id="16"/>
-          <p:cNvSpPr txBox="true"/>
+          <p:cNvPr id="16" name="TextBox 16"/>
+          <p:cNvSpPr txBox="1"/>
           <p:nvPr/>
         </p:nvSpPr>
         <p:spPr>
-          <a:xfrm rot="0">
+          <a:xfrm>
             <a:off x="6370530" y="4770721"/>
             <a:ext cx="10210078" cy="2752085"/>
           </a:xfrm>
@@ -3608,7 +3651,7 @@
           </a:prstGeom>
         </p:spPr>
         <p:txBody>
-          <a:bodyPr anchor="t" rtlCol="false" tIns="0" lIns="0" bIns="0" rIns="0">
+          <a:bodyPr lIns="0" tIns="0" rIns="0" bIns="0" rtlCol="0" anchor="t">
             <a:spAutoFit/>
           </a:bodyPr>
           <a:lstStyle/>
@@ -3622,7 +3665,7 @@
               </a:spcBef>
             </a:pPr>
             <a:r>
-              <a:rPr lang="en-US" b="true" sz="7900">
+              <a:rPr lang="en-US" sz="7900" b="1">
                 <a:solidFill>
                   <a:srgbClr val="02CDFF"/>
                 </a:solidFill>
@@ -3638,12 +3681,12 @@
       </p:sp>
       <p:sp>
         <p:nvSpPr>
-          <p:cNvPr name="TextBox 17" id="17"/>
-          <p:cNvSpPr txBox="true"/>
+          <p:cNvPr id="17" name="TextBox 17"/>
+          <p:cNvSpPr txBox="1"/>
           <p:nvPr/>
         </p:nvSpPr>
         <p:spPr>
-          <a:xfrm rot="0">
+          <a:xfrm>
             <a:off x="753462" y="8877088"/>
             <a:ext cx="6502001" cy="435958"/>
           </a:xfrm>
@@ -3652,7 +3695,7 @@
           </a:prstGeom>
         </p:spPr>
         <p:txBody>
-          <a:bodyPr anchor="t" rtlCol="false" tIns="0" lIns="0" bIns="0" rIns="0">
+          <a:bodyPr lIns="0" tIns="0" rIns="0" bIns="0" rtlCol="0" anchor="t">
             <a:spAutoFit/>
           </a:bodyPr>
           <a:lstStyle/>
@@ -3666,7 +3709,7 @@
               </a:spcBef>
             </a:pPr>
             <a:r>
-              <a:rPr lang="en-US" b="true" sz="2500">
+              <a:rPr lang="en-US" sz="2500" b="1">
                 <a:solidFill>
                   <a:srgbClr val="02CDFF"/>
                 </a:solidFill>
@@ -3682,12 +3725,12 @@
       </p:sp>
       <p:sp>
         <p:nvSpPr>
-          <p:cNvPr name="TextBox 18" id="18"/>
-          <p:cNvSpPr txBox="true"/>
+          <p:cNvPr id="18" name="TextBox 18"/>
+          <p:cNvSpPr txBox="1"/>
           <p:nvPr/>
         </p:nvSpPr>
         <p:spPr>
-          <a:xfrm rot="0">
+          <a:xfrm>
             <a:off x="753462" y="9442700"/>
             <a:ext cx="6502001" cy="435958"/>
           </a:xfrm>
@@ -3696,7 +3739,7 @@
           </a:prstGeom>
         </p:spPr>
         <p:txBody>
-          <a:bodyPr anchor="t" rtlCol="false" tIns="0" lIns="0" bIns="0" rIns="0">
+          <a:bodyPr lIns="0" tIns="0" rIns="0" bIns="0" rtlCol="0" anchor="t">
             <a:spAutoFit/>
           </a:bodyPr>
           <a:lstStyle/>
@@ -3710,7 +3753,7 @@
               </a:spcBef>
             </a:pPr>
             <a:r>
-              <a:rPr lang="en-US" b="true" sz="2500">
+              <a:rPr lang="en-US" sz="2500" b="1">
                 <a:solidFill>
                   <a:srgbClr val="02CDFF"/>
                 </a:solidFill>
@@ -3733,7 +3776,7 @@
 </file>
 
 <file path=ppt/slides/slide2.xml><?xml version="1.0" encoding="utf-8"?>
-<p:sld xmlns:p="http://schemas.openxmlformats.org/presentationml/2006/main" xmlns:a="http://schemas.openxmlformats.org/drawingml/2006/main">
+<p:sld xmlns:a="http://schemas.openxmlformats.org/drawingml/2006/main" xmlns:r="http://schemas.openxmlformats.org/officeDocument/2006/relationships" xmlns:p="http://schemas.openxmlformats.org/presentationml/2006/main">
   <p:cSld>
     <p:spTree>
       <p:nvGrpSpPr>
@@ -3751,12 +3794,12 @@
       </p:grpSpPr>
       <p:grpSp>
         <p:nvGrpSpPr>
-          <p:cNvPr name="Group 2" id="2"/>
+          <p:cNvPr id="2" name="Group 2"/>
           <p:cNvGrpSpPr/>
           <p:nvPr/>
         </p:nvGrpSpPr>
         <p:grpSpPr>
-          <a:xfrm rot="0">
+          <a:xfrm>
             <a:off x="17749838" y="7527480"/>
             <a:ext cx="47625" cy="1740345"/>
             <a:chOff x="0" y="0"/>
@@ -3765,12 +3808,12 @@
         </p:grpSpPr>
         <p:sp>
           <p:nvSpPr>
-            <p:cNvPr name="Freeform 3" id="3"/>
+            <p:cNvPr id="3" name="Freeform 3"/>
             <p:cNvSpPr/>
             <p:nvPr/>
           </p:nvSpPr>
           <p:spPr>
-            <a:xfrm flipH="false" flipV="false" rot="0">
+            <a:xfrm>
               <a:off x="0" y="0"/>
               <a:ext cx="12543" cy="458362"/>
             </a:xfrm>
@@ -3779,9 +3822,9 @@
               <a:gdLst/>
               <a:ahLst/>
               <a:cxnLst/>
-              <a:rect r="r" b="b" t="t" l="l"/>
+              <a:rect l="l" t="t" r="r" b="b"/>
               <a:pathLst>
-                <a:path h="458362" w="12543">
+                <a:path w="12543" h="458362">
                   <a:moveTo>
                     <a:pt x="0" y="0"/>
                   </a:moveTo>
@@ -3798,7 +3841,7 @@
                 </a:path>
               </a:pathLst>
             </a:custGeom>
-            <a:gradFill rotWithShape="true">
+            <a:gradFill rotWithShape="1">
               <a:gsLst>
                 <a:gs pos="0">
                   <a:srgbClr val="45D0FC">
@@ -3814,11 +3857,18 @@
               <a:lin ang="2700000"/>
             </a:gradFill>
           </p:spPr>
+          <p:txBody>
+            <a:bodyPr/>
+            <a:lstStyle/>
+            <a:p>
+              <a:endParaRPr lang="en-IL"/>
+            </a:p>
+          </p:txBody>
         </p:sp>
         <p:sp>
           <p:nvSpPr>
-            <p:cNvPr name="TextBox 4" id="4"/>
-            <p:cNvSpPr txBox="true"/>
+            <p:cNvPr id="4" name="TextBox 4"/>
+            <p:cNvSpPr txBox="1"/>
             <p:nvPr/>
           </p:nvSpPr>
           <p:spPr>
@@ -3831,7 +3881,7 @@
             </a:prstGeom>
           </p:spPr>
           <p:txBody>
-            <a:bodyPr anchor="ctr" rtlCol="false" tIns="50800" lIns="50800" bIns="50800" rIns="50800"/>
+            <a:bodyPr lIns="50800" tIns="50800" rIns="50800" bIns="50800" rtlCol="0" anchor="ctr"/>
             <a:lstStyle/>
             <a:p>
               <a:pPr algn="ctr">
@@ -3842,18 +3892,19 @@
                   <a:spcPct val="0"/>
                 </a:spcBef>
               </a:pPr>
+              <a:endParaRPr/>
             </a:p>
           </p:txBody>
         </p:sp>
       </p:grpSp>
       <p:grpSp>
         <p:nvGrpSpPr>
-          <p:cNvPr name="Group 5" id="5"/>
+          <p:cNvPr id="5" name="Group 5"/>
           <p:cNvGrpSpPr/>
           <p:nvPr/>
         </p:nvGrpSpPr>
         <p:grpSpPr>
-          <a:xfrm rot="0">
+          <a:xfrm>
             <a:off x="17259300" y="0"/>
             <a:ext cx="1028700" cy="1028700"/>
             <a:chOff x="0" y="0"/>
@@ -3862,12 +3913,12 @@
         </p:grpSpPr>
         <p:sp>
           <p:nvSpPr>
-            <p:cNvPr name="Freeform 6" id="6"/>
+            <p:cNvPr id="6" name="Freeform 6"/>
             <p:cNvSpPr/>
             <p:nvPr/>
           </p:nvSpPr>
           <p:spPr>
-            <a:xfrm flipH="false" flipV="false" rot="0">
+            <a:xfrm>
               <a:off x="0" y="0"/>
               <a:ext cx="270933" cy="270933"/>
             </a:xfrm>
@@ -3876,9 +3927,9 @@
               <a:gdLst/>
               <a:ahLst/>
               <a:cxnLst/>
-              <a:rect r="r" b="b" t="t" l="l"/>
+              <a:rect l="l" t="t" r="r" b="b"/>
               <a:pathLst>
-                <a:path h="270933" w="270933">
+                <a:path w="270933" h="270933">
                   <a:moveTo>
                     <a:pt x="0" y="0"/>
                   </a:moveTo>
@@ -3895,7 +3946,7 @@
                 </a:path>
               </a:pathLst>
             </a:custGeom>
-            <a:gradFill rotWithShape="true">
+            <a:gradFill rotWithShape="1">
               <a:gsLst>
                 <a:gs pos="0">
                   <a:srgbClr val="45D0FC">
@@ -3911,11 +3962,18 @@
               <a:lin ang="2700000"/>
             </a:gradFill>
           </p:spPr>
+          <p:txBody>
+            <a:bodyPr/>
+            <a:lstStyle/>
+            <a:p>
+              <a:endParaRPr lang="en-IL"/>
+            </a:p>
+          </p:txBody>
         </p:sp>
         <p:sp>
           <p:nvSpPr>
-            <p:cNvPr name="TextBox 7" id="7"/>
-            <p:cNvSpPr txBox="true"/>
+            <p:cNvPr id="7" name="TextBox 7"/>
+            <p:cNvSpPr txBox="1"/>
             <p:nvPr/>
           </p:nvSpPr>
           <p:spPr>
@@ -3928,7 +3986,7 @@
             </a:prstGeom>
           </p:spPr>
           <p:txBody>
-            <a:bodyPr anchor="ctr" rtlCol="false" tIns="50800" lIns="50800" bIns="50800" rIns="50800"/>
+            <a:bodyPr lIns="50800" tIns="50800" rIns="50800" bIns="50800" rtlCol="0" anchor="ctr"/>
             <a:lstStyle/>
             <a:p>
               <a:pPr algn="ctr">
@@ -3936,18 +3994,19 @@
                   <a:spcPts val="2659"/>
                 </a:lnSpc>
               </a:pPr>
+              <a:endParaRPr/>
             </a:p>
           </p:txBody>
         </p:sp>
       </p:grpSp>
       <p:grpSp>
         <p:nvGrpSpPr>
-          <p:cNvPr name="Group 8" id="8"/>
+          <p:cNvPr id="8" name="Group 8"/>
           <p:cNvGrpSpPr/>
           <p:nvPr/>
         </p:nvGrpSpPr>
         <p:grpSpPr>
-          <a:xfrm rot="0">
+          <a:xfrm>
             <a:off x="17259300" y="9258300"/>
             <a:ext cx="1028700" cy="1028700"/>
             <a:chOff x="0" y="0"/>
@@ -3956,12 +4015,12 @@
         </p:grpSpPr>
         <p:sp>
           <p:nvSpPr>
-            <p:cNvPr name="Freeform 9" id="9"/>
+            <p:cNvPr id="9" name="Freeform 9"/>
             <p:cNvSpPr/>
             <p:nvPr/>
           </p:nvSpPr>
           <p:spPr>
-            <a:xfrm flipH="false" flipV="false" rot="0">
+            <a:xfrm>
               <a:off x="0" y="0"/>
               <a:ext cx="270933" cy="270933"/>
             </a:xfrm>
@@ -3970,9 +4029,9 @@
               <a:gdLst/>
               <a:ahLst/>
               <a:cxnLst/>
-              <a:rect r="r" b="b" t="t" l="l"/>
+              <a:rect l="l" t="t" r="r" b="b"/>
               <a:pathLst>
-                <a:path h="270933" w="270933">
+                <a:path w="270933" h="270933">
                   <a:moveTo>
                     <a:pt x="0" y="0"/>
                   </a:moveTo>
@@ -3989,7 +4048,7 @@
                 </a:path>
               </a:pathLst>
             </a:custGeom>
-            <a:gradFill rotWithShape="true">
+            <a:gradFill rotWithShape="1">
               <a:gsLst>
                 <a:gs pos="0">
                   <a:srgbClr val="45D0FC">
@@ -4005,11 +4064,18 @@
               <a:lin ang="2700000"/>
             </a:gradFill>
           </p:spPr>
+          <p:txBody>
+            <a:bodyPr/>
+            <a:lstStyle/>
+            <a:p>
+              <a:endParaRPr lang="en-IL"/>
+            </a:p>
+          </p:txBody>
         </p:sp>
         <p:sp>
           <p:nvSpPr>
-            <p:cNvPr name="TextBox 10" id="10"/>
-            <p:cNvSpPr txBox="true"/>
+            <p:cNvPr id="10" name="TextBox 10"/>
+            <p:cNvSpPr txBox="1"/>
             <p:nvPr/>
           </p:nvSpPr>
           <p:spPr>
@@ -4022,7 +4088,7 @@
             </a:prstGeom>
           </p:spPr>
           <p:txBody>
-            <a:bodyPr anchor="ctr" rtlCol="false" tIns="50800" lIns="50800" bIns="50800" rIns="50800"/>
+            <a:bodyPr lIns="50800" tIns="50800" rIns="50800" bIns="50800" rtlCol="0" anchor="ctr"/>
             <a:lstStyle/>
             <a:p>
               <a:pPr algn="ctr">
@@ -4030,18 +4096,19 @@
                   <a:spcPts val="2659"/>
                 </a:lnSpc>
               </a:pPr>
+              <a:endParaRPr/>
             </a:p>
           </p:txBody>
         </p:sp>
       </p:grpSp>
       <p:sp>
         <p:nvSpPr>
-          <p:cNvPr name="TextBox 11" id="11"/>
-          <p:cNvSpPr txBox="true"/>
+          <p:cNvPr id="11" name="TextBox 11"/>
+          <p:cNvSpPr txBox="1"/>
           <p:nvPr/>
         </p:nvSpPr>
         <p:spPr>
-          <a:xfrm rot="0">
+          <a:xfrm>
             <a:off x="17499918" y="9638067"/>
             <a:ext cx="547464" cy="240591"/>
           </a:xfrm>
@@ -4050,7 +4117,7 @@
           </a:prstGeom>
         </p:spPr>
         <p:txBody>
-          <a:bodyPr anchor="t" rtlCol="false" tIns="0" lIns="0" bIns="0" rIns="0">
+          <a:bodyPr lIns="0" tIns="0" rIns="0" bIns="0" rtlCol="0" anchor="t">
             <a:spAutoFit/>
           </a:bodyPr>
           <a:lstStyle/>
@@ -4064,7 +4131,7 @@
               </a:spcBef>
             </a:pPr>
             <a:r>
-              <a:rPr lang="en-US" b="true" sz="1400">
+              <a:rPr lang="en-US" sz="1400" b="1">
                 <a:solidFill>
                   <a:srgbClr val="FFFFFF"/>
                 </a:solidFill>
@@ -4080,12 +4147,12 @@
       </p:sp>
       <p:sp>
         <p:nvSpPr>
-          <p:cNvPr name="TextBox 12" id="12"/>
-          <p:cNvSpPr txBox="true"/>
+          <p:cNvPr id="12" name="TextBox 12"/>
+          <p:cNvSpPr txBox="1"/>
           <p:nvPr/>
         </p:nvSpPr>
         <p:spPr>
-          <a:xfrm rot="0">
+          <a:xfrm>
             <a:off x="4108301" y="601662"/>
             <a:ext cx="9645468" cy="920750"/>
           </a:xfrm>
@@ -4094,7 +4161,7 @@
           </a:prstGeom>
         </p:spPr>
         <p:txBody>
-          <a:bodyPr anchor="t" rtlCol="false" tIns="0" lIns="0" bIns="0" rIns="0">
+          <a:bodyPr lIns="0" tIns="0" rIns="0" bIns="0" rtlCol="0" anchor="t">
             <a:spAutoFit/>
           </a:bodyPr>
           <a:lstStyle/>
@@ -4105,7 +4172,7 @@
               </a:lnSpc>
             </a:pPr>
             <a:r>
-              <a:rPr lang="en-US" b="true" sz="6500">
+              <a:rPr lang="en-US" sz="6500" b="1">
                 <a:solidFill>
                   <a:srgbClr val="02CDFF"/>
                 </a:solidFill>
@@ -4121,12 +4188,12 @@
       </p:sp>
       <p:sp>
         <p:nvSpPr>
-          <p:cNvPr name="TextBox 13" id="13"/>
-          <p:cNvSpPr txBox="true"/>
+          <p:cNvPr id="13" name="TextBox 13"/>
+          <p:cNvSpPr txBox="1"/>
           <p:nvPr/>
         </p:nvSpPr>
         <p:spPr>
-          <a:xfrm rot="0">
+          <a:xfrm>
             <a:off x="1282900" y="2655854"/>
             <a:ext cx="14989891" cy="1323736"/>
           </a:xfrm>
@@ -4135,7 +4202,7 @@
           </a:prstGeom>
         </p:spPr>
         <p:txBody>
-          <a:bodyPr anchor="t" rtlCol="false" tIns="0" lIns="0" bIns="0" rIns="0">
+          <a:bodyPr lIns="0" tIns="0" rIns="0" bIns="0" rtlCol="0" anchor="t">
             <a:spAutoFit/>
           </a:bodyPr>
           <a:lstStyle/>
@@ -4165,12 +4232,12 @@
       </p:sp>
       <p:sp>
         <p:nvSpPr>
-          <p:cNvPr name="TextBox 14" id="14"/>
-          <p:cNvSpPr txBox="true"/>
+          <p:cNvPr id="14" name="TextBox 14"/>
+          <p:cNvSpPr txBox="1"/>
           <p:nvPr/>
         </p:nvSpPr>
         <p:spPr>
-          <a:xfrm rot="0">
+          <a:xfrm>
             <a:off x="1621762" y="6002887"/>
             <a:ext cx="5133129" cy="2105735"/>
           </a:xfrm>
@@ -4179,7 +4246,7 @@
           </a:prstGeom>
         </p:spPr>
         <p:txBody>
-          <a:bodyPr anchor="t" rtlCol="false" tIns="0" lIns="0" bIns="0" rIns="0">
+          <a:bodyPr lIns="0" tIns="0" rIns="0" bIns="0" rtlCol="0" anchor="t">
             <a:spAutoFit/>
           </a:bodyPr>
           <a:lstStyle/>
@@ -4209,12 +4276,12 @@
       </p:sp>
       <p:sp>
         <p:nvSpPr>
-          <p:cNvPr name="TextBox 15" id="15"/>
-          <p:cNvSpPr txBox="true"/>
+          <p:cNvPr id="15" name="TextBox 15"/>
+          <p:cNvSpPr txBox="1"/>
           <p:nvPr/>
         </p:nvSpPr>
         <p:spPr>
-          <a:xfrm rot="0">
+          <a:xfrm>
             <a:off x="1621762" y="5280633"/>
             <a:ext cx="6502001" cy="435958"/>
           </a:xfrm>
@@ -4223,7 +4290,7 @@
           </a:prstGeom>
         </p:spPr>
         <p:txBody>
-          <a:bodyPr anchor="t" rtlCol="false" tIns="0" lIns="0" bIns="0" rIns="0">
+          <a:bodyPr lIns="0" tIns="0" rIns="0" bIns="0" rtlCol="0" anchor="t">
             <a:spAutoFit/>
           </a:bodyPr>
           <a:lstStyle/>
@@ -4237,7 +4304,7 @@
               </a:spcBef>
             </a:pPr>
             <a:r>
-              <a:rPr lang="en-US" b="true" sz="2500">
+              <a:rPr lang="en-US" sz="2500" b="1">
                 <a:solidFill>
                   <a:srgbClr val="02CDFF"/>
                 </a:solidFill>
@@ -4253,12 +4320,12 @@
       </p:sp>
       <p:sp>
         <p:nvSpPr>
-          <p:cNvPr name="TextBox 16" id="16"/>
-          <p:cNvSpPr txBox="true"/>
+          <p:cNvPr id="16" name="TextBox 16"/>
+          <p:cNvSpPr txBox="1"/>
           <p:nvPr/>
         </p:nvSpPr>
         <p:spPr>
-          <a:xfrm rot="0">
+          <a:xfrm>
             <a:off x="1282900" y="2080543"/>
             <a:ext cx="3195282" cy="356235"/>
           </a:xfrm>
@@ -4267,7 +4334,7 @@
           </a:prstGeom>
         </p:spPr>
         <p:txBody>
-          <a:bodyPr anchor="t" rtlCol="false" tIns="0" lIns="0" bIns="0" rIns="0">
+          <a:bodyPr lIns="0" tIns="0" rIns="0" bIns="0" rtlCol="0" anchor="t">
             <a:spAutoFit/>
           </a:bodyPr>
           <a:lstStyle/>
@@ -4281,7 +4348,7 @@
               </a:spcBef>
             </a:pPr>
             <a:r>
-              <a:rPr lang="en-US" b="true" sz="2099">
+              <a:rPr lang="en-US" sz="2099" b="1">
                 <a:solidFill>
                   <a:srgbClr val="02CDFF"/>
                 </a:solidFill>
@@ -4297,12 +4364,12 @@
       </p:sp>
       <p:sp>
         <p:nvSpPr>
-          <p:cNvPr name="TextBox 17" id="17"/>
-          <p:cNvSpPr txBox="true"/>
+          <p:cNvPr id="17" name="TextBox 17"/>
+          <p:cNvSpPr txBox="1"/>
           <p:nvPr/>
         </p:nvSpPr>
         <p:spPr>
-          <a:xfrm rot="0">
+          <a:xfrm>
             <a:off x="9685800" y="6002887"/>
             <a:ext cx="5133129" cy="2105735"/>
           </a:xfrm>
@@ -4311,7 +4378,7 @@
           </a:prstGeom>
         </p:spPr>
         <p:txBody>
-          <a:bodyPr anchor="t" rtlCol="false" tIns="0" lIns="0" bIns="0" rIns="0">
+          <a:bodyPr lIns="0" tIns="0" rIns="0" bIns="0" rtlCol="0" anchor="t">
             <a:spAutoFit/>
           </a:bodyPr>
           <a:lstStyle/>
@@ -4341,12 +4408,12 @@
       </p:sp>
       <p:sp>
         <p:nvSpPr>
-          <p:cNvPr name="TextBox 18" id="18"/>
-          <p:cNvSpPr txBox="true"/>
+          <p:cNvPr id="18" name="TextBox 18"/>
+          <p:cNvSpPr txBox="1"/>
           <p:nvPr/>
         </p:nvSpPr>
         <p:spPr>
-          <a:xfrm rot="0">
+          <a:xfrm>
             <a:off x="9685800" y="5280633"/>
             <a:ext cx="6502001" cy="435958"/>
           </a:xfrm>
@@ -4355,7 +4422,7 @@
           </a:prstGeom>
         </p:spPr>
         <p:txBody>
-          <a:bodyPr anchor="t" rtlCol="false" tIns="0" lIns="0" bIns="0" rIns="0">
+          <a:bodyPr lIns="0" tIns="0" rIns="0" bIns="0" rtlCol="0" anchor="t">
             <a:spAutoFit/>
           </a:bodyPr>
           <a:lstStyle/>
@@ -4369,7 +4436,7 @@
               </a:spcBef>
             </a:pPr>
             <a:r>
-              <a:rPr lang="en-US" b="true" sz="2500">
+              <a:rPr lang="en-US" sz="2500" b="1">
                 <a:solidFill>
                   <a:srgbClr val="02CDFF"/>
                 </a:solidFill>
@@ -4392,7 +4459,7 @@
 </file>
 
 <file path=ppt/slides/slide3.xml><?xml version="1.0" encoding="utf-8"?>
-<p:sld xmlns:p="http://schemas.openxmlformats.org/presentationml/2006/main" xmlns:a="http://schemas.openxmlformats.org/drawingml/2006/main">
+<p:sld xmlns:a="http://schemas.openxmlformats.org/drawingml/2006/main" xmlns:r="http://schemas.openxmlformats.org/officeDocument/2006/relationships" xmlns:p="http://schemas.openxmlformats.org/presentationml/2006/main">
   <p:cSld>
     <p:spTree>
       <p:nvGrpSpPr>
@@ -4410,12 +4477,12 @@
       </p:grpSpPr>
       <p:grpSp>
         <p:nvGrpSpPr>
-          <p:cNvPr name="Group 2" id="2"/>
+          <p:cNvPr id="2" name="Group 2"/>
           <p:cNvGrpSpPr/>
           <p:nvPr/>
         </p:nvGrpSpPr>
         <p:grpSpPr>
-          <a:xfrm rot="0">
+          <a:xfrm>
             <a:off x="17749838" y="7527480"/>
             <a:ext cx="47625" cy="1740345"/>
             <a:chOff x="0" y="0"/>
@@ -4424,12 +4491,12 @@
         </p:grpSpPr>
         <p:sp>
           <p:nvSpPr>
-            <p:cNvPr name="Freeform 3" id="3"/>
+            <p:cNvPr id="3" name="Freeform 3"/>
             <p:cNvSpPr/>
             <p:nvPr/>
           </p:nvSpPr>
           <p:spPr>
-            <a:xfrm flipH="false" flipV="false" rot="0">
+            <a:xfrm>
               <a:off x="0" y="0"/>
               <a:ext cx="12543" cy="458362"/>
             </a:xfrm>
@@ -4438,9 +4505,9 @@
               <a:gdLst/>
               <a:ahLst/>
               <a:cxnLst/>
-              <a:rect r="r" b="b" t="t" l="l"/>
+              <a:rect l="l" t="t" r="r" b="b"/>
               <a:pathLst>
-                <a:path h="458362" w="12543">
+                <a:path w="12543" h="458362">
                   <a:moveTo>
                     <a:pt x="0" y="0"/>
                   </a:moveTo>
@@ -4457,7 +4524,7 @@
                 </a:path>
               </a:pathLst>
             </a:custGeom>
-            <a:gradFill rotWithShape="true">
+            <a:gradFill rotWithShape="1">
               <a:gsLst>
                 <a:gs pos="0">
                   <a:srgbClr val="45D0FC">
@@ -4473,11 +4540,18 @@
               <a:lin ang="2700000"/>
             </a:gradFill>
           </p:spPr>
+          <p:txBody>
+            <a:bodyPr/>
+            <a:lstStyle/>
+            <a:p>
+              <a:endParaRPr lang="en-IL"/>
+            </a:p>
+          </p:txBody>
         </p:sp>
         <p:sp>
           <p:nvSpPr>
-            <p:cNvPr name="TextBox 4" id="4"/>
-            <p:cNvSpPr txBox="true"/>
+            <p:cNvPr id="4" name="TextBox 4"/>
+            <p:cNvSpPr txBox="1"/>
             <p:nvPr/>
           </p:nvSpPr>
           <p:spPr>
@@ -4490,7 +4564,7 @@
             </a:prstGeom>
           </p:spPr>
           <p:txBody>
-            <a:bodyPr anchor="ctr" rtlCol="false" tIns="50800" lIns="50800" bIns="50800" rIns="50800"/>
+            <a:bodyPr lIns="50800" tIns="50800" rIns="50800" bIns="50800" rtlCol="0" anchor="ctr"/>
             <a:lstStyle/>
             <a:p>
               <a:pPr algn="ctr">
@@ -4501,18 +4575,19 @@
                   <a:spcPct val="0"/>
                 </a:spcBef>
               </a:pPr>
+              <a:endParaRPr/>
             </a:p>
           </p:txBody>
         </p:sp>
       </p:grpSp>
       <p:grpSp>
         <p:nvGrpSpPr>
-          <p:cNvPr name="Group 5" id="5"/>
+          <p:cNvPr id="5" name="Group 5"/>
           <p:cNvGrpSpPr/>
           <p:nvPr/>
         </p:nvGrpSpPr>
         <p:grpSpPr>
-          <a:xfrm rot="0">
+          <a:xfrm>
             <a:off x="17259300" y="0"/>
             <a:ext cx="1028700" cy="1028700"/>
             <a:chOff x="0" y="0"/>
@@ -4521,12 +4596,12 @@
         </p:grpSpPr>
         <p:sp>
           <p:nvSpPr>
-            <p:cNvPr name="Freeform 6" id="6"/>
+            <p:cNvPr id="6" name="Freeform 6"/>
             <p:cNvSpPr/>
             <p:nvPr/>
           </p:nvSpPr>
           <p:spPr>
-            <a:xfrm flipH="false" flipV="false" rot="0">
+            <a:xfrm>
               <a:off x="0" y="0"/>
               <a:ext cx="270933" cy="270933"/>
             </a:xfrm>
@@ -4535,9 +4610,9 @@
               <a:gdLst/>
               <a:ahLst/>
               <a:cxnLst/>
-              <a:rect r="r" b="b" t="t" l="l"/>
+              <a:rect l="l" t="t" r="r" b="b"/>
               <a:pathLst>
-                <a:path h="270933" w="270933">
+                <a:path w="270933" h="270933">
                   <a:moveTo>
                     <a:pt x="0" y="0"/>
                   </a:moveTo>
@@ -4554,7 +4629,7 @@
                 </a:path>
               </a:pathLst>
             </a:custGeom>
-            <a:gradFill rotWithShape="true">
+            <a:gradFill rotWithShape="1">
               <a:gsLst>
                 <a:gs pos="0">
                   <a:srgbClr val="45D0FC">
@@ -4570,11 +4645,18 @@
               <a:lin ang="2700000"/>
             </a:gradFill>
           </p:spPr>
+          <p:txBody>
+            <a:bodyPr/>
+            <a:lstStyle/>
+            <a:p>
+              <a:endParaRPr lang="en-IL"/>
+            </a:p>
+          </p:txBody>
         </p:sp>
         <p:sp>
           <p:nvSpPr>
-            <p:cNvPr name="TextBox 7" id="7"/>
-            <p:cNvSpPr txBox="true"/>
+            <p:cNvPr id="7" name="TextBox 7"/>
+            <p:cNvSpPr txBox="1"/>
             <p:nvPr/>
           </p:nvSpPr>
           <p:spPr>
@@ -4587,7 +4669,7 @@
             </a:prstGeom>
           </p:spPr>
           <p:txBody>
-            <a:bodyPr anchor="ctr" rtlCol="false" tIns="50800" lIns="50800" bIns="50800" rIns="50800"/>
+            <a:bodyPr lIns="50800" tIns="50800" rIns="50800" bIns="50800" rtlCol="0" anchor="ctr"/>
             <a:lstStyle/>
             <a:p>
               <a:pPr algn="ctr">
@@ -4595,18 +4677,19 @@
                   <a:spcPts val="2659"/>
                 </a:lnSpc>
               </a:pPr>
+              <a:endParaRPr/>
             </a:p>
           </p:txBody>
         </p:sp>
       </p:grpSp>
       <p:grpSp>
         <p:nvGrpSpPr>
-          <p:cNvPr name="Group 8" id="8"/>
+          <p:cNvPr id="8" name="Group 8"/>
           <p:cNvGrpSpPr/>
           <p:nvPr/>
         </p:nvGrpSpPr>
         <p:grpSpPr>
-          <a:xfrm rot="0">
+          <a:xfrm>
             <a:off x="17259300" y="9258300"/>
             <a:ext cx="1028700" cy="1028700"/>
             <a:chOff x="0" y="0"/>
@@ -4615,12 +4698,12 @@
         </p:grpSpPr>
         <p:sp>
           <p:nvSpPr>
-            <p:cNvPr name="Freeform 9" id="9"/>
+            <p:cNvPr id="9" name="Freeform 9"/>
             <p:cNvSpPr/>
             <p:nvPr/>
           </p:nvSpPr>
           <p:spPr>
-            <a:xfrm flipH="false" flipV="false" rot="0">
+            <a:xfrm>
               <a:off x="0" y="0"/>
               <a:ext cx="270933" cy="270933"/>
             </a:xfrm>
@@ -4629,9 +4712,9 @@
               <a:gdLst/>
               <a:ahLst/>
               <a:cxnLst/>
-              <a:rect r="r" b="b" t="t" l="l"/>
+              <a:rect l="l" t="t" r="r" b="b"/>
               <a:pathLst>
-                <a:path h="270933" w="270933">
+                <a:path w="270933" h="270933">
                   <a:moveTo>
                     <a:pt x="0" y="0"/>
                   </a:moveTo>
@@ -4648,7 +4731,7 @@
                 </a:path>
               </a:pathLst>
             </a:custGeom>
-            <a:gradFill rotWithShape="true">
+            <a:gradFill rotWithShape="1">
               <a:gsLst>
                 <a:gs pos="0">
                   <a:srgbClr val="45D0FC">
@@ -4664,11 +4747,18 @@
               <a:lin ang="2700000"/>
             </a:gradFill>
           </p:spPr>
+          <p:txBody>
+            <a:bodyPr/>
+            <a:lstStyle/>
+            <a:p>
+              <a:endParaRPr lang="en-IL"/>
+            </a:p>
+          </p:txBody>
         </p:sp>
         <p:sp>
           <p:nvSpPr>
-            <p:cNvPr name="TextBox 10" id="10"/>
-            <p:cNvSpPr txBox="true"/>
+            <p:cNvPr id="10" name="TextBox 10"/>
+            <p:cNvSpPr txBox="1"/>
             <p:nvPr/>
           </p:nvSpPr>
           <p:spPr>
@@ -4681,7 +4771,7 @@
             </a:prstGeom>
           </p:spPr>
           <p:txBody>
-            <a:bodyPr anchor="ctr" rtlCol="false" tIns="50800" lIns="50800" bIns="50800" rIns="50800"/>
+            <a:bodyPr lIns="50800" tIns="50800" rIns="50800" bIns="50800" rtlCol="0" anchor="ctr"/>
             <a:lstStyle/>
             <a:p>
               <a:pPr algn="ctr">
@@ -4689,18 +4779,19 @@
                   <a:spcPts val="2659"/>
                 </a:lnSpc>
               </a:pPr>
+              <a:endParaRPr/>
             </a:p>
           </p:txBody>
         </p:sp>
       </p:grpSp>
       <p:sp>
         <p:nvSpPr>
-          <p:cNvPr name="TextBox 11" id="11"/>
-          <p:cNvSpPr txBox="true"/>
+          <p:cNvPr id="11" name="TextBox 11"/>
+          <p:cNvSpPr txBox="1"/>
           <p:nvPr/>
         </p:nvSpPr>
         <p:spPr>
-          <a:xfrm rot="0">
+          <a:xfrm>
             <a:off x="17499918" y="9638067"/>
             <a:ext cx="547464" cy="240591"/>
           </a:xfrm>
@@ -4709,7 +4800,7 @@
           </a:prstGeom>
         </p:spPr>
         <p:txBody>
-          <a:bodyPr anchor="t" rtlCol="false" tIns="0" lIns="0" bIns="0" rIns="0">
+          <a:bodyPr lIns="0" tIns="0" rIns="0" bIns="0" rtlCol="0" anchor="t">
             <a:spAutoFit/>
           </a:bodyPr>
           <a:lstStyle/>
@@ -4723,7 +4814,7 @@
               </a:spcBef>
             </a:pPr>
             <a:r>
-              <a:rPr lang="en-US" b="true" sz="1400">
+              <a:rPr lang="en-US" sz="1400" b="1">
                 <a:solidFill>
                   <a:srgbClr val="FFFFFF"/>
                 </a:solidFill>
@@ -4739,12 +4830,12 @@
       </p:sp>
       <p:sp>
         <p:nvSpPr>
-          <p:cNvPr name="TextBox 12" id="12"/>
-          <p:cNvSpPr txBox="true"/>
+          <p:cNvPr id="12" name="TextBox 12"/>
+          <p:cNvSpPr txBox="1"/>
           <p:nvPr/>
         </p:nvSpPr>
         <p:spPr>
-          <a:xfrm rot="0">
+          <a:xfrm>
             <a:off x="4459973" y="601662"/>
             <a:ext cx="9368055" cy="920750"/>
           </a:xfrm>
@@ -4753,7 +4844,7 @@
           </a:prstGeom>
         </p:spPr>
         <p:txBody>
-          <a:bodyPr anchor="t" rtlCol="false" tIns="0" lIns="0" bIns="0" rIns="0">
+          <a:bodyPr lIns="0" tIns="0" rIns="0" bIns="0" rtlCol="0" anchor="t">
             <a:spAutoFit/>
           </a:bodyPr>
           <a:lstStyle/>
@@ -4764,7 +4855,7 @@
               </a:lnSpc>
             </a:pPr>
             <a:r>
-              <a:rPr lang="en-US" b="true" sz="6500">
+              <a:rPr lang="en-US" sz="6500" b="1">
                 <a:solidFill>
                   <a:srgbClr val="02CDFF"/>
                 </a:solidFill>
@@ -4780,12 +4871,12 @@
       </p:sp>
       <p:grpSp>
         <p:nvGrpSpPr>
-          <p:cNvPr name="Group 13" id="13"/>
+          <p:cNvPr id="13" name="Group 13"/>
           <p:cNvGrpSpPr/>
           <p:nvPr/>
         </p:nvGrpSpPr>
         <p:grpSpPr>
-          <a:xfrm rot="0">
+          <a:xfrm>
             <a:off x="1606912" y="2678253"/>
             <a:ext cx="1048857" cy="1048857"/>
             <a:chOff x="0" y="0"/>
@@ -4794,12 +4885,12 @@
         </p:grpSpPr>
         <p:sp>
           <p:nvSpPr>
-            <p:cNvPr name="Freeform 14" id="14"/>
+            <p:cNvPr id="14" name="Freeform 14"/>
             <p:cNvSpPr/>
             <p:nvPr/>
           </p:nvSpPr>
           <p:spPr>
-            <a:xfrm flipH="false" flipV="false" rot="0">
+            <a:xfrm>
               <a:off x="0" y="0"/>
               <a:ext cx="178502" cy="178502"/>
             </a:xfrm>
@@ -4808,9 +4899,9 @@
               <a:gdLst/>
               <a:ahLst/>
               <a:cxnLst/>
-              <a:rect r="r" b="b" t="t" l="l"/>
+              <a:rect l="l" t="t" r="r" b="b"/>
               <a:pathLst>
-                <a:path h="178502" w="178502">
+                <a:path w="178502" h="178502">
                   <a:moveTo>
                     <a:pt x="0" y="0"/>
                   </a:moveTo>
@@ -4827,7 +4918,7 @@
                 </a:path>
               </a:pathLst>
             </a:custGeom>
-            <a:gradFill rotWithShape="true">
+            <a:gradFill rotWithShape="1">
               <a:gsLst>
                 <a:gs pos="0">
                   <a:srgbClr val="45D0FC">
@@ -4843,11 +4934,18 @@
               <a:lin ang="2700000"/>
             </a:gradFill>
           </p:spPr>
+          <p:txBody>
+            <a:bodyPr/>
+            <a:lstStyle/>
+            <a:p>
+              <a:endParaRPr lang="en-IL"/>
+            </a:p>
+          </p:txBody>
         </p:sp>
         <p:sp>
           <p:nvSpPr>
-            <p:cNvPr name="TextBox 15" id="15"/>
-            <p:cNvSpPr txBox="true"/>
+            <p:cNvPr id="15" name="TextBox 15"/>
+            <p:cNvSpPr txBox="1"/>
             <p:nvPr/>
           </p:nvSpPr>
           <p:spPr>
@@ -4860,7 +4958,7 @@
             </a:prstGeom>
           </p:spPr>
           <p:txBody>
-            <a:bodyPr anchor="ctr" rtlCol="false" tIns="50800" lIns="50800" bIns="50800" rIns="50800"/>
+            <a:bodyPr lIns="50800" tIns="50800" rIns="50800" bIns="50800" rtlCol="0" anchor="ctr"/>
             <a:lstStyle/>
             <a:p>
               <a:pPr algn="ctr">
@@ -4868,18 +4966,19 @@
                   <a:spcPts val="2659"/>
                 </a:lnSpc>
               </a:pPr>
+              <a:endParaRPr/>
             </a:p>
           </p:txBody>
         </p:sp>
       </p:grpSp>
       <p:sp>
         <p:nvSpPr>
-          <p:cNvPr name="TextBox 16" id="16"/>
-          <p:cNvSpPr txBox="true"/>
+          <p:cNvPr id="16" name="TextBox 16"/>
+          <p:cNvSpPr txBox="1"/>
           <p:nvPr/>
         </p:nvSpPr>
         <p:spPr>
-          <a:xfrm rot="0">
+          <a:xfrm>
             <a:off x="3150011" y="3201033"/>
             <a:ext cx="5419521" cy="2251437"/>
           </a:xfrm>
@@ -4888,7 +4987,7 @@
           </a:prstGeom>
         </p:spPr>
         <p:txBody>
-          <a:bodyPr anchor="t" rtlCol="false" tIns="0" lIns="0" bIns="0" rIns="0">
+          <a:bodyPr lIns="0" tIns="0" rIns="0" bIns="0" rtlCol="0" anchor="t">
             <a:spAutoFit/>
           </a:bodyPr>
           <a:lstStyle/>
@@ -4918,12 +5017,12 @@
       </p:sp>
       <p:sp>
         <p:nvSpPr>
-          <p:cNvPr name="TextBox 17" id="17"/>
-          <p:cNvSpPr txBox="true"/>
+          <p:cNvPr id="17" name="TextBox 17"/>
+          <p:cNvSpPr txBox="1"/>
           <p:nvPr/>
         </p:nvSpPr>
         <p:spPr>
-          <a:xfrm rot="0">
+          <a:xfrm>
             <a:off x="1747461" y="2947216"/>
             <a:ext cx="767758" cy="463306"/>
           </a:xfrm>
@@ -4932,7 +5031,7 @@
           </a:prstGeom>
         </p:spPr>
         <p:txBody>
-          <a:bodyPr anchor="t" rtlCol="false" tIns="0" lIns="0" bIns="0" rIns="0">
+          <a:bodyPr lIns="0" tIns="0" rIns="0" bIns="0" rtlCol="0" anchor="t">
             <a:spAutoFit/>
           </a:bodyPr>
           <a:lstStyle/>
@@ -4946,7 +5045,7 @@
               </a:spcBef>
             </a:pPr>
             <a:r>
-              <a:rPr lang="en-US" b="true" sz="2785">
+              <a:rPr lang="en-US" sz="2785" b="1">
                 <a:solidFill>
                   <a:srgbClr val="FFFFFF"/>
                 </a:solidFill>
@@ -4962,12 +5061,12 @@
       </p:sp>
       <p:sp>
         <p:nvSpPr>
-          <p:cNvPr name="TextBox 18" id="18"/>
-          <p:cNvSpPr txBox="true"/>
+          <p:cNvPr id="18" name="TextBox 18"/>
+          <p:cNvSpPr txBox="1"/>
           <p:nvPr/>
         </p:nvSpPr>
         <p:spPr>
-          <a:xfrm rot="0">
+          <a:xfrm>
             <a:off x="3150011" y="2640153"/>
             <a:ext cx="3113709" cy="366321"/>
           </a:xfrm>
@@ -4976,7 +5075,7 @@
           </a:prstGeom>
         </p:spPr>
         <p:txBody>
-          <a:bodyPr anchor="t" rtlCol="false" tIns="0" lIns="0" bIns="0" rIns="0">
+          <a:bodyPr lIns="0" tIns="0" rIns="0" bIns="0" rtlCol="0" anchor="t">
             <a:spAutoFit/>
           </a:bodyPr>
           <a:lstStyle/>
@@ -4990,7 +5089,7 @@
               </a:spcBef>
             </a:pPr>
             <a:r>
-              <a:rPr lang="en-US" b="true" sz="2166">
+              <a:rPr lang="en-US" sz="2166" b="1">
                 <a:solidFill>
                   <a:srgbClr val="02CDFF"/>
                 </a:solidFill>
@@ -5006,12 +5105,12 @@
       </p:sp>
       <p:sp>
         <p:nvSpPr>
-          <p:cNvPr name="TextBox 19" id="19"/>
-          <p:cNvSpPr txBox="true"/>
+          <p:cNvPr id="19" name="TextBox 19"/>
+          <p:cNvSpPr txBox="1"/>
           <p:nvPr/>
         </p:nvSpPr>
         <p:spPr>
-          <a:xfrm rot="0">
+          <a:xfrm>
             <a:off x="9677210" y="2971060"/>
             <a:ext cx="848681" cy="516645"/>
           </a:xfrm>
@@ -5020,7 +5119,7 @@
           </a:prstGeom>
         </p:spPr>
         <p:txBody>
-          <a:bodyPr anchor="t" rtlCol="false" tIns="0" lIns="0" bIns="0" rIns="0">
+          <a:bodyPr lIns="0" tIns="0" rIns="0" bIns="0" rtlCol="0" anchor="t">
             <a:spAutoFit/>
           </a:bodyPr>
           <a:lstStyle/>
@@ -5034,7 +5133,7 @@
               </a:spcBef>
             </a:pPr>
             <a:r>
-              <a:rPr lang="en-US" b="true" sz="3079">
+              <a:rPr lang="en-US" sz="3079" b="1">
                 <a:solidFill>
                   <a:srgbClr val="FFFFFF"/>
                 </a:solidFill>
@@ -5050,12 +5149,12 @@
       </p:sp>
       <p:grpSp>
         <p:nvGrpSpPr>
-          <p:cNvPr name="Group 20" id="20"/>
+          <p:cNvPr id="20" name="Group 20"/>
           <p:cNvGrpSpPr/>
           <p:nvPr/>
         </p:nvGrpSpPr>
         <p:grpSpPr>
-          <a:xfrm rot="0">
+          <a:xfrm>
             <a:off x="9677210" y="2678253"/>
             <a:ext cx="1048857" cy="1048857"/>
             <a:chOff x="0" y="0"/>
@@ -5064,12 +5163,12 @@
         </p:grpSpPr>
         <p:sp>
           <p:nvSpPr>
-            <p:cNvPr name="Freeform 21" id="21"/>
+            <p:cNvPr id="21" name="Freeform 21"/>
             <p:cNvSpPr/>
             <p:nvPr/>
           </p:nvSpPr>
           <p:spPr>
-            <a:xfrm flipH="false" flipV="false" rot="0">
+            <a:xfrm>
               <a:off x="0" y="0"/>
               <a:ext cx="178502" cy="178502"/>
             </a:xfrm>
@@ -5078,9 +5177,9 @@
               <a:gdLst/>
               <a:ahLst/>
               <a:cxnLst/>
-              <a:rect r="r" b="b" t="t" l="l"/>
+              <a:rect l="l" t="t" r="r" b="b"/>
               <a:pathLst>
-                <a:path h="178502" w="178502">
+                <a:path w="178502" h="178502">
                   <a:moveTo>
                     <a:pt x="0" y="0"/>
                   </a:moveTo>
@@ -5097,7 +5196,7 @@
                 </a:path>
               </a:pathLst>
             </a:custGeom>
-            <a:gradFill rotWithShape="true">
+            <a:gradFill rotWithShape="1">
               <a:gsLst>
                 <a:gs pos="0">
                   <a:srgbClr val="45D0FC">
@@ -5113,11 +5212,18 @@
               <a:lin ang="2700000"/>
             </a:gradFill>
           </p:spPr>
+          <p:txBody>
+            <a:bodyPr/>
+            <a:lstStyle/>
+            <a:p>
+              <a:endParaRPr lang="en-IL"/>
+            </a:p>
+          </p:txBody>
         </p:sp>
         <p:sp>
           <p:nvSpPr>
-            <p:cNvPr name="TextBox 22" id="22"/>
-            <p:cNvSpPr txBox="true"/>
+            <p:cNvPr id="22" name="TextBox 22"/>
+            <p:cNvSpPr txBox="1"/>
             <p:nvPr/>
           </p:nvSpPr>
           <p:spPr>
@@ -5130,7 +5236,7 @@
             </a:prstGeom>
           </p:spPr>
           <p:txBody>
-            <a:bodyPr anchor="ctr" rtlCol="false" tIns="50800" lIns="50800" bIns="50800" rIns="50800"/>
+            <a:bodyPr lIns="50800" tIns="50800" rIns="50800" bIns="50800" rtlCol="0" anchor="ctr"/>
             <a:lstStyle/>
             <a:p>
               <a:pPr algn="ctr">
@@ -5138,18 +5244,19 @@
                   <a:spcPts val="2659"/>
                 </a:lnSpc>
               </a:pPr>
+              <a:endParaRPr/>
             </a:p>
           </p:txBody>
         </p:sp>
       </p:grpSp>
       <p:sp>
         <p:nvSpPr>
-          <p:cNvPr name="TextBox 23" id="23"/>
-          <p:cNvSpPr txBox="true"/>
+          <p:cNvPr id="23" name="TextBox 23"/>
+          <p:cNvSpPr txBox="1"/>
           <p:nvPr/>
         </p:nvSpPr>
         <p:spPr>
-          <a:xfrm rot="0">
+          <a:xfrm>
             <a:off x="9817759" y="2947216"/>
             <a:ext cx="767758" cy="463306"/>
           </a:xfrm>
@@ -5158,7 +5265,7 @@
           </a:prstGeom>
         </p:spPr>
         <p:txBody>
-          <a:bodyPr anchor="t" rtlCol="false" tIns="0" lIns="0" bIns="0" rIns="0">
+          <a:bodyPr lIns="0" tIns="0" rIns="0" bIns="0" rtlCol="0" anchor="t">
             <a:spAutoFit/>
           </a:bodyPr>
           <a:lstStyle/>
@@ -5172,7 +5279,7 @@
               </a:spcBef>
             </a:pPr>
             <a:r>
-              <a:rPr lang="en-US" b="true" sz="2785">
+              <a:rPr lang="en-US" sz="2785" b="1">
                 <a:solidFill>
                   <a:srgbClr val="FFFFFF"/>
                 </a:solidFill>
@@ -5188,12 +5295,12 @@
       </p:sp>
       <p:sp>
         <p:nvSpPr>
-          <p:cNvPr name="TextBox 24" id="24"/>
-          <p:cNvSpPr txBox="true"/>
+          <p:cNvPr id="24" name="TextBox 24"/>
+          <p:cNvSpPr txBox="1"/>
           <p:nvPr/>
         </p:nvSpPr>
         <p:spPr>
-          <a:xfrm rot="0">
+          <a:xfrm>
             <a:off x="11221367" y="3201033"/>
             <a:ext cx="5419521" cy="1927147"/>
           </a:xfrm>
@@ -5202,7 +5309,7 @@
           </a:prstGeom>
         </p:spPr>
         <p:txBody>
-          <a:bodyPr anchor="t" rtlCol="false" tIns="0" lIns="0" bIns="0" rIns="0">
+          <a:bodyPr lIns="0" tIns="0" rIns="0" bIns="0" rtlCol="0" anchor="t">
             <a:spAutoFit/>
           </a:bodyPr>
           <a:lstStyle/>
@@ -5232,12 +5339,12 @@
       </p:sp>
       <p:sp>
         <p:nvSpPr>
-          <p:cNvPr name="TextBox 25" id="25"/>
-          <p:cNvSpPr txBox="true"/>
+          <p:cNvPr id="25" name="TextBox 25"/>
+          <p:cNvSpPr txBox="1"/>
           <p:nvPr/>
         </p:nvSpPr>
         <p:spPr>
-          <a:xfrm rot="0">
+          <a:xfrm>
             <a:off x="11221367" y="2640153"/>
             <a:ext cx="3113709" cy="366321"/>
           </a:xfrm>
@@ -5246,7 +5353,7 @@
           </a:prstGeom>
         </p:spPr>
         <p:txBody>
-          <a:bodyPr anchor="t" rtlCol="false" tIns="0" lIns="0" bIns="0" rIns="0">
+          <a:bodyPr lIns="0" tIns="0" rIns="0" bIns="0" rtlCol="0" anchor="t">
             <a:spAutoFit/>
           </a:bodyPr>
           <a:lstStyle/>
@@ -5260,7 +5367,7 @@
               </a:spcBef>
             </a:pPr>
             <a:r>
-              <a:rPr lang="en-US" b="true" sz="2166">
+              <a:rPr lang="en-US" sz="2166" b="1">
                 <a:solidFill>
                   <a:srgbClr val="02CDFF"/>
                 </a:solidFill>
@@ -5274,6 +5381,66 @@
           </a:p>
         </p:txBody>
       </p:sp>
+      <p:pic>
+        <p:nvPicPr>
+          <p:cNvPr id="26" name="Picture 25">
+            <a:extLst>
+              <a:ext uri="{FF2B5EF4-FFF2-40B4-BE49-F238E27FC236}">
+                <a16:creationId xmlns:a16="http://schemas.microsoft.com/office/drawing/2014/main" id="{EA85CC83-F20B-0FD8-2206-23D164F19C16}"/>
+              </a:ext>
+            </a:extLst>
+          </p:cNvPr>
+          <p:cNvPicPr>
+            <a:picLocks noChangeAspect="1"/>
+          </p:cNvPicPr>
+          <p:nvPr/>
+        </p:nvPicPr>
+        <p:blipFill>
+          <a:blip r:embed="rId2"/>
+          <a:stretch>
+            <a:fillRect/>
+          </a:stretch>
+        </p:blipFill>
+        <p:spPr>
+          <a:xfrm>
+            <a:off x="3933825" y="6187379"/>
+            <a:ext cx="9894203" cy="3520957"/>
+          </a:xfrm>
+          <a:prstGeom prst="rect">
+            <a:avLst/>
+          </a:prstGeom>
+        </p:spPr>
+      </p:pic>
+      <p:pic>
+        <p:nvPicPr>
+          <p:cNvPr id="27" name="Picture 26">
+            <a:extLst>
+              <a:ext uri="{FF2B5EF4-FFF2-40B4-BE49-F238E27FC236}">
+                <a16:creationId xmlns:a16="http://schemas.microsoft.com/office/drawing/2014/main" id="{B3AC859A-29E0-4A79-8EC2-758F78DB1F57}"/>
+              </a:ext>
+            </a:extLst>
+          </p:cNvPr>
+          <p:cNvPicPr>
+            <a:picLocks noChangeAspect="1"/>
+          </p:cNvPicPr>
+          <p:nvPr/>
+        </p:nvPicPr>
+        <p:blipFill>
+          <a:blip r:embed="rId3"/>
+          <a:stretch>
+            <a:fillRect/>
+          </a:stretch>
+        </p:blipFill>
+        <p:spPr>
+          <a:xfrm>
+            <a:off x="7464876" y="5462496"/>
+            <a:ext cx="2832100" cy="647700"/>
+          </a:xfrm>
+          <a:prstGeom prst="rect">
+            <a:avLst/>
+          </a:prstGeom>
+        </p:spPr>
+      </p:pic>
     </p:spTree>
   </p:cSld>
   <p:clrMapOvr>
@@ -5283,7 +5450,7 @@
 </file>
 
 <file path=ppt/slides/slide4.xml><?xml version="1.0" encoding="utf-8"?>
-<p:sld xmlns:p="http://schemas.openxmlformats.org/presentationml/2006/main" xmlns:a="http://schemas.openxmlformats.org/drawingml/2006/main">
+<p:sld xmlns:a="http://schemas.openxmlformats.org/drawingml/2006/main" xmlns:r="http://schemas.openxmlformats.org/officeDocument/2006/relationships" xmlns:p="http://schemas.openxmlformats.org/presentationml/2006/main">
   <p:cSld>
     <p:spTree>
       <p:nvGrpSpPr>
@@ -5301,12 +5468,12 @@
       </p:grpSpPr>
       <p:grpSp>
         <p:nvGrpSpPr>
-          <p:cNvPr name="Group 2" id="2"/>
+          <p:cNvPr id="2" name="Group 2"/>
           <p:cNvGrpSpPr/>
           <p:nvPr/>
         </p:nvGrpSpPr>
         <p:grpSpPr>
-          <a:xfrm rot="0">
+          <a:xfrm>
             <a:off x="17749838" y="7527480"/>
             <a:ext cx="47625" cy="1740345"/>
             <a:chOff x="0" y="0"/>
@@ -5315,12 +5482,12 @@
         </p:grpSpPr>
         <p:sp>
           <p:nvSpPr>
-            <p:cNvPr name="Freeform 3" id="3"/>
+            <p:cNvPr id="3" name="Freeform 3"/>
             <p:cNvSpPr/>
             <p:nvPr/>
           </p:nvSpPr>
           <p:spPr>
-            <a:xfrm flipH="false" flipV="false" rot="0">
+            <a:xfrm>
               <a:off x="0" y="0"/>
               <a:ext cx="12543" cy="458362"/>
             </a:xfrm>
@@ -5329,9 +5496,9 @@
               <a:gdLst/>
               <a:ahLst/>
               <a:cxnLst/>
-              <a:rect r="r" b="b" t="t" l="l"/>
+              <a:rect l="l" t="t" r="r" b="b"/>
               <a:pathLst>
-                <a:path h="458362" w="12543">
+                <a:path w="12543" h="458362">
                   <a:moveTo>
                     <a:pt x="0" y="0"/>
                   </a:moveTo>
@@ -5348,7 +5515,7 @@
                 </a:path>
               </a:pathLst>
             </a:custGeom>
-            <a:gradFill rotWithShape="true">
+            <a:gradFill rotWithShape="1">
               <a:gsLst>
                 <a:gs pos="0">
                   <a:srgbClr val="45D0FC">
@@ -5364,11 +5531,18 @@
               <a:lin ang="2700000"/>
             </a:gradFill>
           </p:spPr>
+          <p:txBody>
+            <a:bodyPr/>
+            <a:lstStyle/>
+            <a:p>
+              <a:endParaRPr lang="en-IL"/>
+            </a:p>
+          </p:txBody>
         </p:sp>
         <p:sp>
           <p:nvSpPr>
-            <p:cNvPr name="TextBox 4" id="4"/>
-            <p:cNvSpPr txBox="true"/>
+            <p:cNvPr id="4" name="TextBox 4"/>
+            <p:cNvSpPr txBox="1"/>
             <p:nvPr/>
           </p:nvSpPr>
           <p:spPr>
@@ -5381,7 +5555,7 @@
             </a:prstGeom>
           </p:spPr>
           <p:txBody>
-            <a:bodyPr anchor="ctr" rtlCol="false" tIns="50800" lIns="50800" bIns="50800" rIns="50800"/>
+            <a:bodyPr lIns="50800" tIns="50800" rIns="50800" bIns="50800" rtlCol="0" anchor="ctr"/>
             <a:lstStyle/>
             <a:p>
               <a:pPr algn="ctr">
@@ -5392,18 +5566,19 @@
                   <a:spcPct val="0"/>
                 </a:spcBef>
               </a:pPr>
+              <a:endParaRPr/>
             </a:p>
           </p:txBody>
         </p:sp>
       </p:grpSp>
       <p:grpSp>
         <p:nvGrpSpPr>
-          <p:cNvPr name="Group 5" id="5"/>
+          <p:cNvPr id="5" name="Group 5"/>
           <p:cNvGrpSpPr/>
           <p:nvPr/>
         </p:nvGrpSpPr>
         <p:grpSpPr>
-          <a:xfrm rot="0">
+          <a:xfrm>
             <a:off x="17259300" y="0"/>
             <a:ext cx="1028700" cy="1028700"/>
             <a:chOff x="0" y="0"/>
@@ -5412,12 +5587,12 @@
         </p:grpSpPr>
         <p:sp>
           <p:nvSpPr>
-            <p:cNvPr name="Freeform 6" id="6"/>
+            <p:cNvPr id="6" name="Freeform 6"/>
             <p:cNvSpPr/>
             <p:nvPr/>
           </p:nvSpPr>
           <p:spPr>
-            <a:xfrm flipH="false" flipV="false" rot="0">
+            <a:xfrm>
               <a:off x="0" y="0"/>
               <a:ext cx="270933" cy="270933"/>
             </a:xfrm>
@@ -5426,9 +5601,9 @@
               <a:gdLst/>
               <a:ahLst/>
               <a:cxnLst/>
-              <a:rect r="r" b="b" t="t" l="l"/>
+              <a:rect l="l" t="t" r="r" b="b"/>
               <a:pathLst>
-                <a:path h="270933" w="270933">
+                <a:path w="270933" h="270933">
                   <a:moveTo>
                     <a:pt x="0" y="0"/>
                   </a:moveTo>
@@ -5445,7 +5620,7 @@
                 </a:path>
               </a:pathLst>
             </a:custGeom>
-            <a:gradFill rotWithShape="true">
+            <a:gradFill rotWithShape="1">
               <a:gsLst>
                 <a:gs pos="0">
                   <a:srgbClr val="45D0FC">
@@ -5461,11 +5636,18 @@
               <a:lin ang="2700000"/>
             </a:gradFill>
           </p:spPr>
+          <p:txBody>
+            <a:bodyPr/>
+            <a:lstStyle/>
+            <a:p>
+              <a:endParaRPr lang="en-IL"/>
+            </a:p>
+          </p:txBody>
         </p:sp>
         <p:sp>
           <p:nvSpPr>
-            <p:cNvPr name="TextBox 7" id="7"/>
-            <p:cNvSpPr txBox="true"/>
+            <p:cNvPr id="7" name="TextBox 7"/>
+            <p:cNvSpPr txBox="1"/>
             <p:nvPr/>
           </p:nvSpPr>
           <p:spPr>
@@ -5478,7 +5660,7 @@
             </a:prstGeom>
           </p:spPr>
           <p:txBody>
-            <a:bodyPr anchor="ctr" rtlCol="false" tIns="50800" lIns="50800" bIns="50800" rIns="50800"/>
+            <a:bodyPr lIns="50800" tIns="50800" rIns="50800" bIns="50800" rtlCol="0" anchor="ctr"/>
             <a:lstStyle/>
             <a:p>
               <a:pPr algn="ctr">
@@ -5486,18 +5668,19 @@
                   <a:spcPts val="2659"/>
                 </a:lnSpc>
               </a:pPr>
+              <a:endParaRPr/>
             </a:p>
           </p:txBody>
         </p:sp>
       </p:grpSp>
       <p:grpSp>
         <p:nvGrpSpPr>
-          <p:cNvPr name="Group 8" id="8"/>
+          <p:cNvPr id="8" name="Group 8"/>
           <p:cNvGrpSpPr/>
           <p:nvPr/>
         </p:nvGrpSpPr>
         <p:grpSpPr>
-          <a:xfrm rot="0">
+          <a:xfrm>
             <a:off x="17259300" y="9258300"/>
             <a:ext cx="1028700" cy="1028700"/>
             <a:chOff x="0" y="0"/>
@@ -5506,12 +5689,12 @@
         </p:grpSpPr>
         <p:sp>
           <p:nvSpPr>
-            <p:cNvPr name="Freeform 9" id="9"/>
+            <p:cNvPr id="9" name="Freeform 9"/>
             <p:cNvSpPr/>
             <p:nvPr/>
           </p:nvSpPr>
           <p:spPr>
-            <a:xfrm flipH="false" flipV="false" rot="0">
+            <a:xfrm>
               <a:off x="0" y="0"/>
               <a:ext cx="270933" cy="270933"/>
             </a:xfrm>
@@ -5520,9 +5703,9 @@
               <a:gdLst/>
               <a:ahLst/>
               <a:cxnLst/>
-              <a:rect r="r" b="b" t="t" l="l"/>
+              <a:rect l="l" t="t" r="r" b="b"/>
               <a:pathLst>
-                <a:path h="270933" w="270933">
+                <a:path w="270933" h="270933">
                   <a:moveTo>
                     <a:pt x="0" y="0"/>
                   </a:moveTo>
@@ -5539,7 +5722,7 @@
                 </a:path>
               </a:pathLst>
             </a:custGeom>
-            <a:gradFill rotWithShape="true">
+            <a:gradFill rotWithShape="1">
               <a:gsLst>
                 <a:gs pos="0">
                   <a:srgbClr val="45D0FC">
@@ -5555,11 +5738,18 @@
               <a:lin ang="2700000"/>
             </a:gradFill>
           </p:spPr>
+          <p:txBody>
+            <a:bodyPr/>
+            <a:lstStyle/>
+            <a:p>
+              <a:endParaRPr lang="en-IL"/>
+            </a:p>
+          </p:txBody>
         </p:sp>
         <p:sp>
           <p:nvSpPr>
-            <p:cNvPr name="TextBox 10" id="10"/>
-            <p:cNvSpPr txBox="true"/>
+            <p:cNvPr id="10" name="TextBox 10"/>
+            <p:cNvSpPr txBox="1"/>
             <p:nvPr/>
           </p:nvSpPr>
           <p:spPr>
@@ -5572,7 +5762,7 @@
             </a:prstGeom>
           </p:spPr>
           <p:txBody>
-            <a:bodyPr anchor="ctr" rtlCol="false" tIns="50800" lIns="50800" bIns="50800" rIns="50800"/>
+            <a:bodyPr lIns="50800" tIns="50800" rIns="50800" bIns="50800" rtlCol="0" anchor="ctr"/>
             <a:lstStyle/>
             <a:p>
               <a:pPr algn="ctr">
@@ -5580,18 +5770,19 @@
                   <a:spcPts val="2659"/>
                 </a:lnSpc>
               </a:pPr>
+              <a:endParaRPr/>
             </a:p>
           </p:txBody>
         </p:sp>
       </p:grpSp>
       <p:sp>
         <p:nvSpPr>
-          <p:cNvPr name="TextBox 11" id="11"/>
-          <p:cNvSpPr txBox="true"/>
+          <p:cNvPr id="11" name="TextBox 11"/>
+          <p:cNvSpPr txBox="1"/>
           <p:nvPr/>
         </p:nvSpPr>
         <p:spPr>
-          <a:xfrm rot="0">
+          <a:xfrm>
             <a:off x="17499918" y="9638067"/>
             <a:ext cx="547464" cy="240591"/>
           </a:xfrm>
@@ -5600,7 +5791,7 @@
           </a:prstGeom>
         </p:spPr>
         <p:txBody>
-          <a:bodyPr anchor="t" rtlCol="false" tIns="0" lIns="0" bIns="0" rIns="0">
+          <a:bodyPr lIns="0" tIns="0" rIns="0" bIns="0" rtlCol="0" anchor="t">
             <a:spAutoFit/>
           </a:bodyPr>
           <a:lstStyle/>
@@ -5614,7 +5805,7 @@
               </a:spcBef>
             </a:pPr>
             <a:r>
-              <a:rPr lang="en-US" b="true" sz="1400">
+              <a:rPr lang="en-US" sz="1400" b="1">
                 <a:solidFill>
                   <a:srgbClr val="FFFFFF"/>
                 </a:solidFill>
@@ -5630,12 +5821,12 @@
       </p:sp>
       <p:sp>
         <p:nvSpPr>
-          <p:cNvPr name="TextBox 12" id="12"/>
-          <p:cNvSpPr txBox="true"/>
+          <p:cNvPr id="12" name="TextBox 12"/>
+          <p:cNvSpPr txBox="1"/>
           <p:nvPr/>
         </p:nvSpPr>
         <p:spPr>
-          <a:xfrm rot="0">
+          <a:xfrm>
             <a:off x="4513937" y="601662"/>
             <a:ext cx="9260126" cy="920750"/>
           </a:xfrm>
@@ -5644,7 +5835,7 @@
           </a:prstGeom>
         </p:spPr>
         <p:txBody>
-          <a:bodyPr anchor="t" rtlCol="false" tIns="0" lIns="0" bIns="0" rIns="0">
+          <a:bodyPr lIns="0" tIns="0" rIns="0" bIns="0" rtlCol="0" anchor="t">
             <a:spAutoFit/>
           </a:bodyPr>
           <a:lstStyle/>
@@ -5655,7 +5846,7 @@
               </a:lnSpc>
             </a:pPr>
             <a:r>
-              <a:rPr lang="en-US" b="true" sz="6500">
+              <a:rPr lang="en-US" sz="6500" b="1">
                 <a:solidFill>
                   <a:srgbClr val="02CDFF"/>
                 </a:solidFill>
@@ -5671,12 +5862,12 @@
       </p:sp>
       <p:sp>
         <p:nvSpPr>
-          <p:cNvPr name="TextBox 13" id="13"/>
-          <p:cNvSpPr txBox="true"/>
+          <p:cNvPr id="13" name="TextBox 13"/>
+          <p:cNvSpPr txBox="1"/>
           <p:nvPr/>
         </p:nvSpPr>
         <p:spPr>
-          <a:xfrm rot="0">
+          <a:xfrm>
             <a:off x="2152695" y="3370571"/>
             <a:ext cx="12400257" cy="2008110"/>
           </a:xfrm>
@@ -5685,7 +5876,7 @@
           </a:prstGeom>
         </p:spPr>
         <p:txBody>
-          <a:bodyPr anchor="t" rtlCol="false" tIns="0" lIns="0" bIns="0" rIns="0">
+          <a:bodyPr lIns="0" tIns="0" rIns="0" bIns="0" rtlCol="0" anchor="t">
             <a:spAutoFit/>
           </a:bodyPr>
           <a:lstStyle/>
@@ -5715,12 +5906,12 @@
       </p:sp>
       <p:sp>
         <p:nvSpPr>
-          <p:cNvPr name="TextBox 14" id="14"/>
-          <p:cNvSpPr txBox="true"/>
+          <p:cNvPr id="14" name="TextBox 14"/>
+          <p:cNvSpPr txBox="1"/>
           <p:nvPr/>
         </p:nvSpPr>
         <p:spPr>
-          <a:xfrm rot="0">
+          <a:xfrm>
             <a:off x="9910219" y="3944354"/>
             <a:ext cx="496110" cy="297180"/>
           </a:xfrm>
@@ -5729,7 +5920,7 @@
           </a:prstGeom>
         </p:spPr>
         <p:txBody>
-          <a:bodyPr anchor="t" rtlCol="false" tIns="0" lIns="0" bIns="0" rIns="0">
+          <a:bodyPr lIns="0" tIns="0" rIns="0" bIns="0" rtlCol="0" anchor="t">
             <a:spAutoFit/>
           </a:bodyPr>
           <a:lstStyle/>
@@ -5743,7 +5934,7 @@
               </a:spcBef>
             </a:pPr>
             <a:r>
-              <a:rPr lang="en-US" b="true" sz="1799">
+              <a:rPr lang="en-US" sz="1799" b="1">
                 <a:solidFill>
                   <a:srgbClr val="FFFFFF"/>
                 </a:solidFill>
@@ -5759,12 +5950,12 @@
       </p:sp>
       <p:sp>
         <p:nvSpPr>
-          <p:cNvPr name="TextBox 15" id="15"/>
-          <p:cNvSpPr txBox="true"/>
+          <p:cNvPr id="15" name="TextBox 15"/>
+          <p:cNvSpPr txBox="1"/>
           <p:nvPr/>
         </p:nvSpPr>
         <p:spPr>
-          <a:xfrm rot="0">
+          <a:xfrm>
             <a:off x="2152695" y="2500502"/>
             <a:ext cx="7291849" cy="578955"/>
           </a:xfrm>
@@ -5773,7 +5964,7 @@
           </a:prstGeom>
         </p:spPr>
         <p:txBody>
-          <a:bodyPr anchor="t" rtlCol="false" tIns="0" lIns="0" bIns="0" rIns="0">
+          <a:bodyPr lIns="0" tIns="0" rIns="0" bIns="0" rtlCol="0" anchor="t">
             <a:spAutoFit/>
           </a:bodyPr>
           <a:lstStyle/>
@@ -5787,7 +5978,7 @@
               </a:spcBef>
             </a:pPr>
             <a:r>
-              <a:rPr lang="en-US" b="true" sz="3381">
+              <a:rPr lang="en-US" sz="3381" b="1">
                 <a:solidFill>
                   <a:srgbClr val="02CDFF"/>
                 </a:solidFill>
@@ -5803,12 +5994,12 @@
       </p:sp>
       <p:sp>
         <p:nvSpPr>
-          <p:cNvPr name="TextBox 16" id="16"/>
-          <p:cNvSpPr txBox="true"/>
+          <p:cNvPr id="16" name="TextBox 16"/>
+          <p:cNvSpPr txBox="1"/>
           <p:nvPr/>
         </p:nvSpPr>
         <p:spPr>
-          <a:xfrm rot="0">
+          <a:xfrm>
             <a:off x="2152695" y="6827852"/>
             <a:ext cx="12400257" cy="2008110"/>
           </a:xfrm>
@@ -5817,7 +6008,7 @@
           </a:prstGeom>
         </p:spPr>
         <p:txBody>
-          <a:bodyPr anchor="t" rtlCol="false" tIns="0" lIns="0" bIns="0" rIns="0">
+          <a:bodyPr lIns="0" tIns="0" rIns="0" bIns="0" rtlCol="0" anchor="t">
             <a:spAutoFit/>
           </a:bodyPr>
           <a:lstStyle/>
@@ -5866,12 +6057,12 @@
       </p:sp>
       <p:sp>
         <p:nvSpPr>
-          <p:cNvPr name="TextBox 17" id="17"/>
-          <p:cNvSpPr txBox="true"/>
+          <p:cNvPr id="17" name="TextBox 17"/>
+          <p:cNvSpPr txBox="1"/>
           <p:nvPr/>
         </p:nvSpPr>
         <p:spPr>
-          <a:xfrm rot="0">
+          <a:xfrm>
             <a:off x="2152695" y="5957783"/>
             <a:ext cx="7291849" cy="578955"/>
           </a:xfrm>
@@ -5880,7 +6071,7 @@
           </a:prstGeom>
         </p:spPr>
         <p:txBody>
-          <a:bodyPr anchor="t" rtlCol="false" tIns="0" lIns="0" bIns="0" rIns="0">
+          <a:bodyPr lIns="0" tIns="0" rIns="0" bIns="0" rtlCol="0" anchor="t">
             <a:spAutoFit/>
           </a:bodyPr>
           <a:lstStyle/>
@@ -5894,7 +6085,7 @@
               </a:spcBef>
             </a:pPr>
             <a:r>
-              <a:rPr lang="en-US" b="true" sz="3381">
+              <a:rPr lang="en-US" sz="3381" b="1">
                 <a:solidFill>
                   <a:srgbClr val="02CDFF"/>
                 </a:solidFill>
@@ -5917,7 +6108,7 @@
 </file>
 
 <file path=ppt/slides/slide5.xml><?xml version="1.0" encoding="utf-8"?>
-<p:sld xmlns:p="http://schemas.openxmlformats.org/presentationml/2006/main" xmlns:a="http://schemas.openxmlformats.org/drawingml/2006/main">
+<p:sld xmlns:a="http://schemas.openxmlformats.org/drawingml/2006/main" xmlns:r="http://schemas.openxmlformats.org/officeDocument/2006/relationships" xmlns:p="http://schemas.openxmlformats.org/presentationml/2006/main">
   <p:cSld>
     <p:spTree>
       <p:nvGrpSpPr>
@@ -5935,12 +6126,12 @@
       </p:grpSpPr>
       <p:grpSp>
         <p:nvGrpSpPr>
-          <p:cNvPr name="Group 2" id="2"/>
+          <p:cNvPr id="2" name="Group 2"/>
           <p:cNvGrpSpPr/>
           <p:nvPr/>
         </p:nvGrpSpPr>
         <p:grpSpPr>
-          <a:xfrm rot="0">
+          <a:xfrm>
             <a:off x="17749838" y="7527480"/>
             <a:ext cx="47625" cy="1740345"/>
             <a:chOff x="0" y="0"/>
@@ -5949,12 +6140,12 @@
         </p:grpSpPr>
         <p:sp>
           <p:nvSpPr>
-            <p:cNvPr name="Freeform 3" id="3"/>
+            <p:cNvPr id="3" name="Freeform 3"/>
             <p:cNvSpPr/>
             <p:nvPr/>
           </p:nvSpPr>
           <p:spPr>
-            <a:xfrm flipH="false" flipV="false" rot="0">
+            <a:xfrm>
               <a:off x="0" y="0"/>
               <a:ext cx="12543" cy="458362"/>
             </a:xfrm>
@@ -5963,9 +6154,9 @@
               <a:gdLst/>
               <a:ahLst/>
               <a:cxnLst/>
-              <a:rect r="r" b="b" t="t" l="l"/>
+              <a:rect l="l" t="t" r="r" b="b"/>
               <a:pathLst>
-                <a:path h="458362" w="12543">
+                <a:path w="12543" h="458362">
                   <a:moveTo>
                     <a:pt x="0" y="0"/>
                   </a:moveTo>
@@ -5982,7 +6173,7 @@
                 </a:path>
               </a:pathLst>
             </a:custGeom>
-            <a:gradFill rotWithShape="true">
+            <a:gradFill rotWithShape="1">
               <a:gsLst>
                 <a:gs pos="0">
                   <a:srgbClr val="45D0FC">
@@ -5998,11 +6189,18 @@
               <a:lin ang="2700000"/>
             </a:gradFill>
           </p:spPr>
+          <p:txBody>
+            <a:bodyPr/>
+            <a:lstStyle/>
+            <a:p>
+              <a:endParaRPr lang="en-IL"/>
+            </a:p>
+          </p:txBody>
         </p:sp>
         <p:sp>
           <p:nvSpPr>
-            <p:cNvPr name="TextBox 4" id="4"/>
-            <p:cNvSpPr txBox="true"/>
+            <p:cNvPr id="4" name="TextBox 4"/>
+            <p:cNvSpPr txBox="1"/>
             <p:nvPr/>
           </p:nvSpPr>
           <p:spPr>
@@ -6015,7 +6213,7 @@
             </a:prstGeom>
           </p:spPr>
           <p:txBody>
-            <a:bodyPr anchor="ctr" rtlCol="false" tIns="50800" lIns="50800" bIns="50800" rIns="50800"/>
+            <a:bodyPr lIns="50800" tIns="50800" rIns="50800" bIns="50800" rtlCol="0" anchor="ctr"/>
             <a:lstStyle/>
             <a:p>
               <a:pPr algn="ctr">
@@ -6026,18 +6224,19 @@
                   <a:spcPct val="0"/>
                 </a:spcBef>
               </a:pPr>
+              <a:endParaRPr/>
             </a:p>
           </p:txBody>
         </p:sp>
       </p:grpSp>
       <p:grpSp>
         <p:nvGrpSpPr>
-          <p:cNvPr name="Group 5" id="5"/>
+          <p:cNvPr id="5" name="Group 5"/>
           <p:cNvGrpSpPr/>
           <p:nvPr/>
         </p:nvGrpSpPr>
         <p:grpSpPr>
-          <a:xfrm rot="0">
+          <a:xfrm>
             <a:off x="17259300" y="0"/>
             <a:ext cx="1028700" cy="1028700"/>
             <a:chOff x="0" y="0"/>
@@ -6046,12 +6245,12 @@
         </p:grpSpPr>
         <p:sp>
           <p:nvSpPr>
-            <p:cNvPr name="Freeform 6" id="6"/>
+            <p:cNvPr id="6" name="Freeform 6"/>
             <p:cNvSpPr/>
             <p:nvPr/>
           </p:nvSpPr>
           <p:spPr>
-            <a:xfrm flipH="false" flipV="false" rot="0">
+            <a:xfrm>
               <a:off x="0" y="0"/>
               <a:ext cx="270933" cy="270933"/>
             </a:xfrm>
@@ -6060,9 +6259,9 @@
               <a:gdLst/>
               <a:ahLst/>
               <a:cxnLst/>
-              <a:rect r="r" b="b" t="t" l="l"/>
+              <a:rect l="l" t="t" r="r" b="b"/>
               <a:pathLst>
-                <a:path h="270933" w="270933">
+                <a:path w="270933" h="270933">
                   <a:moveTo>
                     <a:pt x="0" y="0"/>
                   </a:moveTo>
@@ -6079,7 +6278,7 @@
                 </a:path>
               </a:pathLst>
             </a:custGeom>
-            <a:gradFill rotWithShape="true">
+            <a:gradFill rotWithShape="1">
               <a:gsLst>
                 <a:gs pos="0">
                   <a:srgbClr val="45D0FC">
@@ -6095,11 +6294,18 @@
               <a:lin ang="2700000"/>
             </a:gradFill>
           </p:spPr>
+          <p:txBody>
+            <a:bodyPr/>
+            <a:lstStyle/>
+            <a:p>
+              <a:endParaRPr lang="en-IL"/>
+            </a:p>
+          </p:txBody>
         </p:sp>
         <p:sp>
           <p:nvSpPr>
-            <p:cNvPr name="TextBox 7" id="7"/>
-            <p:cNvSpPr txBox="true"/>
+            <p:cNvPr id="7" name="TextBox 7"/>
+            <p:cNvSpPr txBox="1"/>
             <p:nvPr/>
           </p:nvSpPr>
           <p:spPr>
@@ -6112,7 +6318,7 @@
             </a:prstGeom>
           </p:spPr>
           <p:txBody>
-            <a:bodyPr anchor="ctr" rtlCol="false" tIns="50800" lIns="50800" bIns="50800" rIns="50800"/>
+            <a:bodyPr lIns="50800" tIns="50800" rIns="50800" bIns="50800" rtlCol="0" anchor="ctr"/>
             <a:lstStyle/>
             <a:p>
               <a:pPr algn="ctr">
@@ -6120,18 +6326,19 @@
                   <a:spcPts val="2659"/>
                 </a:lnSpc>
               </a:pPr>
+              <a:endParaRPr/>
             </a:p>
           </p:txBody>
         </p:sp>
       </p:grpSp>
       <p:grpSp>
         <p:nvGrpSpPr>
-          <p:cNvPr name="Group 8" id="8"/>
+          <p:cNvPr id="8" name="Group 8"/>
           <p:cNvGrpSpPr/>
           <p:nvPr/>
         </p:nvGrpSpPr>
         <p:grpSpPr>
-          <a:xfrm rot="0">
+          <a:xfrm>
             <a:off x="17259300" y="9258300"/>
             <a:ext cx="1028700" cy="1028700"/>
             <a:chOff x="0" y="0"/>
@@ -6140,12 +6347,12 @@
         </p:grpSpPr>
         <p:sp>
           <p:nvSpPr>
-            <p:cNvPr name="Freeform 9" id="9"/>
+            <p:cNvPr id="9" name="Freeform 9"/>
             <p:cNvSpPr/>
             <p:nvPr/>
           </p:nvSpPr>
           <p:spPr>
-            <a:xfrm flipH="false" flipV="false" rot="0">
+            <a:xfrm>
               <a:off x="0" y="0"/>
               <a:ext cx="270933" cy="270933"/>
             </a:xfrm>
@@ -6154,9 +6361,9 @@
               <a:gdLst/>
               <a:ahLst/>
               <a:cxnLst/>
-              <a:rect r="r" b="b" t="t" l="l"/>
+              <a:rect l="l" t="t" r="r" b="b"/>
               <a:pathLst>
-                <a:path h="270933" w="270933">
+                <a:path w="270933" h="270933">
                   <a:moveTo>
                     <a:pt x="0" y="0"/>
                   </a:moveTo>
@@ -6173,7 +6380,7 @@
                 </a:path>
               </a:pathLst>
             </a:custGeom>
-            <a:gradFill rotWithShape="true">
+            <a:gradFill rotWithShape="1">
               <a:gsLst>
                 <a:gs pos="0">
                   <a:srgbClr val="45D0FC">
@@ -6189,11 +6396,18 @@
               <a:lin ang="2700000"/>
             </a:gradFill>
           </p:spPr>
+          <p:txBody>
+            <a:bodyPr/>
+            <a:lstStyle/>
+            <a:p>
+              <a:endParaRPr lang="en-IL"/>
+            </a:p>
+          </p:txBody>
         </p:sp>
         <p:sp>
           <p:nvSpPr>
-            <p:cNvPr name="TextBox 10" id="10"/>
-            <p:cNvSpPr txBox="true"/>
+            <p:cNvPr id="10" name="TextBox 10"/>
+            <p:cNvSpPr txBox="1"/>
             <p:nvPr/>
           </p:nvSpPr>
           <p:spPr>
@@ -6206,7 +6420,7 @@
             </a:prstGeom>
           </p:spPr>
           <p:txBody>
-            <a:bodyPr anchor="ctr" rtlCol="false" tIns="50800" lIns="50800" bIns="50800" rIns="50800"/>
+            <a:bodyPr lIns="50800" tIns="50800" rIns="50800" bIns="50800" rtlCol="0" anchor="ctr"/>
             <a:lstStyle/>
             <a:p>
               <a:pPr algn="ctr">
@@ -6214,18 +6428,19 @@
                   <a:spcPts val="2659"/>
                 </a:lnSpc>
               </a:pPr>
+              <a:endParaRPr/>
             </a:p>
           </p:txBody>
         </p:sp>
       </p:grpSp>
       <p:sp>
         <p:nvSpPr>
-          <p:cNvPr name="TextBox 11" id="11"/>
-          <p:cNvSpPr txBox="true"/>
+          <p:cNvPr id="11" name="TextBox 11"/>
+          <p:cNvSpPr txBox="1"/>
           <p:nvPr/>
         </p:nvSpPr>
         <p:spPr>
-          <a:xfrm rot="0">
+          <a:xfrm>
             <a:off x="17499918" y="9638067"/>
             <a:ext cx="547464" cy="240591"/>
           </a:xfrm>
@@ -6234,7 +6449,7 @@
           </a:prstGeom>
         </p:spPr>
         <p:txBody>
-          <a:bodyPr anchor="t" rtlCol="false" tIns="0" lIns="0" bIns="0" rIns="0">
+          <a:bodyPr lIns="0" tIns="0" rIns="0" bIns="0" rtlCol="0" anchor="t">
             <a:spAutoFit/>
           </a:bodyPr>
           <a:lstStyle/>
@@ -6248,7 +6463,7 @@
               </a:spcBef>
             </a:pPr>
             <a:r>
-              <a:rPr lang="en-US" b="true" sz="1400">
+              <a:rPr lang="en-US" sz="1400" b="1">
                 <a:solidFill>
                   <a:srgbClr val="FFFFFF"/>
                 </a:solidFill>
@@ -6264,12 +6479,12 @@
       </p:sp>
       <p:sp>
         <p:nvSpPr>
-          <p:cNvPr name="TextBox 12" id="12"/>
-          <p:cNvSpPr txBox="true"/>
+          <p:cNvPr id="12" name="TextBox 12"/>
+          <p:cNvSpPr txBox="1"/>
           <p:nvPr/>
         </p:nvSpPr>
         <p:spPr>
-          <a:xfrm rot="0">
+          <a:xfrm>
             <a:off x="4621306" y="601662"/>
             <a:ext cx="9045387" cy="920750"/>
           </a:xfrm>
@@ -6278,7 +6493,7 @@
           </a:prstGeom>
         </p:spPr>
         <p:txBody>
-          <a:bodyPr anchor="t" rtlCol="false" tIns="0" lIns="0" bIns="0" rIns="0">
+          <a:bodyPr lIns="0" tIns="0" rIns="0" bIns="0" rtlCol="0" anchor="t">
             <a:spAutoFit/>
           </a:bodyPr>
           <a:lstStyle/>
@@ -6289,7 +6504,7 @@
               </a:lnSpc>
             </a:pPr>
             <a:r>
-              <a:rPr lang="en-US" b="true" sz="6500">
+              <a:rPr lang="en-US" sz="6500" b="1">
                 <a:solidFill>
                   <a:srgbClr val="02CDFF"/>
                 </a:solidFill>
@@ -6305,12 +6520,12 @@
       </p:sp>
       <p:sp>
         <p:nvSpPr>
-          <p:cNvPr name="TextBox 13" id="13"/>
-          <p:cNvSpPr txBox="true"/>
+          <p:cNvPr id="13" name="TextBox 13"/>
+          <p:cNvSpPr txBox="1"/>
           <p:nvPr/>
         </p:nvSpPr>
         <p:spPr>
-          <a:xfrm rot="0">
+          <a:xfrm>
             <a:off x="1720278" y="3758866"/>
             <a:ext cx="4449130" cy="1207768"/>
           </a:xfrm>
@@ -6319,7 +6534,7 @@
           </a:prstGeom>
         </p:spPr>
         <p:txBody>
-          <a:bodyPr anchor="t" rtlCol="false" tIns="0" lIns="0" bIns="0" rIns="0">
+          <a:bodyPr lIns="0" tIns="0" rIns="0" bIns="0" rtlCol="0" anchor="t">
             <a:spAutoFit/>
           </a:bodyPr>
           <a:lstStyle/>
@@ -6349,12 +6564,12 @@
       </p:sp>
       <p:sp>
         <p:nvSpPr>
-          <p:cNvPr name="TextBox 14" id="14"/>
-          <p:cNvSpPr txBox="true"/>
+          <p:cNvPr id="14" name="TextBox 14"/>
+          <p:cNvSpPr txBox="1"/>
           <p:nvPr/>
         </p:nvSpPr>
         <p:spPr>
-          <a:xfrm rot="0">
+          <a:xfrm>
             <a:off x="1720278" y="3279635"/>
             <a:ext cx="2332279" cy="274424"/>
           </a:xfrm>
@@ -6363,7 +6578,7 @@
           </a:prstGeom>
         </p:spPr>
         <p:txBody>
-          <a:bodyPr anchor="t" rtlCol="false" tIns="0" lIns="0" bIns="0" rIns="0">
+          <a:bodyPr lIns="0" tIns="0" rIns="0" bIns="0" rtlCol="0" anchor="t">
             <a:spAutoFit/>
           </a:bodyPr>
           <a:lstStyle/>
@@ -6377,7 +6592,7 @@
               </a:spcBef>
             </a:pPr>
             <a:r>
-              <a:rPr lang="en-US" b="true" sz="1622">
+              <a:rPr lang="en-US" sz="1622" b="1">
                 <a:solidFill>
                   <a:srgbClr val="02CDFF"/>
                 </a:solidFill>
@@ -6393,12 +6608,12 @@
       </p:sp>
       <p:sp>
         <p:nvSpPr>
-          <p:cNvPr name="TextBox 15" id="15"/>
-          <p:cNvSpPr txBox="true"/>
+          <p:cNvPr id="15" name="TextBox 15"/>
+          <p:cNvSpPr txBox="1"/>
           <p:nvPr/>
         </p:nvSpPr>
         <p:spPr>
-          <a:xfrm rot="0">
+          <a:xfrm>
             <a:off x="7598374" y="3881791"/>
             <a:ext cx="4449130" cy="721958"/>
           </a:xfrm>
@@ -6407,7 +6622,7 @@
           </a:prstGeom>
         </p:spPr>
         <p:txBody>
-          <a:bodyPr anchor="t" rtlCol="false" tIns="0" lIns="0" bIns="0" rIns="0">
+          <a:bodyPr lIns="0" tIns="0" rIns="0" bIns="0" rtlCol="0" anchor="t">
             <a:spAutoFit/>
           </a:bodyPr>
           <a:lstStyle/>
@@ -6437,12 +6652,12 @@
       </p:sp>
       <p:sp>
         <p:nvSpPr>
-          <p:cNvPr name="TextBox 16" id="16"/>
-          <p:cNvSpPr txBox="true"/>
+          <p:cNvPr id="16" name="TextBox 16"/>
+          <p:cNvSpPr txBox="1"/>
           <p:nvPr/>
         </p:nvSpPr>
         <p:spPr>
-          <a:xfrm rot="0">
+          <a:xfrm>
             <a:off x="7598374" y="3402560"/>
             <a:ext cx="2332279" cy="274424"/>
           </a:xfrm>
@@ -6451,7 +6666,7 @@
           </a:prstGeom>
         </p:spPr>
         <p:txBody>
-          <a:bodyPr anchor="t" rtlCol="false" tIns="0" lIns="0" bIns="0" rIns="0">
+          <a:bodyPr lIns="0" tIns="0" rIns="0" bIns="0" rtlCol="0" anchor="t">
             <a:spAutoFit/>
           </a:bodyPr>
           <a:lstStyle/>
@@ -6465,7 +6680,7 @@
               </a:spcBef>
             </a:pPr>
             <a:r>
-              <a:rPr lang="en-US" b="true" sz="1622">
+              <a:rPr lang="en-US" sz="1622" b="1">
                 <a:solidFill>
                   <a:srgbClr val="02CDFF"/>
                 </a:solidFill>
@@ -6481,12 +6696,12 @@
       </p:sp>
       <p:grpSp>
         <p:nvGrpSpPr>
-          <p:cNvPr name="Group 17" id="17"/>
+          <p:cNvPr id="17" name="Group 17"/>
           <p:cNvGrpSpPr/>
           <p:nvPr/>
         </p:nvGrpSpPr>
         <p:grpSpPr>
-          <a:xfrm rot="0">
+          <a:xfrm>
             <a:off x="564441" y="3308210"/>
             <a:ext cx="785631" cy="785631"/>
             <a:chOff x="0" y="0"/>
@@ -6495,12 +6710,12 @@
         </p:grpSpPr>
         <p:sp>
           <p:nvSpPr>
-            <p:cNvPr name="Freeform 18" id="18"/>
+            <p:cNvPr id="18" name="Freeform 18"/>
             <p:cNvSpPr/>
             <p:nvPr/>
           </p:nvSpPr>
           <p:spPr>
-            <a:xfrm flipH="false" flipV="false" rot="0">
+            <a:xfrm>
               <a:off x="0" y="0"/>
               <a:ext cx="178502" cy="178502"/>
             </a:xfrm>
@@ -6509,9 +6724,9 @@
               <a:gdLst/>
               <a:ahLst/>
               <a:cxnLst/>
-              <a:rect r="r" b="b" t="t" l="l"/>
+              <a:rect l="l" t="t" r="r" b="b"/>
               <a:pathLst>
-                <a:path h="178502" w="178502">
+                <a:path w="178502" h="178502">
                   <a:moveTo>
                     <a:pt x="0" y="0"/>
                   </a:moveTo>
@@ -6528,7 +6743,7 @@
                 </a:path>
               </a:pathLst>
             </a:custGeom>
-            <a:gradFill rotWithShape="true">
+            <a:gradFill rotWithShape="1">
               <a:gsLst>
                 <a:gs pos="0">
                   <a:srgbClr val="45D0FC">
@@ -6544,11 +6759,18 @@
               <a:lin ang="2700000"/>
             </a:gradFill>
           </p:spPr>
+          <p:txBody>
+            <a:bodyPr/>
+            <a:lstStyle/>
+            <a:p>
+              <a:endParaRPr lang="en-IL"/>
+            </a:p>
+          </p:txBody>
         </p:sp>
         <p:sp>
           <p:nvSpPr>
-            <p:cNvPr name="TextBox 19" id="19"/>
-            <p:cNvSpPr txBox="true"/>
+            <p:cNvPr id="19" name="TextBox 19"/>
+            <p:cNvSpPr txBox="1"/>
             <p:nvPr/>
           </p:nvSpPr>
           <p:spPr>
@@ -6561,7 +6783,7 @@
             </a:prstGeom>
           </p:spPr>
           <p:txBody>
-            <a:bodyPr anchor="ctr" rtlCol="false" tIns="50800" lIns="50800" bIns="50800" rIns="50800"/>
+            <a:bodyPr lIns="50800" tIns="50800" rIns="50800" bIns="50800" rtlCol="0" anchor="ctr"/>
             <a:lstStyle/>
             <a:p>
               <a:pPr algn="ctr">
@@ -6569,18 +6791,19 @@
                   <a:spcPts val="2659"/>
                 </a:lnSpc>
               </a:pPr>
+              <a:endParaRPr/>
             </a:p>
           </p:txBody>
         </p:sp>
       </p:grpSp>
       <p:sp>
         <p:nvSpPr>
-          <p:cNvPr name="TextBox 20" id="20"/>
-          <p:cNvSpPr txBox="true"/>
+          <p:cNvPr id="20" name="TextBox 20"/>
+          <p:cNvSpPr txBox="1"/>
           <p:nvPr/>
         </p:nvSpPr>
         <p:spPr>
-          <a:xfrm rot="0">
+          <a:xfrm>
             <a:off x="669717" y="3507245"/>
             <a:ext cx="575078" cy="349460"/>
           </a:xfrm>
@@ -6589,7 +6812,7 @@
           </a:prstGeom>
         </p:spPr>
         <p:txBody>
-          <a:bodyPr anchor="t" rtlCol="false" tIns="0" lIns="0" bIns="0" rIns="0">
+          <a:bodyPr lIns="0" tIns="0" rIns="0" bIns="0" rtlCol="0" anchor="t">
             <a:spAutoFit/>
           </a:bodyPr>
           <a:lstStyle/>
@@ -6603,7 +6826,7 @@
               </a:spcBef>
             </a:pPr>
             <a:r>
-              <a:rPr lang="en-US" b="true" sz="2086">
+              <a:rPr lang="en-US" sz="2086" b="1">
                 <a:solidFill>
                   <a:srgbClr val="FFFFFF"/>
                 </a:solidFill>
@@ -6619,12 +6842,12 @@
       </p:sp>
       <p:grpSp>
         <p:nvGrpSpPr>
-          <p:cNvPr name="Group 21" id="21"/>
+          <p:cNvPr id="21" name="Group 21"/>
           <p:cNvGrpSpPr/>
           <p:nvPr/>
         </p:nvGrpSpPr>
         <p:grpSpPr>
-          <a:xfrm rot="0">
+          <a:xfrm>
             <a:off x="6442537" y="3431135"/>
             <a:ext cx="785631" cy="785631"/>
             <a:chOff x="0" y="0"/>
@@ -6633,12 +6856,12 @@
         </p:grpSpPr>
         <p:sp>
           <p:nvSpPr>
-            <p:cNvPr name="Freeform 22" id="22"/>
+            <p:cNvPr id="22" name="Freeform 22"/>
             <p:cNvSpPr/>
             <p:nvPr/>
           </p:nvSpPr>
           <p:spPr>
-            <a:xfrm flipH="false" flipV="false" rot="0">
+            <a:xfrm>
               <a:off x="0" y="0"/>
               <a:ext cx="178502" cy="178502"/>
             </a:xfrm>
@@ -6647,9 +6870,9 @@
               <a:gdLst/>
               <a:ahLst/>
               <a:cxnLst/>
-              <a:rect r="r" b="b" t="t" l="l"/>
+              <a:rect l="l" t="t" r="r" b="b"/>
               <a:pathLst>
-                <a:path h="178502" w="178502">
+                <a:path w="178502" h="178502">
                   <a:moveTo>
                     <a:pt x="0" y="0"/>
                   </a:moveTo>
@@ -6666,7 +6889,7 @@
                 </a:path>
               </a:pathLst>
             </a:custGeom>
-            <a:gradFill rotWithShape="true">
+            <a:gradFill rotWithShape="1">
               <a:gsLst>
                 <a:gs pos="0">
                   <a:srgbClr val="45D0FC">
@@ -6682,11 +6905,18 @@
               <a:lin ang="2700000"/>
             </a:gradFill>
           </p:spPr>
+          <p:txBody>
+            <a:bodyPr/>
+            <a:lstStyle/>
+            <a:p>
+              <a:endParaRPr lang="en-IL"/>
+            </a:p>
+          </p:txBody>
         </p:sp>
         <p:sp>
           <p:nvSpPr>
-            <p:cNvPr name="TextBox 23" id="23"/>
-            <p:cNvSpPr txBox="true"/>
+            <p:cNvPr id="23" name="TextBox 23"/>
+            <p:cNvSpPr txBox="1"/>
             <p:nvPr/>
           </p:nvSpPr>
           <p:spPr>
@@ -6699,7 +6929,7 @@
             </a:prstGeom>
           </p:spPr>
           <p:txBody>
-            <a:bodyPr anchor="ctr" rtlCol="false" tIns="50800" lIns="50800" bIns="50800" rIns="50800"/>
+            <a:bodyPr lIns="50800" tIns="50800" rIns="50800" bIns="50800" rtlCol="0" anchor="ctr"/>
             <a:lstStyle/>
             <a:p>
               <a:pPr algn="ctr">
@@ -6707,18 +6937,19 @@
                   <a:spcPts val="2659"/>
                 </a:lnSpc>
               </a:pPr>
+              <a:endParaRPr/>
             </a:p>
           </p:txBody>
         </p:sp>
       </p:grpSp>
       <p:sp>
         <p:nvSpPr>
-          <p:cNvPr name="TextBox 24" id="24"/>
-          <p:cNvSpPr txBox="true"/>
+          <p:cNvPr id="24" name="TextBox 24"/>
+          <p:cNvSpPr txBox="1"/>
           <p:nvPr/>
         </p:nvSpPr>
         <p:spPr>
-          <a:xfrm rot="0">
+          <a:xfrm>
             <a:off x="6547814" y="3630170"/>
             <a:ext cx="575078" cy="349460"/>
           </a:xfrm>
@@ -6727,7 +6958,7 @@
           </a:prstGeom>
         </p:spPr>
         <p:txBody>
-          <a:bodyPr anchor="t" rtlCol="false" tIns="0" lIns="0" bIns="0" rIns="0">
+          <a:bodyPr lIns="0" tIns="0" rIns="0" bIns="0" rtlCol="0" anchor="t">
             <a:spAutoFit/>
           </a:bodyPr>
           <a:lstStyle/>
@@ -6741,7 +6972,7 @@
               </a:spcBef>
             </a:pPr>
             <a:r>
-              <a:rPr lang="en-US" b="true" sz="2086">
+              <a:rPr lang="en-US" sz="2086" b="1">
                 <a:solidFill>
                   <a:srgbClr val="FFFFFF"/>
                 </a:solidFill>
@@ -6757,12 +6988,12 @@
       </p:sp>
       <p:sp>
         <p:nvSpPr>
-          <p:cNvPr name="TextBox 25" id="25"/>
-          <p:cNvSpPr txBox="true"/>
+          <p:cNvPr id="25" name="TextBox 25"/>
+          <p:cNvSpPr txBox="1"/>
           <p:nvPr/>
         </p:nvSpPr>
         <p:spPr>
-          <a:xfrm rot="0">
+          <a:xfrm>
             <a:off x="13476470" y="3836738"/>
             <a:ext cx="4449130" cy="964863"/>
           </a:xfrm>
@@ -6771,7 +7002,7 @@
           </a:prstGeom>
         </p:spPr>
         <p:txBody>
-          <a:bodyPr anchor="t" rtlCol="false" tIns="0" lIns="0" bIns="0" rIns="0">
+          <a:bodyPr lIns="0" tIns="0" rIns="0" bIns="0" rtlCol="0" anchor="t">
             <a:spAutoFit/>
           </a:bodyPr>
           <a:lstStyle/>
@@ -6801,12 +7032,12 @@
       </p:sp>
       <p:sp>
         <p:nvSpPr>
-          <p:cNvPr name="TextBox 26" id="26"/>
-          <p:cNvSpPr txBox="true"/>
+          <p:cNvPr id="26" name="TextBox 26"/>
+          <p:cNvSpPr txBox="1"/>
           <p:nvPr/>
         </p:nvSpPr>
         <p:spPr>
-          <a:xfrm rot="0">
+          <a:xfrm>
             <a:off x="13476470" y="3357506"/>
             <a:ext cx="2332279" cy="274424"/>
           </a:xfrm>
@@ -6815,7 +7046,7 @@
           </a:prstGeom>
         </p:spPr>
         <p:txBody>
-          <a:bodyPr anchor="t" rtlCol="false" tIns="0" lIns="0" bIns="0" rIns="0">
+          <a:bodyPr lIns="0" tIns="0" rIns="0" bIns="0" rtlCol="0" anchor="t">
             <a:spAutoFit/>
           </a:bodyPr>
           <a:lstStyle/>
@@ -6829,7 +7060,7 @@
               </a:spcBef>
             </a:pPr>
             <a:r>
-              <a:rPr lang="en-US" b="true" sz="1622">
+              <a:rPr lang="en-US" sz="1622" b="1">
                 <a:solidFill>
                   <a:srgbClr val="02CDFF"/>
                 </a:solidFill>
@@ -6845,12 +7076,12 @@
       </p:sp>
       <p:grpSp>
         <p:nvGrpSpPr>
-          <p:cNvPr name="Group 27" id="27"/>
+          <p:cNvPr id="27" name="Group 27"/>
           <p:cNvGrpSpPr/>
           <p:nvPr/>
         </p:nvGrpSpPr>
         <p:grpSpPr>
-          <a:xfrm rot="0">
+          <a:xfrm>
             <a:off x="12320634" y="3386081"/>
             <a:ext cx="785631" cy="785631"/>
             <a:chOff x="0" y="0"/>
@@ -6859,12 +7090,12 @@
         </p:grpSpPr>
         <p:sp>
           <p:nvSpPr>
-            <p:cNvPr name="Freeform 28" id="28"/>
+            <p:cNvPr id="28" name="Freeform 28"/>
             <p:cNvSpPr/>
             <p:nvPr/>
           </p:nvSpPr>
           <p:spPr>
-            <a:xfrm flipH="false" flipV="false" rot="0">
+            <a:xfrm>
               <a:off x="0" y="0"/>
               <a:ext cx="178502" cy="178502"/>
             </a:xfrm>
@@ -6873,9 +7104,9 @@
               <a:gdLst/>
               <a:ahLst/>
               <a:cxnLst/>
-              <a:rect r="r" b="b" t="t" l="l"/>
+              <a:rect l="l" t="t" r="r" b="b"/>
               <a:pathLst>
-                <a:path h="178502" w="178502">
+                <a:path w="178502" h="178502">
                   <a:moveTo>
                     <a:pt x="0" y="0"/>
                   </a:moveTo>
@@ -6892,7 +7123,7 @@
                 </a:path>
               </a:pathLst>
             </a:custGeom>
-            <a:gradFill rotWithShape="true">
+            <a:gradFill rotWithShape="1">
               <a:gsLst>
                 <a:gs pos="0">
                   <a:srgbClr val="45D0FC">
@@ -6908,11 +7139,18 @@
               <a:lin ang="2700000"/>
             </a:gradFill>
           </p:spPr>
+          <p:txBody>
+            <a:bodyPr/>
+            <a:lstStyle/>
+            <a:p>
+              <a:endParaRPr lang="en-IL"/>
+            </a:p>
+          </p:txBody>
         </p:sp>
         <p:sp>
           <p:nvSpPr>
-            <p:cNvPr name="TextBox 29" id="29"/>
-            <p:cNvSpPr txBox="true"/>
+            <p:cNvPr id="29" name="TextBox 29"/>
+            <p:cNvSpPr txBox="1"/>
             <p:nvPr/>
           </p:nvSpPr>
           <p:spPr>
@@ -6925,7 +7163,7 @@
             </a:prstGeom>
           </p:spPr>
           <p:txBody>
-            <a:bodyPr anchor="ctr" rtlCol="false" tIns="50800" lIns="50800" bIns="50800" rIns="50800"/>
+            <a:bodyPr lIns="50800" tIns="50800" rIns="50800" bIns="50800" rtlCol="0" anchor="ctr"/>
             <a:lstStyle/>
             <a:p>
               <a:pPr algn="ctr">
@@ -6933,18 +7171,19 @@
                   <a:spcPts val="2659"/>
                 </a:lnSpc>
               </a:pPr>
+              <a:endParaRPr/>
             </a:p>
           </p:txBody>
         </p:sp>
       </p:grpSp>
       <p:sp>
         <p:nvSpPr>
-          <p:cNvPr name="TextBox 30" id="30"/>
-          <p:cNvSpPr txBox="true"/>
+          <p:cNvPr id="30" name="TextBox 30"/>
+          <p:cNvSpPr txBox="1"/>
           <p:nvPr/>
         </p:nvSpPr>
         <p:spPr>
-          <a:xfrm rot="0">
+          <a:xfrm>
             <a:off x="12425910" y="3585117"/>
             <a:ext cx="575078" cy="349460"/>
           </a:xfrm>
@@ -6953,7 +7192,7 @@
           </a:prstGeom>
         </p:spPr>
         <p:txBody>
-          <a:bodyPr anchor="t" rtlCol="false" tIns="0" lIns="0" bIns="0" rIns="0">
+          <a:bodyPr lIns="0" tIns="0" rIns="0" bIns="0" rtlCol="0" anchor="t">
             <a:spAutoFit/>
           </a:bodyPr>
           <a:lstStyle/>
@@ -6967,7 +7206,7 @@
               </a:spcBef>
             </a:pPr>
             <a:r>
-              <a:rPr lang="en-US" b="true" sz="2086">
+              <a:rPr lang="en-US" sz="2086" b="1">
                 <a:solidFill>
                   <a:srgbClr val="FFFFFF"/>
                 </a:solidFill>
@@ -6983,12 +7222,12 @@
       </p:sp>
       <p:sp>
         <p:nvSpPr>
-          <p:cNvPr name="TextBox 31" id="31"/>
-          <p:cNvSpPr txBox="true"/>
+          <p:cNvPr id="31" name="TextBox 31"/>
+          <p:cNvSpPr txBox="1"/>
           <p:nvPr/>
         </p:nvSpPr>
         <p:spPr>
-          <a:xfrm rot="0">
+          <a:xfrm>
             <a:off x="4526325" y="7132716"/>
             <a:ext cx="9738790" cy="1330016"/>
           </a:xfrm>
@@ -6997,7 +7236,7 @@
           </a:prstGeom>
         </p:spPr>
         <p:txBody>
-          <a:bodyPr anchor="t" rtlCol="false" tIns="0" lIns="0" bIns="0" rIns="0">
+          <a:bodyPr lIns="0" tIns="0" rIns="0" bIns="0" rtlCol="0" anchor="t">
             <a:spAutoFit/>
           </a:bodyPr>
           <a:lstStyle/>
@@ -7027,12 +7266,12 @@
       </p:sp>
       <p:sp>
         <p:nvSpPr>
-          <p:cNvPr name="TextBox 32" id="32"/>
-          <p:cNvSpPr txBox="true"/>
+          <p:cNvPr id="32" name="TextBox 32"/>
+          <p:cNvSpPr txBox="1"/>
           <p:nvPr/>
         </p:nvSpPr>
         <p:spPr>
-          <a:xfrm rot="0">
+          <a:xfrm>
             <a:off x="4526325" y="6544604"/>
             <a:ext cx="3677518" cy="344444"/>
           </a:xfrm>
@@ -7041,7 +7280,7 @@
           </a:prstGeom>
         </p:spPr>
         <p:txBody>
-          <a:bodyPr anchor="t" rtlCol="false" tIns="0" lIns="0" bIns="0" rIns="0">
+          <a:bodyPr lIns="0" tIns="0" rIns="0" bIns="0" rtlCol="0" anchor="t">
             <a:spAutoFit/>
           </a:bodyPr>
           <a:lstStyle/>
@@ -7055,7 +7294,7 @@
               </a:spcBef>
             </a:pPr>
             <a:r>
-              <a:rPr lang="en-US" b="true" sz="1959">
+              <a:rPr lang="en-US" sz="1959" b="1">
                 <a:solidFill>
                   <a:srgbClr val="02CDFF"/>
                 </a:solidFill>
@@ -7071,12 +7310,12 @@
       </p:sp>
       <p:grpSp>
         <p:nvGrpSpPr>
-          <p:cNvPr name="Group 33" id="33"/>
+          <p:cNvPr id="33" name="Group 33"/>
           <p:cNvGrpSpPr/>
           <p:nvPr/>
         </p:nvGrpSpPr>
         <p:grpSpPr>
-          <a:xfrm rot="0">
+          <a:xfrm>
             <a:off x="3370489" y="6592229"/>
             <a:ext cx="785631" cy="785631"/>
             <a:chOff x="0" y="0"/>
@@ -7085,12 +7324,12 @@
         </p:grpSpPr>
         <p:sp>
           <p:nvSpPr>
-            <p:cNvPr name="Freeform 34" id="34"/>
+            <p:cNvPr id="34" name="Freeform 34"/>
             <p:cNvSpPr/>
             <p:nvPr/>
           </p:nvSpPr>
           <p:spPr>
-            <a:xfrm flipH="false" flipV="false" rot="0">
+            <a:xfrm>
               <a:off x="0" y="0"/>
               <a:ext cx="178502" cy="178502"/>
             </a:xfrm>
@@ -7099,9 +7338,9 @@
               <a:gdLst/>
               <a:ahLst/>
               <a:cxnLst/>
-              <a:rect r="r" b="b" t="t" l="l"/>
+              <a:rect l="l" t="t" r="r" b="b"/>
               <a:pathLst>
-                <a:path h="178502" w="178502">
+                <a:path w="178502" h="178502">
                   <a:moveTo>
                     <a:pt x="0" y="0"/>
                   </a:moveTo>
@@ -7118,7 +7357,7 @@
                 </a:path>
               </a:pathLst>
             </a:custGeom>
-            <a:gradFill rotWithShape="true">
+            <a:gradFill rotWithShape="1">
               <a:gsLst>
                 <a:gs pos="0">
                   <a:srgbClr val="45D0FC">
@@ -7134,11 +7373,18 @@
               <a:lin ang="2700000"/>
             </a:gradFill>
           </p:spPr>
+          <p:txBody>
+            <a:bodyPr/>
+            <a:lstStyle/>
+            <a:p>
+              <a:endParaRPr lang="en-IL"/>
+            </a:p>
+          </p:txBody>
         </p:sp>
         <p:sp>
           <p:nvSpPr>
-            <p:cNvPr name="TextBox 35" id="35"/>
-            <p:cNvSpPr txBox="true"/>
+            <p:cNvPr id="35" name="TextBox 35"/>
+            <p:cNvSpPr txBox="1"/>
             <p:nvPr/>
           </p:nvSpPr>
           <p:spPr>
@@ -7151,7 +7397,7 @@
             </a:prstGeom>
           </p:spPr>
           <p:txBody>
-            <a:bodyPr anchor="ctr" rtlCol="false" tIns="50800" lIns="50800" bIns="50800" rIns="50800"/>
+            <a:bodyPr lIns="50800" tIns="50800" rIns="50800" bIns="50800" rtlCol="0" anchor="ctr"/>
             <a:lstStyle/>
             <a:p>
               <a:pPr algn="ctr">
@@ -7159,18 +7405,19 @@
                   <a:spcPts val="2659"/>
                 </a:lnSpc>
               </a:pPr>
+              <a:endParaRPr/>
             </a:p>
           </p:txBody>
         </p:sp>
       </p:grpSp>
       <p:sp>
         <p:nvSpPr>
-          <p:cNvPr name="TextBox 36" id="36"/>
-          <p:cNvSpPr txBox="true"/>
+          <p:cNvPr id="36" name="TextBox 36"/>
+          <p:cNvSpPr txBox="1"/>
           <p:nvPr/>
         </p:nvSpPr>
         <p:spPr>
-          <a:xfrm rot="0">
+          <a:xfrm>
             <a:off x="2828733" y="1968805"/>
             <a:ext cx="13133975" cy="456418"/>
           </a:xfrm>
@@ -7179,7 +7426,7 @@
           </a:prstGeom>
         </p:spPr>
         <p:txBody>
-          <a:bodyPr anchor="t" rtlCol="false" tIns="0" lIns="0" bIns="0" rIns="0">
+          <a:bodyPr lIns="0" tIns="0" rIns="0" bIns="0" rtlCol="0" anchor="t">
             <a:spAutoFit/>
           </a:bodyPr>
           <a:lstStyle/>
@@ -7216,7 +7463,7 @@
 </file>
 
 <file path=ppt/slides/slide6.xml><?xml version="1.0" encoding="utf-8"?>
-<p:sld xmlns:p="http://schemas.openxmlformats.org/presentationml/2006/main" xmlns:a="http://schemas.openxmlformats.org/drawingml/2006/main" xmlns:r="http://schemas.openxmlformats.org/officeDocument/2006/relationships">
+<p:sld xmlns:a="http://schemas.openxmlformats.org/drawingml/2006/main" xmlns:r="http://schemas.openxmlformats.org/officeDocument/2006/relationships" xmlns:p="http://schemas.openxmlformats.org/presentationml/2006/main">
   <p:cSld>
     <p:spTree>
       <p:nvGrpSpPr>
@@ -7234,12 +7481,12 @@
       </p:grpSpPr>
       <p:grpSp>
         <p:nvGrpSpPr>
-          <p:cNvPr name="Group 2" id="2"/>
+          <p:cNvPr id="2" name="Group 2"/>
           <p:cNvGrpSpPr/>
           <p:nvPr/>
         </p:nvGrpSpPr>
         <p:grpSpPr>
-          <a:xfrm rot="0">
+          <a:xfrm>
             <a:off x="17749838" y="7527480"/>
             <a:ext cx="47625" cy="1740345"/>
             <a:chOff x="0" y="0"/>
@@ -7248,12 +7495,12 @@
         </p:grpSpPr>
         <p:sp>
           <p:nvSpPr>
-            <p:cNvPr name="Freeform 3" id="3"/>
+            <p:cNvPr id="3" name="Freeform 3"/>
             <p:cNvSpPr/>
             <p:nvPr/>
           </p:nvSpPr>
           <p:spPr>
-            <a:xfrm flipH="false" flipV="false" rot="0">
+            <a:xfrm>
               <a:off x="0" y="0"/>
               <a:ext cx="12543" cy="458362"/>
             </a:xfrm>
@@ -7262,9 +7509,9 @@
               <a:gdLst/>
               <a:ahLst/>
               <a:cxnLst/>
-              <a:rect r="r" b="b" t="t" l="l"/>
+              <a:rect l="l" t="t" r="r" b="b"/>
               <a:pathLst>
-                <a:path h="458362" w="12543">
+                <a:path w="12543" h="458362">
                   <a:moveTo>
                     <a:pt x="0" y="0"/>
                   </a:moveTo>
@@ -7281,7 +7528,7 @@
                 </a:path>
               </a:pathLst>
             </a:custGeom>
-            <a:gradFill rotWithShape="true">
+            <a:gradFill rotWithShape="1">
               <a:gsLst>
                 <a:gs pos="0">
                   <a:srgbClr val="45D0FC">
@@ -7297,11 +7544,18 @@
               <a:lin ang="2700000"/>
             </a:gradFill>
           </p:spPr>
+          <p:txBody>
+            <a:bodyPr/>
+            <a:lstStyle/>
+            <a:p>
+              <a:endParaRPr lang="en-IL"/>
+            </a:p>
+          </p:txBody>
         </p:sp>
         <p:sp>
           <p:nvSpPr>
-            <p:cNvPr name="TextBox 4" id="4"/>
-            <p:cNvSpPr txBox="true"/>
+            <p:cNvPr id="4" name="TextBox 4"/>
+            <p:cNvSpPr txBox="1"/>
             <p:nvPr/>
           </p:nvSpPr>
           <p:spPr>
@@ -7314,7 +7568,7 @@
             </a:prstGeom>
           </p:spPr>
           <p:txBody>
-            <a:bodyPr anchor="ctr" rtlCol="false" tIns="50800" lIns="50800" bIns="50800" rIns="50800"/>
+            <a:bodyPr lIns="50800" tIns="50800" rIns="50800" bIns="50800" rtlCol="0" anchor="ctr"/>
             <a:lstStyle/>
             <a:p>
               <a:pPr algn="ctr">
@@ -7325,18 +7579,19 @@
                   <a:spcPct val="0"/>
                 </a:spcBef>
               </a:pPr>
+              <a:endParaRPr/>
             </a:p>
           </p:txBody>
         </p:sp>
       </p:grpSp>
       <p:grpSp>
         <p:nvGrpSpPr>
-          <p:cNvPr name="Group 5" id="5"/>
+          <p:cNvPr id="5" name="Group 5"/>
           <p:cNvGrpSpPr/>
           <p:nvPr/>
         </p:nvGrpSpPr>
         <p:grpSpPr>
-          <a:xfrm rot="0">
+          <a:xfrm>
             <a:off x="17259300" y="0"/>
             <a:ext cx="1028700" cy="1028700"/>
             <a:chOff x="0" y="0"/>
@@ -7345,12 +7600,12 @@
         </p:grpSpPr>
         <p:sp>
           <p:nvSpPr>
-            <p:cNvPr name="Freeform 6" id="6"/>
+            <p:cNvPr id="6" name="Freeform 6"/>
             <p:cNvSpPr/>
             <p:nvPr/>
           </p:nvSpPr>
           <p:spPr>
-            <a:xfrm flipH="false" flipV="false" rot="0">
+            <a:xfrm>
               <a:off x="0" y="0"/>
               <a:ext cx="270933" cy="270933"/>
             </a:xfrm>
@@ -7359,9 +7614,9 @@
               <a:gdLst/>
               <a:ahLst/>
               <a:cxnLst/>
-              <a:rect r="r" b="b" t="t" l="l"/>
+              <a:rect l="l" t="t" r="r" b="b"/>
               <a:pathLst>
-                <a:path h="270933" w="270933">
+                <a:path w="270933" h="270933">
                   <a:moveTo>
                     <a:pt x="0" y="0"/>
                   </a:moveTo>
@@ -7378,7 +7633,7 @@
                 </a:path>
               </a:pathLst>
             </a:custGeom>
-            <a:gradFill rotWithShape="true">
+            <a:gradFill rotWithShape="1">
               <a:gsLst>
                 <a:gs pos="0">
                   <a:srgbClr val="45D0FC">
@@ -7394,11 +7649,18 @@
               <a:lin ang="2700000"/>
             </a:gradFill>
           </p:spPr>
+          <p:txBody>
+            <a:bodyPr/>
+            <a:lstStyle/>
+            <a:p>
+              <a:endParaRPr lang="en-IL"/>
+            </a:p>
+          </p:txBody>
         </p:sp>
         <p:sp>
           <p:nvSpPr>
-            <p:cNvPr name="TextBox 7" id="7"/>
-            <p:cNvSpPr txBox="true"/>
+            <p:cNvPr id="7" name="TextBox 7"/>
+            <p:cNvSpPr txBox="1"/>
             <p:nvPr/>
           </p:nvSpPr>
           <p:spPr>
@@ -7411,7 +7673,7 @@
             </a:prstGeom>
           </p:spPr>
           <p:txBody>
-            <a:bodyPr anchor="ctr" rtlCol="false" tIns="50800" lIns="50800" bIns="50800" rIns="50800"/>
+            <a:bodyPr lIns="50800" tIns="50800" rIns="50800" bIns="50800" rtlCol="0" anchor="ctr"/>
             <a:lstStyle/>
             <a:p>
               <a:pPr algn="ctr">
@@ -7419,18 +7681,19 @@
                   <a:spcPts val="2659"/>
                 </a:lnSpc>
               </a:pPr>
+              <a:endParaRPr/>
             </a:p>
           </p:txBody>
         </p:sp>
       </p:grpSp>
       <p:grpSp>
         <p:nvGrpSpPr>
-          <p:cNvPr name="Group 8" id="8"/>
+          <p:cNvPr id="8" name="Group 8"/>
           <p:cNvGrpSpPr/>
           <p:nvPr/>
         </p:nvGrpSpPr>
         <p:grpSpPr>
-          <a:xfrm rot="0">
+          <a:xfrm>
             <a:off x="17259300" y="9258300"/>
             <a:ext cx="1028700" cy="1028700"/>
             <a:chOff x="0" y="0"/>
@@ -7439,12 +7702,12 @@
         </p:grpSpPr>
         <p:sp>
           <p:nvSpPr>
-            <p:cNvPr name="Freeform 9" id="9"/>
+            <p:cNvPr id="9" name="Freeform 9"/>
             <p:cNvSpPr/>
             <p:nvPr/>
           </p:nvSpPr>
           <p:spPr>
-            <a:xfrm flipH="false" flipV="false" rot="0">
+            <a:xfrm>
               <a:off x="0" y="0"/>
               <a:ext cx="270933" cy="270933"/>
             </a:xfrm>
@@ -7453,9 +7716,9 @@
               <a:gdLst/>
               <a:ahLst/>
               <a:cxnLst/>
-              <a:rect r="r" b="b" t="t" l="l"/>
+              <a:rect l="l" t="t" r="r" b="b"/>
               <a:pathLst>
-                <a:path h="270933" w="270933">
+                <a:path w="270933" h="270933">
                   <a:moveTo>
                     <a:pt x="0" y="0"/>
                   </a:moveTo>
@@ -7472,7 +7735,7 @@
                 </a:path>
               </a:pathLst>
             </a:custGeom>
-            <a:gradFill rotWithShape="true">
+            <a:gradFill rotWithShape="1">
               <a:gsLst>
                 <a:gs pos="0">
                   <a:srgbClr val="45D0FC">
@@ -7488,11 +7751,18 @@
               <a:lin ang="2700000"/>
             </a:gradFill>
           </p:spPr>
+          <p:txBody>
+            <a:bodyPr/>
+            <a:lstStyle/>
+            <a:p>
+              <a:endParaRPr lang="en-IL"/>
+            </a:p>
+          </p:txBody>
         </p:sp>
         <p:sp>
           <p:nvSpPr>
-            <p:cNvPr name="TextBox 10" id="10"/>
-            <p:cNvSpPr txBox="true"/>
+            <p:cNvPr id="10" name="TextBox 10"/>
+            <p:cNvSpPr txBox="1"/>
             <p:nvPr/>
           </p:nvSpPr>
           <p:spPr>
@@ -7505,7 +7775,7 @@
             </a:prstGeom>
           </p:spPr>
           <p:txBody>
-            <a:bodyPr anchor="ctr" rtlCol="false" tIns="50800" lIns="50800" bIns="50800" rIns="50800"/>
+            <a:bodyPr lIns="50800" tIns="50800" rIns="50800" bIns="50800" rtlCol="0" anchor="ctr"/>
             <a:lstStyle/>
             <a:p>
               <a:pPr algn="ctr">
@@ -7513,18 +7783,19 @@
                   <a:spcPts val="2659"/>
                 </a:lnSpc>
               </a:pPr>
+              <a:endParaRPr/>
             </a:p>
           </p:txBody>
         </p:sp>
       </p:grpSp>
       <p:sp>
         <p:nvSpPr>
-          <p:cNvPr name="Freeform 11" id="11"/>
+          <p:cNvPr id="11" name="Freeform 11"/>
           <p:cNvSpPr/>
           <p:nvPr/>
         </p:nvSpPr>
         <p:spPr>
-          <a:xfrm flipH="false" flipV="false" rot="0">
+          <a:xfrm>
             <a:off x="3051963" y="2715821"/>
             <a:ext cx="10974614" cy="7316409"/>
           </a:xfrm>
@@ -7533,9 +7804,9 @@
             <a:gdLst/>
             <a:ahLst/>
             <a:cxnLst/>
-            <a:rect r="r" b="b" t="t" l="l"/>
+            <a:rect l="l" t="t" r="r" b="b"/>
             <a:pathLst>
-              <a:path h="7316409" w="10974614">
+              <a:path w="10974614" h="7316409">
                 <a:moveTo>
                   <a:pt x="0" y="0"/>
                 </a:moveTo>
@@ -7558,19 +7829,26 @@
           <a:blipFill>
             <a:blip r:embed="rId2"/>
             <a:stretch>
-              <a:fillRect l="0" t="0" r="0" b="0"/>
+              <a:fillRect/>
             </a:stretch>
           </a:blipFill>
         </p:spPr>
-      </p:sp>
-      <p:sp>
-        <p:nvSpPr>
-          <p:cNvPr name="TextBox 12" id="12"/>
-          <p:cNvSpPr txBox="true"/>
+        <p:txBody>
+          <a:bodyPr/>
+          <a:lstStyle/>
+          <a:p>
+            <a:endParaRPr lang="en-IL"/>
+          </a:p>
+        </p:txBody>
+      </p:sp>
+      <p:sp>
+        <p:nvSpPr>
+          <p:cNvPr id="12" name="TextBox 12"/>
+          <p:cNvSpPr txBox="1"/>
           <p:nvPr/>
         </p:nvSpPr>
         <p:spPr>
-          <a:xfrm rot="0">
+          <a:xfrm>
             <a:off x="17499918" y="9638067"/>
             <a:ext cx="547464" cy="240665"/>
           </a:xfrm>
@@ -7579,7 +7857,7 @@
           </a:prstGeom>
         </p:spPr>
         <p:txBody>
-          <a:bodyPr anchor="t" rtlCol="false" tIns="0" lIns="0" bIns="0" rIns="0">
+          <a:bodyPr lIns="0" tIns="0" rIns="0" bIns="0" rtlCol="0" anchor="t">
             <a:spAutoFit/>
           </a:bodyPr>
           <a:lstStyle/>
@@ -7593,7 +7871,7 @@
               </a:spcBef>
             </a:pPr>
             <a:r>
-              <a:rPr lang="en-US" b="true" sz="1400">
+              <a:rPr lang="en-US" sz="1400" b="1">
                 <a:solidFill>
                   <a:srgbClr val="FFFFFF"/>
                 </a:solidFill>
@@ -7609,12 +7887,12 @@
       </p:sp>
       <p:sp>
         <p:nvSpPr>
-          <p:cNvPr name="TextBox 13" id="13"/>
-          <p:cNvSpPr txBox="true"/>
+          <p:cNvPr id="13" name="TextBox 13"/>
+          <p:cNvSpPr txBox="1"/>
           <p:nvPr/>
         </p:nvSpPr>
         <p:spPr>
-          <a:xfrm rot="0">
+          <a:xfrm>
             <a:off x="4621306" y="601662"/>
             <a:ext cx="9045387" cy="920750"/>
           </a:xfrm>
@@ -7623,7 +7901,7 @@
           </a:prstGeom>
         </p:spPr>
         <p:txBody>
-          <a:bodyPr anchor="t" rtlCol="false" tIns="0" lIns="0" bIns="0" rIns="0">
+          <a:bodyPr lIns="0" tIns="0" rIns="0" bIns="0" rtlCol="0" anchor="t">
             <a:spAutoFit/>
           </a:bodyPr>
           <a:lstStyle/>
@@ -7634,7 +7912,7 @@
               </a:lnSpc>
             </a:pPr>
             <a:r>
-              <a:rPr lang="en-US" b="true" sz="6500">
+              <a:rPr lang="en-US" sz="6500" b="1">
                 <a:solidFill>
                   <a:srgbClr val="02CDFF"/>
                 </a:solidFill>
@@ -7650,12 +7928,12 @@
       </p:sp>
       <p:sp>
         <p:nvSpPr>
-          <p:cNvPr name="TextBox 14" id="14"/>
-          <p:cNvSpPr txBox="true"/>
+          <p:cNvPr id="14" name="TextBox 14"/>
+          <p:cNvSpPr txBox="1"/>
           <p:nvPr/>
         </p:nvSpPr>
         <p:spPr>
-          <a:xfrm rot="0">
+          <a:xfrm>
             <a:off x="1028700" y="1474788"/>
             <a:ext cx="15295902" cy="898794"/>
           </a:xfrm>
@@ -7664,7 +7942,7 @@
           </a:prstGeom>
         </p:spPr>
         <p:txBody>
-          <a:bodyPr anchor="t" rtlCol="false" tIns="0" lIns="0" bIns="0" rIns="0">
+          <a:bodyPr lIns="0" tIns="0" rIns="0" bIns="0" rtlCol="0" anchor="t">
             <a:spAutoFit/>
           </a:bodyPr>
           <a:lstStyle/>
@@ -7701,7 +7979,7 @@
 </file>
 
 <file path=ppt/slides/slide7.xml><?xml version="1.0" encoding="utf-8"?>
-<p:sld xmlns:p="http://schemas.openxmlformats.org/presentationml/2006/main" xmlns:a="http://schemas.openxmlformats.org/drawingml/2006/main" xmlns:r="http://schemas.openxmlformats.org/officeDocument/2006/relationships">
+<p:sld xmlns:a="http://schemas.openxmlformats.org/drawingml/2006/main" xmlns:r="http://schemas.openxmlformats.org/officeDocument/2006/relationships" xmlns:p="http://schemas.openxmlformats.org/presentationml/2006/main">
   <p:cSld>
     <p:spTree>
       <p:nvGrpSpPr>
@@ -7719,12 +7997,12 @@
       </p:grpSpPr>
       <p:grpSp>
         <p:nvGrpSpPr>
-          <p:cNvPr name="Group 2" id="2"/>
+          <p:cNvPr id="2" name="Group 2"/>
           <p:cNvGrpSpPr/>
           <p:nvPr/>
         </p:nvGrpSpPr>
         <p:grpSpPr>
-          <a:xfrm rot="0">
+          <a:xfrm>
             <a:off x="17749838" y="7527480"/>
             <a:ext cx="47625" cy="1740345"/>
             <a:chOff x="0" y="0"/>
@@ -7733,12 +8011,12 @@
         </p:grpSpPr>
         <p:sp>
           <p:nvSpPr>
-            <p:cNvPr name="Freeform 3" id="3"/>
+            <p:cNvPr id="3" name="Freeform 3"/>
             <p:cNvSpPr/>
             <p:nvPr/>
           </p:nvSpPr>
           <p:spPr>
-            <a:xfrm flipH="false" flipV="false" rot="0">
+            <a:xfrm>
               <a:off x="0" y="0"/>
               <a:ext cx="12543" cy="458362"/>
             </a:xfrm>
@@ -7747,9 +8025,9 @@
               <a:gdLst/>
               <a:ahLst/>
               <a:cxnLst/>
-              <a:rect r="r" b="b" t="t" l="l"/>
+              <a:rect l="l" t="t" r="r" b="b"/>
               <a:pathLst>
-                <a:path h="458362" w="12543">
+                <a:path w="12543" h="458362">
                   <a:moveTo>
                     <a:pt x="0" y="0"/>
                   </a:moveTo>
@@ -7766,7 +8044,7 @@
                 </a:path>
               </a:pathLst>
             </a:custGeom>
-            <a:gradFill rotWithShape="true">
+            <a:gradFill rotWithShape="1">
               <a:gsLst>
                 <a:gs pos="0">
                   <a:srgbClr val="45D0FC">
@@ -7782,11 +8060,18 @@
               <a:lin ang="2700000"/>
             </a:gradFill>
           </p:spPr>
+          <p:txBody>
+            <a:bodyPr/>
+            <a:lstStyle/>
+            <a:p>
+              <a:endParaRPr lang="en-IL"/>
+            </a:p>
+          </p:txBody>
         </p:sp>
         <p:sp>
           <p:nvSpPr>
-            <p:cNvPr name="TextBox 4" id="4"/>
-            <p:cNvSpPr txBox="true"/>
+            <p:cNvPr id="4" name="TextBox 4"/>
+            <p:cNvSpPr txBox="1"/>
             <p:nvPr/>
           </p:nvSpPr>
           <p:spPr>
@@ -7799,7 +8084,7 @@
             </a:prstGeom>
           </p:spPr>
           <p:txBody>
-            <a:bodyPr anchor="ctr" rtlCol="false" tIns="50800" lIns="50800" bIns="50800" rIns="50800"/>
+            <a:bodyPr lIns="50800" tIns="50800" rIns="50800" bIns="50800" rtlCol="0" anchor="ctr"/>
             <a:lstStyle/>
             <a:p>
               <a:pPr algn="ctr">
@@ -7810,18 +8095,19 @@
                   <a:spcPct val="0"/>
                 </a:spcBef>
               </a:pPr>
+              <a:endParaRPr/>
             </a:p>
           </p:txBody>
         </p:sp>
       </p:grpSp>
       <p:grpSp>
         <p:nvGrpSpPr>
-          <p:cNvPr name="Group 5" id="5"/>
+          <p:cNvPr id="5" name="Group 5"/>
           <p:cNvGrpSpPr/>
           <p:nvPr/>
         </p:nvGrpSpPr>
         <p:grpSpPr>
-          <a:xfrm rot="0">
+          <a:xfrm>
             <a:off x="17259300" y="0"/>
             <a:ext cx="1028700" cy="1028700"/>
             <a:chOff x="0" y="0"/>
@@ -7830,12 +8116,12 @@
         </p:grpSpPr>
         <p:sp>
           <p:nvSpPr>
-            <p:cNvPr name="Freeform 6" id="6"/>
+            <p:cNvPr id="6" name="Freeform 6"/>
             <p:cNvSpPr/>
             <p:nvPr/>
           </p:nvSpPr>
           <p:spPr>
-            <a:xfrm flipH="false" flipV="false" rot="0">
+            <a:xfrm>
               <a:off x="0" y="0"/>
               <a:ext cx="270933" cy="270933"/>
             </a:xfrm>
@@ -7844,9 +8130,9 @@
               <a:gdLst/>
               <a:ahLst/>
               <a:cxnLst/>
-              <a:rect r="r" b="b" t="t" l="l"/>
+              <a:rect l="l" t="t" r="r" b="b"/>
               <a:pathLst>
-                <a:path h="270933" w="270933">
+                <a:path w="270933" h="270933">
                   <a:moveTo>
                     <a:pt x="0" y="0"/>
                   </a:moveTo>
@@ -7863,7 +8149,7 @@
                 </a:path>
               </a:pathLst>
             </a:custGeom>
-            <a:gradFill rotWithShape="true">
+            <a:gradFill rotWithShape="1">
               <a:gsLst>
                 <a:gs pos="0">
                   <a:srgbClr val="45D0FC">
@@ -7879,11 +8165,18 @@
               <a:lin ang="2700000"/>
             </a:gradFill>
           </p:spPr>
+          <p:txBody>
+            <a:bodyPr/>
+            <a:lstStyle/>
+            <a:p>
+              <a:endParaRPr lang="en-IL"/>
+            </a:p>
+          </p:txBody>
         </p:sp>
         <p:sp>
           <p:nvSpPr>
-            <p:cNvPr name="TextBox 7" id="7"/>
-            <p:cNvSpPr txBox="true"/>
+            <p:cNvPr id="7" name="TextBox 7"/>
+            <p:cNvSpPr txBox="1"/>
             <p:nvPr/>
           </p:nvSpPr>
           <p:spPr>
@@ -7896,7 +8189,7 @@
             </a:prstGeom>
           </p:spPr>
           <p:txBody>
-            <a:bodyPr anchor="ctr" rtlCol="false" tIns="50800" lIns="50800" bIns="50800" rIns="50800"/>
+            <a:bodyPr lIns="50800" tIns="50800" rIns="50800" bIns="50800" rtlCol="0" anchor="ctr"/>
             <a:lstStyle/>
             <a:p>
               <a:pPr algn="ctr">
@@ -7904,18 +8197,19 @@
                   <a:spcPts val="2659"/>
                 </a:lnSpc>
               </a:pPr>
+              <a:endParaRPr/>
             </a:p>
           </p:txBody>
         </p:sp>
       </p:grpSp>
       <p:grpSp>
         <p:nvGrpSpPr>
-          <p:cNvPr name="Group 8" id="8"/>
+          <p:cNvPr id="8" name="Group 8"/>
           <p:cNvGrpSpPr/>
           <p:nvPr/>
         </p:nvGrpSpPr>
         <p:grpSpPr>
-          <a:xfrm rot="0">
+          <a:xfrm>
             <a:off x="17259300" y="9258300"/>
             <a:ext cx="1028700" cy="1028700"/>
             <a:chOff x="0" y="0"/>
@@ -7924,12 +8218,12 @@
         </p:grpSpPr>
         <p:sp>
           <p:nvSpPr>
-            <p:cNvPr name="Freeform 9" id="9"/>
+            <p:cNvPr id="9" name="Freeform 9"/>
             <p:cNvSpPr/>
             <p:nvPr/>
           </p:nvSpPr>
           <p:spPr>
-            <a:xfrm flipH="false" flipV="false" rot="0">
+            <a:xfrm>
               <a:off x="0" y="0"/>
               <a:ext cx="270933" cy="270933"/>
             </a:xfrm>
@@ -7938,9 +8232,9 @@
               <a:gdLst/>
               <a:ahLst/>
               <a:cxnLst/>
-              <a:rect r="r" b="b" t="t" l="l"/>
+              <a:rect l="l" t="t" r="r" b="b"/>
               <a:pathLst>
-                <a:path h="270933" w="270933">
+                <a:path w="270933" h="270933">
                   <a:moveTo>
                     <a:pt x="0" y="0"/>
                   </a:moveTo>
@@ -7957,7 +8251,7 @@
                 </a:path>
               </a:pathLst>
             </a:custGeom>
-            <a:gradFill rotWithShape="true">
+            <a:gradFill rotWithShape="1">
               <a:gsLst>
                 <a:gs pos="0">
                   <a:srgbClr val="45D0FC">
@@ -7973,11 +8267,18 @@
               <a:lin ang="2700000"/>
             </a:gradFill>
           </p:spPr>
+          <p:txBody>
+            <a:bodyPr/>
+            <a:lstStyle/>
+            <a:p>
+              <a:endParaRPr lang="en-IL"/>
+            </a:p>
+          </p:txBody>
         </p:sp>
         <p:sp>
           <p:nvSpPr>
-            <p:cNvPr name="TextBox 10" id="10"/>
-            <p:cNvSpPr txBox="true"/>
+            <p:cNvPr id="10" name="TextBox 10"/>
+            <p:cNvSpPr txBox="1"/>
             <p:nvPr/>
           </p:nvSpPr>
           <p:spPr>
@@ -7990,7 +8291,7 @@
             </a:prstGeom>
           </p:spPr>
           <p:txBody>
-            <a:bodyPr anchor="ctr" rtlCol="false" tIns="50800" lIns="50800" bIns="50800" rIns="50800"/>
+            <a:bodyPr lIns="50800" tIns="50800" rIns="50800" bIns="50800" rtlCol="0" anchor="ctr"/>
             <a:lstStyle/>
             <a:p>
               <a:pPr algn="ctr">
@@ -7998,18 +8299,19 @@
                   <a:spcPts val="2659"/>
                 </a:lnSpc>
               </a:pPr>
+              <a:endParaRPr/>
             </a:p>
           </p:txBody>
         </p:sp>
       </p:grpSp>
       <p:sp>
         <p:nvSpPr>
-          <p:cNvPr name="Freeform 11" id="11"/>
+          <p:cNvPr id="11" name="Freeform 11"/>
           <p:cNvSpPr/>
           <p:nvPr/>
         </p:nvSpPr>
         <p:spPr>
-          <a:xfrm flipH="false" flipV="false" rot="0">
+          <a:xfrm>
             <a:off x="4168441" y="3695971"/>
             <a:ext cx="9951118" cy="5970671"/>
           </a:xfrm>
@@ -8018,9 +8320,9 @@
             <a:gdLst/>
             <a:ahLst/>
             <a:cxnLst/>
-            <a:rect r="r" b="b" t="t" l="l"/>
+            <a:rect l="l" t="t" r="r" b="b"/>
             <a:pathLst>
-              <a:path h="5970671" w="9951118">
+              <a:path w="9951118" h="5970671">
                 <a:moveTo>
                   <a:pt x="0" y="0"/>
                 </a:moveTo>
@@ -8043,19 +8345,26 @@
           <a:blipFill>
             <a:blip r:embed="rId2"/>
             <a:stretch>
-              <a:fillRect l="0" t="0" r="0" b="0"/>
+              <a:fillRect/>
             </a:stretch>
           </a:blipFill>
         </p:spPr>
-      </p:sp>
-      <p:sp>
-        <p:nvSpPr>
-          <p:cNvPr name="TextBox 12" id="12"/>
-          <p:cNvSpPr txBox="true"/>
+        <p:txBody>
+          <a:bodyPr/>
+          <a:lstStyle/>
+          <a:p>
+            <a:endParaRPr lang="en-IL"/>
+          </a:p>
+        </p:txBody>
+      </p:sp>
+      <p:sp>
+        <p:nvSpPr>
+          <p:cNvPr id="12" name="TextBox 12"/>
+          <p:cNvSpPr txBox="1"/>
           <p:nvPr/>
         </p:nvSpPr>
         <p:spPr>
-          <a:xfrm rot="0">
+          <a:xfrm>
             <a:off x="17499918" y="9638067"/>
             <a:ext cx="547464" cy="240665"/>
           </a:xfrm>
@@ -8064,7 +8373,7 @@
           </a:prstGeom>
         </p:spPr>
         <p:txBody>
-          <a:bodyPr anchor="t" rtlCol="false" tIns="0" lIns="0" bIns="0" rIns="0">
+          <a:bodyPr lIns="0" tIns="0" rIns="0" bIns="0" rtlCol="0" anchor="t">
             <a:spAutoFit/>
           </a:bodyPr>
           <a:lstStyle/>
@@ -8078,7 +8387,7 @@
               </a:spcBef>
             </a:pPr>
             <a:r>
-              <a:rPr lang="en-US" b="true" sz="1400">
+              <a:rPr lang="en-US" sz="1400" b="1">
                 <a:solidFill>
                   <a:srgbClr val="FFFFFF"/>
                 </a:solidFill>
@@ -8094,12 +8403,12 @@
       </p:sp>
       <p:sp>
         <p:nvSpPr>
-          <p:cNvPr name="TextBox 13" id="13"/>
-          <p:cNvSpPr txBox="true"/>
+          <p:cNvPr id="13" name="TextBox 13"/>
+          <p:cNvSpPr txBox="1"/>
           <p:nvPr/>
         </p:nvSpPr>
         <p:spPr>
-          <a:xfrm rot="0">
+          <a:xfrm>
             <a:off x="4621306" y="601662"/>
             <a:ext cx="9045387" cy="920750"/>
           </a:xfrm>
@@ -8108,7 +8417,7 @@
           </a:prstGeom>
         </p:spPr>
         <p:txBody>
-          <a:bodyPr anchor="t" rtlCol="false" tIns="0" lIns="0" bIns="0" rIns="0">
+          <a:bodyPr lIns="0" tIns="0" rIns="0" bIns="0" rtlCol="0" anchor="t">
             <a:spAutoFit/>
           </a:bodyPr>
           <a:lstStyle/>
@@ -8119,7 +8428,7 @@
               </a:lnSpc>
             </a:pPr>
             <a:r>
-              <a:rPr lang="en-US" b="true" sz="6500">
+              <a:rPr lang="en-US" sz="6500" b="1">
                 <a:solidFill>
                   <a:srgbClr val="02CDFF"/>
                 </a:solidFill>
@@ -8135,12 +8444,12 @@
       </p:sp>
       <p:sp>
         <p:nvSpPr>
-          <p:cNvPr name="TextBox 14" id="14"/>
-          <p:cNvSpPr txBox="true"/>
+          <p:cNvPr id="14" name="TextBox 14"/>
+          <p:cNvSpPr txBox="1"/>
           <p:nvPr/>
         </p:nvSpPr>
         <p:spPr>
-          <a:xfrm rot="0">
+          <a:xfrm>
             <a:off x="1028700" y="2116065"/>
             <a:ext cx="8115300" cy="975467"/>
           </a:xfrm>
@@ -8149,7 +8458,7 @@
           </a:prstGeom>
         </p:spPr>
         <p:txBody>
-          <a:bodyPr anchor="t" rtlCol="false" tIns="0" lIns="0" bIns="0" rIns="0">
+          <a:bodyPr lIns="0" tIns="0" rIns="0" bIns="0" rtlCol="0" anchor="t">
             <a:spAutoFit/>
           </a:bodyPr>
           <a:lstStyle/>
@@ -8179,12 +8488,12 @@
       </p:sp>
       <p:sp>
         <p:nvSpPr>
-          <p:cNvPr name="TextBox 15" id="15"/>
-          <p:cNvSpPr txBox="true"/>
+          <p:cNvPr id="15" name="TextBox 15"/>
+          <p:cNvSpPr txBox="1"/>
           <p:nvPr/>
         </p:nvSpPr>
         <p:spPr>
-          <a:xfrm rot="0">
+          <a:xfrm>
             <a:off x="1028700" y="1484313"/>
             <a:ext cx="3120910" cy="367080"/>
           </a:xfrm>
@@ -8193,7 +8502,7 @@
           </a:prstGeom>
         </p:spPr>
         <p:txBody>
-          <a:bodyPr anchor="t" rtlCol="false" tIns="0" lIns="0" bIns="0" rIns="0">
+          <a:bodyPr lIns="0" tIns="0" rIns="0" bIns="0" rtlCol="0" anchor="t">
             <a:spAutoFit/>
           </a:bodyPr>
           <a:lstStyle/>
@@ -8207,7 +8516,7 @@
               </a:spcBef>
             </a:pPr>
             <a:r>
-              <a:rPr lang="en-US" b="true" sz="2171">
+              <a:rPr lang="en-US" sz="2171" b="1">
                 <a:solidFill>
                   <a:srgbClr val="02CDFF"/>
                 </a:solidFill>
@@ -8230,7 +8539,7 @@
 </file>
 
 <file path=ppt/slides/slide8.xml><?xml version="1.0" encoding="utf-8"?>
-<p:sld xmlns:p="http://schemas.openxmlformats.org/presentationml/2006/main" xmlns:a="http://schemas.openxmlformats.org/drawingml/2006/main" xmlns:r="http://schemas.openxmlformats.org/officeDocument/2006/relationships">
+<p:sld xmlns:a="http://schemas.openxmlformats.org/drawingml/2006/main" xmlns:r="http://schemas.openxmlformats.org/officeDocument/2006/relationships" xmlns:p="http://schemas.openxmlformats.org/presentationml/2006/main">
   <p:cSld>
     <p:spTree>
       <p:nvGrpSpPr>
@@ -8248,12 +8557,12 @@
       </p:grpSpPr>
       <p:grpSp>
         <p:nvGrpSpPr>
-          <p:cNvPr name="Group 2" id="2"/>
+          <p:cNvPr id="2" name="Group 2"/>
           <p:cNvGrpSpPr/>
           <p:nvPr/>
         </p:nvGrpSpPr>
         <p:grpSpPr>
-          <a:xfrm rot="0">
+          <a:xfrm>
             <a:off x="17749838" y="7527480"/>
             <a:ext cx="47625" cy="1740345"/>
             <a:chOff x="0" y="0"/>
@@ -8262,12 +8571,12 @@
         </p:grpSpPr>
         <p:sp>
           <p:nvSpPr>
-            <p:cNvPr name="Freeform 3" id="3"/>
+            <p:cNvPr id="3" name="Freeform 3"/>
             <p:cNvSpPr/>
             <p:nvPr/>
           </p:nvSpPr>
           <p:spPr>
-            <a:xfrm flipH="false" flipV="false" rot="0">
+            <a:xfrm>
               <a:off x="0" y="0"/>
               <a:ext cx="12543" cy="458362"/>
             </a:xfrm>
@@ -8276,9 +8585,9 @@
               <a:gdLst/>
               <a:ahLst/>
               <a:cxnLst/>
-              <a:rect r="r" b="b" t="t" l="l"/>
+              <a:rect l="l" t="t" r="r" b="b"/>
               <a:pathLst>
-                <a:path h="458362" w="12543">
+                <a:path w="12543" h="458362">
                   <a:moveTo>
                     <a:pt x="0" y="0"/>
                   </a:moveTo>
@@ -8295,7 +8604,7 @@
                 </a:path>
               </a:pathLst>
             </a:custGeom>
-            <a:gradFill rotWithShape="true">
+            <a:gradFill rotWithShape="1">
               <a:gsLst>
                 <a:gs pos="0">
                   <a:srgbClr val="45D0FC">
@@ -8311,11 +8620,18 @@
               <a:lin ang="2700000"/>
             </a:gradFill>
           </p:spPr>
+          <p:txBody>
+            <a:bodyPr/>
+            <a:lstStyle/>
+            <a:p>
+              <a:endParaRPr lang="en-IL"/>
+            </a:p>
+          </p:txBody>
         </p:sp>
         <p:sp>
           <p:nvSpPr>
-            <p:cNvPr name="TextBox 4" id="4"/>
-            <p:cNvSpPr txBox="true"/>
+            <p:cNvPr id="4" name="TextBox 4"/>
+            <p:cNvSpPr txBox="1"/>
             <p:nvPr/>
           </p:nvSpPr>
           <p:spPr>
@@ -8328,7 +8644,7 @@
             </a:prstGeom>
           </p:spPr>
           <p:txBody>
-            <a:bodyPr anchor="ctr" rtlCol="false" tIns="50800" lIns="50800" bIns="50800" rIns="50800"/>
+            <a:bodyPr lIns="50800" tIns="50800" rIns="50800" bIns="50800" rtlCol="0" anchor="ctr"/>
             <a:lstStyle/>
             <a:p>
               <a:pPr algn="ctr">
@@ -8339,18 +8655,19 @@
                   <a:spcPct val="0"/>
                 </a:spcBef>
               </a:pPr>
+              <a:endParaRPr/>
             </a:p>
           </p:txBody>
         </p:sp>
       </p:grpSp>
       <p:grpSp>
         <p:nvGrpSpPr>
-          <p:cNvPr name="Group 5" id="5"/>
+          <p:cNvPr id="5" name="Group 5"/>
           <p:cNvGrpSpPr/>
           <p:nvPr/>
         </p:nvGrpSpPr>
         <p:grpSpPr>
-          <a:xfrm rot="0">
+          <a:xfrm>
             <a:off x="17259300" y="0"/>
             <a:ext cx="1028700" cy="1028700"/>
             <a:chOff x="0" y="0"/>
@@ -8359,12 +8676,12 @@
         </p:grpSpPr>
         <p:sp>
           <p:nvSpPr>
-            <p:cNvPr name="Freeform 6" id="6"/>
+            <p:cNvPr id="6" name="Freeform 6"/>
             <p:cNvSpPr/>
             <p:nvPr/>
           </p:nvSpPr>
           <p:spPr>
-            <a:xfrm flipH="false" flipV="false" rot="0">
+            <a:xfrm>
               <a:off x="0" y="0"/>
               <a:ext cx="270933" cy="270933"/>
             </a:xfrm>
@@ -8373,9 +8690,9 @@
               <a:gdLst/>
               <a:ahLst/>
               <a:cxnLst/>
-              <a:rect r="r" b="b" t="t" l="l"/>
+              <a:rect l="l" t="t" r="r" b="b"/>
               <a:pathLst>
-                <a:path h="270933" w="270933">
+                <a:path w="270933" h="270933">
                   <a:moveTo>
                     <a:pt x="0" y="0"/>
                   </a:moveTo>
@@ -8392,7 +8709,7 @@
                 </a:path>
               </a:pathLst>
             </a:custGeom>
-            <a:gradFill rotWithShape="true">
+            <a:gradFill rotWithShape="1">
               <a:gsLst>
                 <a:gs pos="0">
                   <a:srgbClr val="45D0FC">
@@ -8408,11 +8725,18 @@
               <a:lin ang="2700000"/>
             </a:gradFill>
           </p:spPr>
+          <p:txBody>
+            <a:bodyPr/>
+            <a:lstStyle/>
+            <a:p>
+              <a:endParaRPr lang="en-IL"/>
+            </a:p>
+          </p:txBody>
         </p:sp>
         <p:sp>
           <p:nvSpPr>
-            <p:cNvPr name="TextBox 7" id="7"/>
-            <p:cNvSpPr txBox="true"/>
+            <p:cNvPr id="7" name="TextBox 7"/>
+            <p:cNvSpPr txBox="1"/>
             <p:nvPr/>
           </p:nvSpPr>
           <p:spPr>
@@ -8425,7 +8749,7 @@
             </a:prstGeom>
           </p:spPr>
           <p:txBody>
-            <a:bodyPr anchor="ctr" rtlCol="false" tIns="50800" lIns="50800" bIns="50800" rIns="50800"/>
+            <a:bodyPr lIns="50800" tIns="50800" rIns="50800" bIns="50800" rtlCol="0" anchor="ctr"/>
             <a:lstStyle/>
             <a:p>
               <a:pPr algn="ctr">
@@ -8433,18 +8757,19 @@
                   <a:spcPts val="2659"/>
                 </a:lnSpc>
               </a:pPr>
+              <a:endParaRPr/>
             </a:p>
           </p:txBody>
         </p:sp>
       </p:grpSp>
       <p:grpSp>
         <p:nvGrpSpPr>
-          <p:cNvPr name="Group 8" id="8"/>
+          <p:cNvPr id="8" name="Group 8"/>
           <p:cNvGrpSpPr/>
           <p:nvPr/>
         </p:nvGrpSpPr>
         <p:grpSpPr>
-          <a:xfrm rot="0">
+          <a:xfrm>
             <a:off x="17259300" y="9258300"/>
             <a:ext cx="1028700" cy="1028700"/>
             <a:chOff x="0" y="0"/>
@@ -8453,12 +8778,12 @@
         </p:grpSpPr>
         <p:sp>
           <p:nvSpPr>
-            <p:cNvPr name="Freeform 9" id="9"/>
+            <p:cNvPr id="9" name="Freeform 9"/>
             <p:cNvSpPr/>
             <p:nvPr/>
           </p:nvSpPr>
           <p:spPr>
-            <a:xfrm flipH="false" flipV="false" rot="0">
+            <a:xfrm>
               <a:off x="0" y="0"/>
               <a:ext cx="270933" cy="270933"/>
             </a:xfrm>
@@ -8467,9 +8792,9 @@
               <a:gdLst/>
               <a:ahLst/>
               <a:cxnLst/>
-              <a:rect r="r" b="b" t="t" l="l"/>
+              <a:rect l="l" t="t" r="r" b="b"/>
               <a:pathLst>
-                <a:path h="270933" w="270933">
+                <a:path w="270933" h="270933">
                   <a:moveTo>
                     <a:pt x="0" y="0"/>
                   </a:moveTo>
@@ -8486,7 +8811,7 @@
                 </a:path>
               </a:pathLst>
             </a:custGeom>
-            <a:gradFill rotWithShape="true">
+            <a:gradFill rotWithShape="1">
               <a:gsLst>
                 <a:gs pos="0">
                   <a:srgbClr val="45D0FC">
@@ -8502,11 +8827,18 @@
               <a:lin ang="2700000"/>
             </a:gradFill>
           </p:spPr>
+          <p:txBody>
+            <a:bodyPr/>
+            <a:lstStyle/>
+            <a:p>
+              <a:endParaRPr lang="en-IL"/>
+            </a:p>
+          </p:txBody>
         </p:sp>
         <p:sp>
           <p:nvSpPr>
-            <p:cNvPr name="TextBox 10" id="10"/>
-            <p:cNvSpPr txBox="true"/>
+            <p:cNvPr id="10" name="TextBox 10"/>
+            <p:cNvSpPr txBox="1"/>
             <p:nvPr/>
           </p:nvSpPr>
           <p:spPr>
@@ -8519,7 +8851,7 @@
             </a:prstGeom>
           </p:spPr>
           <p:txBody>
-            <a:bodyPr anchor="ctr" rtlCol="false" tIns="50800" lIns="50800" bIns="50800" rIns="50800"/>
+            <a:bodyPr lIns="50800" tIns="50800" rIns="50800" bIns="50800" rtlCol="0" anchor="ctr"/>
             <a:lstStyle/>
             <a:p>
               <a:pPr algn="ctr">
@@ -8527,18 +8859,19 @@
                   <a:spcPts val="2659"/>
                 </a:lnSpc>
               </a:pPr>
+              <a:endParaRPr/>
             </a:p>
           </p:txBody>
         </p:sp>
       </p:grpSp>
       <p:sp>
         <p:nvSpPr>
-          <p:cNvPr name="Freeform 11" id="11"/>
+          <p:cNvPr id="11" name="Freeform 11"/>
           <p:cNvSpPr/>
           <p:nvPr/>
         </p:nvSpPr>
         <p:spPr>
-          <a:xfrm flipH="false" flipV="false" rot="0">
+          <a:xfrm>
             <a:off x="4168441" y="3695971"/>
             <a:ext cx="9951118" cy="5970671"/>
           </a:xfrm>
@@ -8547,9 +8880,9 @@
             <a:gdLst/>
             <a:ahLst/>
             <a:cxnLst/>
-            <a:rect r="r" b="b" t="t" l="l"/>
+            <a:rect l="l" t="t" r="r" b="b"/>
             <a:pathLst>
-              <a:path h="5970671" w="9951118">
+              <a:path w="9951118" h="5970671">
                 <a:moveTo>
                   <a:pt x="0" y="0"/>
                 </a:moveTo>
@@ -8572,19 +8905,26 @@
           <a:blipFill>
             <a:blip r:embed="rId2"/>
             <a:stretch>
-              <a:fillRect l="0" t="0" r="0" b="0"/>
+              <a:fillRect/>
             </a:stretch>
           </a:blipFill>
         </p:spPr>
-      </p:sp>
-      <p:sp>
-        <p:nvSpPr>
-          <p:cNvPr name="TextBox 12" id="12"/>
-          <p:cNvSpPr txBox="true"/>
+        <p:txBody>
+          <a:bodyPr/>
+          <a:lstStyle/>
+          <a:p>
+            <a:endParaRPr lang="en-IL"/>
+          </a:p>
+        </p:txBody>
+      </p:sp>
+      <p:sp>
+        <p:nvSpPr>
+          <p:cNvPr id="12" name="TextBox 12"/>
+          <p:cNvSpPr txBox="1"/>
           <p:nvPr/>
         </p:nvSpPr>
         <p:spPr>
-          <a:xfrm rot="0">
+          <a:xfrm>
             <a:off x="17499918" y="9638067"/>
             <a:ext cx="547464" cy="240665"/>
           </a:xfrm>
@@ -8593,7 +8933,7 @@
           </a:prstGeom>
         </p:spPr>
         <p:txBody>
-          <a:bodyPr anchor="t" rtlCol="false" tIns="0" lIns="0" bIns="0" rIns="0">
+          <a:bodyPr lIns="0" tIns="0" rIns="0" bIns="0" rtlCol="0" anchor="t">
             <a:spAutoFit/>
           </a:bodyPr>
           <a:lstStyle/>
@@ -8607,7 +8947,7 @@
               </a:spcBef>
             </a:pPr>
             <a:r>
-              <a:rPr lang="en-US" b="true" sz="1400">
+              <a:rPr lang="en-US" sz="1400" b="1">
                 <a:solidFill>
                   <a:srgbClr val="FFFFFF"/>
                 </a:solidFill>
@@ -8623,12 +8963,12 @@
       </p:sp>
       <p:sp>
         <p:nvSpPr>
-          <p:cNvPr name="TextBox 13" id="13"/>
-          <p:cNvSpPr txBox="true"/>
+          <p:cNvPr id="13" name="TextBox 13"/>
+          <p:cNvSpPr txBox="1"/>
           <p:nvPr/>
         </p:nvSpPr>
         <p:spPr>
-          <a:xfrm rot="0">
+          <a:xfrm>
             <a:off x="4621306" y="601662"/>
             <a:ext cx="9045387" cy="920750"/>
           </a:xfrm>
@@ -8637,7 +8977,7 @@
           </a:prstGeom>
         </p:spPr>
         <p:txBody>
-          <a:bodyPr anchor="t" rtlCol="false" tIns="0" lIns="0" bIns="0" rIns="0">
+          <a:bodyPr lIns="0" tIns="0" rIns="0" bIns="0" rtlCol="0" anchor="t">
             <a:spAutoFit/>
           </a:bodyPr>
           <a:lstStyle/>
@@ -8648,7 +8988,7 @@
               </a:lnSpc>
             </a:pPr>
             <a:r>
-              <a:rPr lang="en-US" b="true" sz="6500">
+              <a:rPr lang="en-US" sz="6500" b="1">
                 <a:solidFill>
                   <a:srgbClr val="02CDFF"/>
                 </a:solidFill>
@@ -8664,12 +9004,12 @@
       </p:sp>
       <p:sp>
         <p:nvSpPr>
-          <p:cNvPr name="TextBox 14" id="14"/>
-          <p:cNvSpPr txBox="true"/>
+          <p:cNvPr id="14" name="TextBox 14"/>
+          <p:cNvSpPr txBox="1"/>
           <p:nvPr/>
         </p:nvSpPr>
         <p:spPr>
-          <a:xfrm rot="0">
+          <a:xfrm>
             <a:off x="1028700" y="1484313"/>
             <a:ext cx="3120910" cy="367080"/>
           </a:xfrm>
@@ -8678,7 +9018,7 @@
           </a:prstGeom>
         </p:spPr>
         <p:txBody>
-          <a:bodyPr anchor="t" rtlCol="false" tIns="0" lIns="0" bIns="0" rIns="0">
+          <a:bodyPr lIns="0" tIns="0" rIns="0" bIns="0" rtlCol="0" anchor="t">
             <a:spAutoFit/>
           </a:bodyPr>
           <a:lstStyle/>
@@ -8692,7 +9032,7 @@
               </a:spcBef>
             </a:pPr>
             <a:r>
-              <a:rPr lang="en-US" b="true" sz="2171">
+              <a:rPr lang="en-US" sz="2171" b="1">
                 <a:solidFill>
                   <a:srgbClr val="02CDFF"/>
                 </a:solidFill>
@@ -8708,12 +9048,12 @@
       </p:sp>
       <p:sp>
         <p:nvSpPr>
-          <p:cNvPr name="TextBox 15" id="15"/>
-          <p:cNvSpPr txBox="true"/>
+          <p:cNvPr id="15" name="TextBox 15"/>
+          <p:cNvSpPr txBox="1"/>
           <p:nvPr/>
         </p:nvSpPr>
         <p:spPr>
-          <a:xfrm rot="0">
+          <a:xfrm>
             <a:off x="1028700" y="2116065"/>
             <a:ext cx="8115300" cy="975467"/>
           </a:xfrm>
@@ -8722,7 +9062,7 @@
           </a:prstGeom>
         </p:spPr>
         <p:txBody>
-          <a:bodyPr anchor="t" rtlCol="false" tIns="0" lIns="0" bIns="0" rIns="0">
+          <a:bodyPr lIns="0" tIns="0" rIns="0" bIns="0" rtlCol="0" anchor="t">
             <a:spAutoFit/>
           </a:bodyPr>
           <a:lstStyle/>
@@ -8759,7 +9099,7 @@
 </file>
 
 <file path=ppt/slides/slide9.xml><?xml version="1.0" encoding="utf-8"?>
-<p:sld xmlns:p="http://schemas.openxmlformats.org/presentationml/2006/main" xmlns:a="http://schemas.openxmlformats.org/drawingml/2006/main">
+<p:sld xmlns:a="http://schemas.openxmlformats.org/drawingml/2006/main" xmlns:r="http://schemas.openxmlformats.org/officeDocument/2006/relationships" xmlns:p="http://schemas.openxmlformats.org/presentationml/2006/main">
   <p:cSld>
     <p:spTree>
       <p:nvGrpSpPr>
@@ -8777,12 +9117,12 @@
       </p:grpSpPr>
       <p:grpSp>
         <p:nvGrpSpPr>
-          <p:cNvPr name="Group 2" id="2"/>
+          <p:cNvPr id="2" name="Group 2"/>
           <p:cNvGrpSpPr/>
           <p:nvPr/>
         </p:nvGrpSpPr>
         <p:grpSpPr>
-          <a:xfrm rot="0">
+          <a:xfrm>
             <a:off x="17749838" y="7527480"/>
             <a:ext cx="47625" cy="1740345"/>
             <a:chOff x="0" y="0"/>
@@ -8791,12 +9131,12 @@
         </p:grpSpPr>
         <p:sp>
           <p:nvSpPr>
-            <p:cNvPr name="Freeform 3" id="3"/>
+            <p:cNvPr id="3" name="Freeform 3"/>
             <p:cNvSpPr/>
             <p:nvPr/>
           </p:nvSpPr>
           <p:spPr>
-            <a:xfrm flipH="false" flipV="false" rot="0">
+            <a:xfrm>
               <a:off x="0" y="0"/>
               <a:ext cx="12543" cy="458362"/>
             </a:xfrm>
@@ -8805,9 +9145,9 @@
               <a:gdLst/>
               <a:ahLst/>
               <a:cxnLst/>
-              <a:rect r="r" b="b" t="t" l="l"/>
+              <a:rect l="l" t="t" r="r" b="b"/>
               <a:pathLst>
-                <a:path h="458362" w="12543">
+                <a:path w="12543" h="458362">
                   <a:moveTo>
                     <a:pt x="0" y="0"/>
                   </a:moveTo>
@@ -8824,7 +9164,7 @@
                 </a:path>
               </a:pathLst>
             </a:custGeom>
-            <a:gradFill rotWithShape="true">
+            <a:gradFill rotWithShape="1">
               <a:gsLst>
                 <a:gs pos="0">
                   <a:srgbClr val="45D0FC">
@@ -8840,11 +9180,18 @@
               <a:lin ang="2700000"/>
             </a:gradFill>
           </p:spPr>
+          <p:txBody>
+            <a:bodyPr/>
+            <a:lstStyle/>
+            <a:p>
+              <a:endParaRPr lang="en-IL"/>
+            </a:p>
+          </p:txBody>
         </p:sp>
         <p:sp>
           <p:nvSpPr>
-            <p:cNvPr name="TextBox 4" id="4"/>
-            <p:cNvSpPr txBox="true"/>
+            <p:cNvPr id="4" name="TextBox 4"/>
+            <p:cNvSpPr txBox="1"/>
             <p:nvPr/>
           </p:nvSpPr>
           <p:spPr>
@@ -8857,7 +9204,7 @@
             </a:prstGeom>
           </p:spPr>
           <p:txBody>
-            <a:bodyPr anchor="ctr" rtlCol="false" tIns="50800" lIns="50800" bIns="50800" rIns="50800"/>
+            <a:bodyPr lIns="50800" tIns="50800" rIns="50800" bIns="50800" rtlCol="0" anchor="ctr"/>
             <a:lstStyle/>
             <a:p>
               <a:pPr algn="ctr">
@@ -8868,18 +9215,19 @@
                   <a:spcPct val="0"/>
                 </a:spcBef>
               </a:pPr>
+              <a:endParaRPr/>
             </a:p>
           </p:txBody>
         </p:sp>
       </p:grpSp>
       <p:grpSp>
         <p:nvGrpSpPr>
-          <p:cNvPr name="Group 5" id="5"/>
+          <p:cNvPr id="5" name="Group 5"/>
           <p:cNvGrpSpPr/>
           <p:nvPr/>
         </p:nvGrpSpPr>
         <p:grpSpPr>
-          <a:xfrm rot="0">
+          <a:xfrm>
             <a:off x="17259300" y="0"/>
             <a:ext cx="1028700" cy="1028700"/>
             <a:chOff x="0" y="0"/>
@@ -8888,12 +9236,12 @@
         </p:grpSpPr>
         <p:sp>
           <p:nvSpPr>
-            <p:cNvPr name="Freeform 6" id="6"/>
+            <p:cNvPr id="6" name="Freeform 6"/>
             <p:cNvSpPr/>
             <p:nvPr/>
           </p:nvSpPr>
           <p:spPr>
-            <a:xfrm flipH="false" flipV="false" rot="0">
+            <a:xfrm>
               <a:off x="0" y="0"/>
               <a:ext cx="270933" cy="270933"/>
             </a:xfrm>
@@ -8902,9 +9250,9 @@
               <a:gdLst/>
               <a:ahLst/>
               <a:cxnLst/>
-              <a:rect r="r" b="b" t="t" l="l"/>
+              <a:rect l="l" t="t" r="r" b="b"/>
               <a:pathLst>
-                <a:path h="270933" w="270933">
+                <a:path w="270933" h="270933">
                   <a:moveTo>
                     <a:pt x="0" y="0"/>
                   </a:moveTo>
@@ -8921,7 +9269,7 @@
                 </a:path>
               </a:pathLst>
             </a:custGeom>
-            <a:gradFill rotWithShape="true">
+            <a:gradFill rotWithShape="1">
               <a:gsLst>
                 <a:gs pos="0">
                   <a:srgbClr val="45D0FC">
@@ -8937,11 +9285,18 @@
               <a:lin ang="2700000"/>
             </a:gradFill>
           </p:spPr>
+          <p:txBody>
+            <a:bodyPr/>
+            <a:lstStyle/>
+            <a:p>
+              <a:endParaRPr lang="en-IL"/>
+            </a:p>
+          </p:txBody>
         </p:sp>
         <p:sp>
           <p:nvSpPr>
-            <p:cNvPr name="TextBox 7" id="7"/>
-            <p:cNvSpPr txBox="true"/>
+            <p:cNvPr id="7" name="TextBox 7"/>
+            <p:cNvSpPr txBox="1"/>
             <p:nvPr/>
           </p:nvSpPr>
           <p:spPr>
@@ -8954,7 +9309,7 @@
             </a:prstGeom>
           </p:spPr>
           <p:txBody>
-            <a:bodyPr anchor="ctr" rtlCol="false" tIns="50800" lIns="50800" bIns="50800" rIns="50800"/>
+            <a:bodyPr lIns="50800" tIns="50800" rIns="50800" bIns="50800" rtlCol="0" anchor="ctr"/>
             <a:lstStyle/>
             <a:p>
               <a:pPr algn="ctr">
@@ -8962,18 +9317,19 @@
                   <a:spcPts val="2659"/>
                 </a:lnSpc>
               </a:pPr>
+              <a:endParaRPr/>
             </a:p>
           </p:txBody>
         </p:sp>
       </p:grpSp>
       <p:grpSp>
         <p:nvGrpSpPr>
-          <p:cNvPr name="Group 8" id="8"/>
+          <p:cNvPr id="8" name="Group 8"/>
           <p:cNvGrpSpPr/>
           <p:nvPr/>
         </p:nvGrpSpPr>
         <p:grpSpPr>
-          <a:xfrm rot="0">
+          <a:xfrm>
             <a:off x="17259300" y="9258300"/>
             <a:ext cx="1028700" cy="1028700"/>
             <a:chOff x="0" y="0"/>
@@ -8982,12 +9338,12 @@
         </p:grpSpPr>
         <p:sp>
           <p:nvSpPr>
-            <p:cNvPr name="Freeform 9" id="9"/>
+            <p:cNvPr id="9" name="Freeform 9"/>
             <p:cNvSpPr/>
             <p:nvPr/>
           </p:nvSpPr>
           <p:spPr>
-            <a:xfrm flipH="false" flipV="false" rot="0">
+            <a:xfrm>
               <a:off x="0" y="0"/>
               <a:ext cx="270933" cy="270933"/>
             </a:xfrm>
@@ -8996,9 +9352,9 @@
               <a:gdLst/>
               <a:ahLst/>
               <a:cxnLst/>
-              <a:rect r="r" b="b" t="t" l="l"/>
+              <a:rect l="l" t="t" r="r" b="b"/>
               <a:pathLst>
-                <a:path h="270933" w="270933">
+                <a:path w="270933" h="270933">
                   <a:moveTo>
                     <a:pt x="0" y="0"/>
                   </a:moveTo>
@@ -9015,7 +9371,7 @@
                 </a:path>
               </a:pathLst>
             </a:custGeom>
-            <a:gradFill rotWithShape="true">
+            <a:gradFill rotWithShape="1">
               <a:gsLst>
                 <a:gs pos="0">
                   <a:srgbClr val="45D0FC">
@@ -9031,11 +9387,18 @@
               <a:lin ang="2700000"/>
             </a:gradFill>
           </p:spPr>
+          <p:txBody>
+            <a:bodyPr/>
+            <a:lstStyle/>
+            <a:p>
+              <a:endParaRPr lang="en-IL"/>
+            </a:p>
+          </p:txBody>
         </p:sp>
         <p:sp>
           <p:nvSpPr>
-            <p:cNvPr name="TextBox 10" id="10"/>
-            <p:cNvSpPr txBox="true"/>
+            <p:cNvPr id="10" name="TextBox 10"/>
+            <p:cNvSpPr txBox="1"/>
             <p:nvPr/>
           </p:nvSpPr>
           <p:spPr>
@@ -9048,7 +9411,7 @@
             </a:prstGeom>
           </p:spPr>
           <p:txBody>
-            <a:bodyPr anchor="ctr" rtlCol="false" tIns="50800" lIns="50800" bIns="50800" rIns="50800"/>
+            <a:bodyPr lIns="50800" tIns="50800" rIns="50800" bIns="50800" rtlCol="0" anchor="ctr"/>
             <a:lstStyle/>
             <a:p>
               <a:pPr algn="ctr">
@@ -9056,18 +9419,19 @@
                   <a:spcPts val="2659"/>
                 </a:lnSpc>
               </a:pPr>
+              <a:endParaRPr/>
             </a:p>
           </p:txBody>
         </p:sp>
       </p:grpSp>
       <p:sp>
         <p:nvSpPr>
-          <p:cNvPr name="TextBox 11" id="11"/>
-          <p:cNvSpPr txBox="true"/>
+          <p:cNvPr id="11" name="TextBox 11"/>
+          <p:cNvSpPr txBox="1"/>
           <p:nvPr/>
         </p:nvSpPr>
         <p:spPr>
-          <a:xfrm rot="0">
+          <a:xfrm>
             <a:off x="17499918" y="9638067"/>
             <a:ext cx="547464" cy="240665"/>
           </a:xfrm>
@@ -9076,7 +9440,7 @@
           </a:prstGeom>
         </p:spPr>
         <p:txBody>
-          <a:bodyPr anchor="t" rtlCol="false" tIns="0" lIns="0" bIns="0" rIns="0">
+          <a:bodyPr lIns="0" tIns="0" rIns="0" bIns="0" rtlCol="0" anchor="t">
             <a:spAutoFit/>
           </a:bodyPr>
           <a:lstStyle/>
@@ -9090,7 +9454,7 @@
               </a:spcBef>
             </a:pPr>
             <a:r>
-              <a:rPr lang="en-US" b="true" sz="1400">
+              <a:rPr lang="en-US" sz="1400" b="1">
                 <a:solidFill>
                   <a:srgbClr val="FFFFFF"/>
                 </a:solidFill>
@@ -9106,12 +9470,12 @@
       </p:sp>
       <p:sp>
         <p:nvSpPr>
-          <p:cNvPr name="TextBox 12" id="12"/>
-          <p:cNvSpPr txBox="true"/>
+          <p:cNvPr id="12" name="TextBox 12"/>
+          <p:cNvSpPr txBox="1"/>
           <p:nvPr/>
         </p:nvSpPr>
         <p:spPr>
-          <a:xfrm rot="0">
+          <a:xfrm>
             <a:off x="7081245" y="601662"/>
             <a:ext cx="4125510" cy="920750"/>
           </a:xfrm>
@@ -9120,7 +9484,7 @@
           </a:prstGeom>
         </p:spPr>
         <p:txBody>
-          <a:bodyPr anchor="t" rtlCol="false" tIns="0" lIns="0" bIns="0" rIns="0">
+          <a:bodyPr lIns="0" tIns="0" rIns="0" bIns="0" rtlCol="0" anchor="t">
             <a:spAutoFit/>
           </a:bodyPr>
           <a:lstStyle/>
@@ -9131,7 +9495,7 @@
               </a:lnSpc>
             </a:pPr>
             <a:r>
-              <a:rPr lang="en-US" b="true" sz="6500">
+              <a:rPr lang="en-US" sz="6500" b="1">
                 <a:solidFill>
                   <a:srgbClr val="02CDFF"/>
                 </a:solidFill>
@@ -9147,12 +9511,12 @@
       </p:sp>
       <p:grpSp>
         <p:nvGrpSpPr>
-          <p:cNvPr name="Group 13" id="13"/>
+          <p:cNvPr id="13" name="Group 13"/>
           <p:cNvGrpSpPr/>
           <p:nvPr/>
         </p:nvGrpSpPr>
         <p:grpSpPr>
-          <a:xfrm rot="0">
+          <a:xfrm>
             <a:off x="1831057" y="1994751"/>
             <a:ext cx="899792" cy="899792"/>
             <a:chOff x="0" y="0"/>
@@ -9161,12 +9525,12 @@
         </p:grpSpPr>
         <p:sp>
           <p:nvSpPr>
-            <p:cNvPr name="Freeform 14" id="14"/>
+            <p:cNvPr id="14" name="Freeform 14"/>
             <p:cNvSpPr/>
             <p:nvPr/>
           </p:nvSpPr>
           <p:spPr>
-            <a:xfrm flipH="false" flipV="false" rot="0">
+            <a:xfrm>
               <a:off x="0" y="0"/>
               <a:ext cx="178502" cy="178502"/>
             </a:xfrm>
@@ -9175,9 +9539,9 @@
               <a:gdLst/>
               <a:ahLst/>
               <a:cxnLst/>
-              <a:rect r="r" b="b" t="t" l="l"/>
+              <a:rect l="l" t="t" r="r" b="b"/>
               <a:pathLst>
-                <a:path h="178502" w="178502">
+                <a:path w="178502" h="178502">
                   <a:moveTo>
                     <a:pt x="0" y="0"/>
                   </a:moveTo>
@@ -9194,7 +9558,7 @@
                 </a:path>
               </a:pathLst>
             </a:custGeom>
-            <a:gradFill rotWithShape="true">
+            <a:gradFill rotWithShape="1">
               <a:gsLst>
                 <a:gs pos="0">
                   <a:srgbClr val="45D0FC">
@@ -9210,11 +9574,18 @@
               <a:lin ang="2700000"/>
             </a:gradFill>
           </p:spPr>
+          <p:txBody>
+            <a:bodyPr/>
+            <a:lstStyle/>
+            <a:p>
+              <a:endParaRPr lang="en-IL"/>
+            </a:p>
+          </p:txBody>
         </p:sp>
         <p:sp>
           <p:nvSpPr>
-            <p:cNvPr name="TextBox 15" id="15"/>
-            <p:cNvSpPr txBox="true"/>
+            <p:cNvPr id="15" name="TextBox 15"/>
+            <p:cNvSpPr txBox="1"/>
             <p:nvPr/>
           </p:nvSpPr>
           <p:spPr>
@@ -9227,7 +9598,7 @@
             </a:prstGeom>
           </p:spPr>
           <p:txBody>
-            <a:bodyPr anchor="ctr" rtlCol="false" tIns="50800" lIns="50800" bIns="50800" rIns="50800"/>
+            <a:bodyPr lIns="50800" tIns="50800" rIns="50800" bIns="50800" rtlCol="0" anchor="ctr"/>
             <a:lstStyle/>
             <a:p>
               <a:pPr algn="ctr">
@@ -9235,18 +9606,19 @@
                   <a:spcPts val="2659"/>
                 </a:lnSpc>
               </a:pPr>
+              <a:endParaRPr/>
             </a:p>
           </p:txBody>
         </p:sp>
       </p:grpSp>
       <p:sp>
         <p:nvSpPr>
-          <p:cNvPr name="TextBox 16" id="16"/>
-          <p:cNvSpPr txBox="true"/>
+          <p:cNvPr id="16" name="TextBox 16"/>
+          <p:cNvSpPr txBox="1"/>
           <p:nvPr/>
         </p:nvSpPr>
         <p:spPr>
-          <a:xfrm rot="0">
+          <a:xfrm>
             <a:off x="3154849" y="2515045"/>
             <a:ext cx="3926396" cy="2183130"/>
           </a:xfrm>
@@ -9255,7 +9627,7 @@
           </a:prstGeom>
         </p:spPr>
         <p:txBody>
-          <a:bodyPr anchor="t" rtlCol="false" tIns="0" lIns="0" bIns="0" rIns="0">
+          <a:bodyPr lIns="0" tIns="0" rIns="0" bIns="0" rtlCol="0" anchor="t">
             <a:spAutoFit/>
           </a:bodyPr>
           <a:lstStyle/>
@@ -9285,12 +9657,12 @@
       </p:sp>
       <p:sp>
         <p:nvSpPr>
-          <p:cNvPr name="TextBox 17" id="17"/>
-          <p:cNvSpPr txBox="true"/>
+          <p:cNvPr id="17" name="TextBox 17"/>
+          <p:cNvSpPr txBox="1"/>
           <p:nvPr/>
         </p:nvSpPr>
         <p:spPr>
-          <a:xfrm rot="0">
+          <a:xfrm>
             <a:off x="1951631" y="2218719"/>
             <a:ext cx="658643" cy="404229"/>
           </a:xfrm>
@@ -9299,7 +9671,7 @@
           </a:prstGeom>
         </p:spPr>
         <p:txBody>
-          <a:bodyPr anchor="t" rtlCol="false" tIns="0" lIns="0" bIns="0" rIns="0">
+          <a:bodyPr lIns="0" tIns="0" rIns="0" bIns="0" rtlCol="0" anchor="t">
             <a:spAutoFit/>
           </a:bodyPr>
           <a:lstStyle/>
@@ -9313,7 +9685,7 @@
               </a:spcBef>
             </a:pPr>
             <a:r>
-              <a:rPr lang="en-US" b="true" sz="2389">
+              <a:rPr lang="en-US" sz="2389" b="1">
                 <a:solidFill>
                   <a:srgbClr val="FFFFFF"/>
                 </a:solidFill>
@@ -9329,12 +9701,12 @@
       </p:sp>
       <p:sp>
         <p:nvSpPr>
-          <p:cNvPr name="TextBox 18" id="18"/>
-          <p:cNvSpPr txBox="true"/>
+          <p:cNvPr id="18" name="TextBox 18"/>
+          <p:cNvSpPr txBox="1"/>
           <p:nvPr/>
         </p:nvSpPr>
         <p:spPr>
-          <a:xfrm rot="0">
+          <a:xfrm>
             <a:off x="3154849" y="1956651"/>
             <a:ext cx="2671185" cy="319674"/>
           </a:xfrm>
@@ -9343,7 +9715,7 @@
           </a:prstGeom>
         </p:spPr>
         <p:txBody>
-          <a:bodyPr anchor="t" rtlCol="false" tIns="0" lIns="0" bIns="0" rIns="0">
+          <a:bodyPr lIns="0" tIns="0" rIns="0" bIns="0" rtlCol="0" anchor="t">
             <a:spAutoFit/>
           </a:bodyPr>
           <a:lstStyle/>
@@ -9357,7 +9729,7 @@
               </a:spcBef>
             </a:pPr>
             <a:r>
-              <a:rPr lang="en-US" b="true" sz="1858">
+              <a:rPr lang="en-US" sz="1858" b="1">
                 <a:solidFill>
                   <a:srgbClr val="02CDFF"/>
                 </a:solidFill>
@@ -9373,12 +9745,12 @@
       </p:sp>
       <p:grpSp>
         <p:nvGrpSpPr>
-          <p:cNvPr name="Group 19" id="19"/>
+          <p:cNvPr id="19" name="Group 19"/>
           <p:cNvGrpSpPr/>
           <p:nvPr/>
         </p:nvGrpSpPr>
         <p:grpSpPr>
-          <a:xfrm rot="0">
+          <a:xfrm>
             <a:off x="10511404" y="1994751"/>
             <a:ext cx="964045" cy="964045"/>
             <a:chOff x="0" y="0"/>
@@ -9387,12 +9759,12 @@
         </p:grpSpPr>
         <p:sp>
           <p:nvSpPr>
-            <p:cNvPr name="Freeform 20" id="20"/>
+            <p:cNvPr id="20" name="Freeform 20"/>
             <p:cNvSpPr/>
             <p:nvPr/>
           </p:nvSpPr>
           <p:spPr>
-            <a:xfrm flipH="false" flipV="false" rot="0">
+            <a:xfrm>
               <a:off x="0" y="0"/>
               <a:ext cx="178502" cy="178502"/>
             </a:xfrm>
@@ -9401,9 +9773,9 @@
               <a:gdLst/>
               <a:ahLst/>
               <a:cxnLst/>
-              <a:rect r="r" b="b" t="t" l="l"/>
+              <a:rect l="l" t="t" r="r" b="b"/>
               <a:pathLst>
-                <a:path h="178502" w="178502">
+                <a:path w="178502" h="178502">
                   <a:moveTo>
                     <a:pt x="0" y="0"/>
                   </a:moveTo>
@@ -9420,7 +9792,7 @@
                 </a:path>
               </a:pathLst>
             </a:custGeom>
-            <a:gradFill rotWithShape="true">
+            <a:gradFill rotWithShape="1">
               <a:gsLst>
                 <a:gs pos="0">
                   <a:srgbClr val="45D0FC">
@@ -9436,11 +9808,18 @@
               <a:lin ang="2700000"/>
             </a:gradFill>
           </p:spPr>
+          <p:txBody>
+            <a:bodyPr/>
+            <a:lstStyle/>
+            <a:p>
+              <a:endParaRPr lang="en-IL"/>
+            </a:p>
+          </p:txBody>
         </p:sp>
         <p:sp>
           <p:nvSpPr>
-            <p:cNvPr name="TextBox 21" id="21"/>
-            <p:cNvSpPr txBox="true"/>
+            <p:cNvPr id="21" name="TextBox 21"/>
+            <p:cNvSpPr txBox="1"/>
             <p:nvPr/>
           </p:nvSpPr>
           <p:spPr>
@@ -9453,7 +9832,7 @@
             </a:prstGeom>
           </p:spPr>
           <p:txBody>
-            <a:bodyPr anchor="ctr" rtlCol="false" tIns="50800" lIns="50800" bIns="50800" rIns="50800"/>
+            <a:bodyPr lIns="50800" tIns="50800" rIns="50800" bIns="50800" rtlCol="0" anchor="ctr"/>
             <a:lstStyle/>
             <a:p>
               <a:pPr algn="ctr">
@@ -9461,18 +9840,19 @@
                   <a:spcPts val="2659"/>
                 </a:lnSpc>
               </a:pPr>
+              <a:endParaRPr/>
             </a:p>
           </p:txBody>
         </p:sp>
       </p:grpSp>
       <p:sp>
         <p:nvSpPr>
-          <p:cNvPr name="TextBox 22" id="22"/>
-          <p:cNvSpPr txBox="true"/>
+          <p:cNvPr id="22" name="TextBox 22"/>
+          <p:cNvSpPr txBox="1"/>
           <p:nvPr/>
         </p:nvSpPr>
         <p:spPr>
-          <a:xfrm rot="0">
+          <a:xfrm>
             <a:off x="11929727" y="2554239"/>
             <a:ext cx="4206776" cy="1868805"/>
           </a:xfrm>
@@ -9481,7 +9861,7 @@
           </a:prstGeom>
         </p:spPr>
         <p:txBody>
-          <a:bodyPr anchor="t" rtlCol="false" tIns="0" lIns="0" bIns="0" rIns="0">
+          <a:bodyPr lIns="0" tIns="0" rIns="0" bIns="0" rtlCol="0" anchor="t">
             <a:spAutoFit/>
           </a:bodyPr>
           <a:lstStyle/>
@@ -9511,12 +9891,12 @@
       </p:sp>
       <p:sp>
         <p:nvSpPr>
-          <p:cNvPr name="TextBox 23" id="23"/>
-          <p:cNvSpPr txBox="true"/>
+          <p:cNvPr id="23" name="TextBox 23"/>
+          <p:cNvSpPr txBox="1"/>
           <p:nvPr/>
         </p:nvSpPr>
         <p:spPr>
-          <a:xfrm rot="0">
+          <a:xfrm>
             <a:off x="10640589" y="2238114"/>
             <a:ext cx="705677" cy="429694"/>
           </a:xfrm>
@@ -9525,7 +9905,7 @@
           </a:prstGeom>
         </p:spPr>
         <p:txBody>
-          <a:bodyPr anchor="t" rtlCol="false" tIns="0" lIns="0" bIns="0" rIns="0">
+          <a:bodyPr lIns="0" tIns="0" rIns="0" bIns="0" rtlCol="0" anchor="t">
             <a:spAutoFit/>
           </a:bodyPr>
           <a:lstStyle/>
@@ -9539,7 +9919,7 @@
               </a:spcBef>
             </a:pPr>
             <a:r>
-              <a:rPr lang="en-US" b="true" sz="2560">
+              <a:rPr lang="en-US" sz="2560" b="1">
                 <a:solidFill>
                   <a:srgbClr val="FFFFFF"/>
                 </a:solidFill>
@@ -9555,12 +9935,12 @@
       </p:sp>
       <p:sp>
         <p:nvSpPr>
-          <p:cNvPr name="TextBox 24" id="24"/>
-          <p:cNvSpPr txBox="true"/>
+          <p:cNvPr id="24" name="TextBox 24"/>
+          <p:cNvSpPr txBox="1"/>
           <p:nvPr/>
         </p:nvSpPr>
         <p:spPr>
-          <a:xfrm rot="0">
+          <a:xfrm>
             <a:off x="11929727" y="1956651"/>
             <a:ext cx="4362696" cy="339781"/>
           </a:xfrm>
@@ -9569,7 +9949,7 @@
           </a:prstGeom>
         </p:spPr>
         <p:txBody>
-          <a:bodyPr anchor="t" rtlCol="false" tIns="0" lIns="0" bIns="0" rIns="0">
+          <a:bodyPr lIns="0" tIns="0" rIns="0" bIns="0" rtlCol="0" anchor="t">
             <a:spAutoFit/>
           </a:bodyPr>
           <a:lstStyle/>
@@ -9583,7 +9963,7 @@
               </a:spcBef>
             </a:pPr>
             <a:r>
-              <a:rPr lang="en-US" b="true" sz="1991">
+              <a:rPr lang="en-US" sz="1991" b="1">
                 <a:solidFill>
                   <a:srgbClr val="02CDFF"/>
                 </a:solidFill>
@@ -9599,12 +9979,12 @@
       </p:sp>
       <p:grpSp>
         <p:nvGrpSpPr>
-          <p:cNvPr name="Group 25" id="25"/>
+          <p:cNvPr id="25" name="Group 25"/>
           <p:cNvGrpSpPr/>
           <p:nvPr/>
         </p:nvGrpSpPr>
         <p:grpSpPr>
-          <a:xfrm rot="0">
+          <a:xfrm>
             <a:off x="1831057" y="6255607"/>
             <a:ext cx="991351" cy="991351"/>
             <a:chOff x="0" y="0"/>
@@ -9613,12 +9993,12 @@
         </p:grpSpPr>
         <p:sp>
           <p:nvSpPr>
-            <p:cNvPr name="Freeform 26" id="26"/>
+            <p:cNvPr id="26" name="Freeform 26"/>
             <p:cNvSpPr/>
             <p:nvPr/>
           </p:nvSpPr>
           <p:spPr>
-            <a:xfrm flipH="false" flipV="false" rot="0">
+            <a:xfrm>
               <a:off x="0" y="0"/>
               <a:ext cx="178502" cy="178502"/>
             </a:xfrm>
@@ -9627,9 +10007,9 @@
               <a:gdLst/>
               <a:ahLst/>
               <a:cxnLst/>
-              <a:rect r="r" b="b" t="t" l="l"/>
+              <a:rect l="l" t="t" r="r" b="b"/>
               <a:pathLst>
-                <a:path h="178502" w="178502">
+                <a:path w="178502" h="178502">
                   <a:moveTo>
                     <a:pt x="0" y="0"/>
                   </a:moveTo>
@@ -9646,7 +10026,7 @@
                 </a:path>
               </a:pathLst>
             </a:custGeom>
-            <a:gradFill rotWithShape="true">
+            <a:gradFill rotWithShape="1">
               <a:gsLst>
                 <a:gs pos="0">
                   <a:srgbClr val="45D0FC">
@@ -9662,11 +10042,18 @@
               <a:lin ang="2700000"/>
             </a:gradFill>
           </p:spPr>
+          <p:txBody>
+            <a:bodyPr/>
+            <a:lstStyle/>
+            <a:p>
+              <a:endParaRPr lang="en-IL"/>
+            </a:p>
+          </p:txBody>
         </p:sp>
         <p:sp>
           <p:nvSpPr>
-            <p:cNvPr name="TextBox 27" id="27"/>
-            <p:cNvSpPr txBox="true"/>
+            <p:cNvPr id="27" name="TextBox 27"/>
+            <p:cNvSpPr txBox="1"/>
             <p:nvPr/>
           </p:nvSpPr>
           <p:spPr>
@@ -9679,7 +10066,7 @@
             </a:prstGeom>
           </p:spPr>
           <p:txBody>
-            <a:bodyPr anchor="ctr" rtlCol="false" tIns="50800" lIns="50800" bIns="50800" rIns="50800"/>
+            <a:bodyPr lIns="50800" tIns="50800" rIns="50800" bIns="50800" rtlCol="0" anchor="ctr"/>
             <a:lstStyle/>
             <a:p>
               <a:pPr algn="ctr">
@@ -9687,18 +10074,19 @@
                   <a:spcPts val="2659"/>
                 </a:lnSpc>
               </a:pPr>
+              <a:endParaRPr/>
             </a:p>
           </p:txBody>
         </p:sp>
       </p:grpSp>
       <p:sp>
         <p:nvSpPr>
-          <p:cNvPr name="TextBox 28" id="28"/>
-          <p:cNvSpPr txBox="true"/>
+          <p:cNvPr id="28" name="TextBox 28"/>
+          <p:cNvSpPr txBox="1"/>
           <p:nvPr/>
         </p:nvSpPr>
         <p:spPr>
-          <a:xfrm rot="0">
+          <a:xfrm>
             <a:off x="3289553" y="6831751"/>
             <a:ext cx="4325929" cy="1554480"/>
           </a:xfrm>
@@ -9707,7 +10095,7 @@
           </a:prstGeom>
         </p:spPr>
         <p:txBody>
-          <a:bodyPr anchor="t" rtlCol="false" tIns="0" lIns="0" bIns="0" rIns="0">
+          <a:bodyPr lIns="0" tIns="0" rIns="0" bIns="0" rtlCol="0" anchor="t">
             <a:spAutoFit/>
           </a:bodyPr>
           <a:lstStyle/>
@@ -9737,12 +10125,12 @@
       </p:sp>
       <p:sp>
         <p:nvSpPr>
-          <p:cNvPr name="TextBox 29" id="29"/>
-          <p:cNvSpPr txBox="true"/>
+          <p:cNvPr id="29" name="TextBox 29"/>
+          <p:cNvSpPr txBox="1"/>
           <p:nvPr/>
         </p:nvSpPr>
         <p:spPr>
-          <a:xfrm rot="0">
+          <a:xfrm>
             <a:off x="1963900" y="6507212"/>
             <a:ext cx="725664" cy="440516"/>
           </a:xfrm>
@@ -9751,7 +10139,7 @@
           </a:prstGeom>
         </p:spPr>
         <p:txBody>
-          <a:bodyPr anchor="t" rtlCol="false" tIns="0" lIns="0" bIns="0" rIns="0">
+          <a:bodyPr lIns="0" tIns="0" rIns="0" bIns="0" rtlCol="0" anchor="t">
             <a:spAutoFit/>
           </a:bodyPr>
           <a:lstStyle/>
@@ -9765,7 +10153,7 @@
               </a:spcBef>
             </a:pPr>
             <a:r>
-              <a:rPr lang="en-US" b="true" sz="2632">
+              <a:rPr lang="en-US" sz="2632" b="1">
                 <a:solidFill>
                   <a:srgbClr val="FFFFFF"/>
                 </a:solidFill>
@@ -9781,12 +10169,12 @@
       </p:sp>
       <p:sp>
         <p:nvSpPr>
-          <p:cNvPr name="TextBox 30" id="30"/>
-          <p:cNvSpPr txBox="true"/>
+          <p:cNvPr id="30" name="TextBox 30"/>
+          <p:cNvSpPr txBox="1"/>
           <p:nvPr/>
         </p:nvSpPr>
         <p:spPr>
-          <a:xfrm rot="0">
+          <a:xfrm>
             <a:off x="3289553" y="6207982"/>
             <a:ext cx="4913508" cy="357850"/>
           </a:xfrm>
@@ -9795,7 +10183,7 @@
           </a:prstGeom>
         </p:spPr>
         <p:txBody>
-          <a:bodyPr anchor="t" rtlCol="false" tIns="0" lIns="0" bIns="0" rIns="0">
+          <a:bodyPr lIns="0" tIns="0" rIns="0" bIns="0" rtlCol="0" anchor="t">
             <a:spAutoFit/>
           </a:bodyPr>
           <a:lstStyle/>
@@ -9809,7 +10197,7 @@
               </a:spcBef>
             </a:pPr>
             <a:r>
-              <a:rPr lang="en-US" b="true" sz="2047">
+              <a:rPr lang="en-US" sz="2047" b="1">
                 <a:solidFill>
                   <a:srgbClr val="02CDFF"/>
                 </a:solidFill>
@@ -9825,12 +10213,12 @@
       </p:sp>
       <p:grpSp>
         <p:nvGrpSpPr>
-          <p:cNvPr name="Group 31" id="31"/>
+          <p:cNvPr id="31" name="Group 31"/>
           <p:cNvGrpSpPr/>
           <p:nvPr/>
         </p:nvGrpSpPr>
         <p:grpSpPr>
-          <a:xfrm rot="0">
+          <a:xfrm>
             <a:off x="10511404" y="6255607"/>
             <a:ext cx="964045" cy="964045"/>
             <a:chOff x="0" y="0"/>
@@ -9839,12 +10227,12 @@
         </p:grpSpPr>
         <p:sp>
           <p:nvSpPr>
-            <p:cNvPr name="Freeform 32" id="32"/>
+            <p:cNvPr id="32" name="Freeform 32"/>
             <p:cNvSpPr/>
             <p:nvPr/>
           </p:nvSpPr>
           <p:spPr>
-            <a:xfrm flipH="false" flipV="false" rot="0">
+            <a:xfrm>
               <a:off x="0" y="0"/>
               <a:ext cx="178502" cy="178502"/>
             </a:xfrm>
@@ -9853,9 +10241,9 @@
               <a:gdLst/>
               <a:ahLst/>
               <a:cxnLst/>
-              <a:rect r="r" b="b" t="t" l="l"/>
+              <a:rect l="l" t="t" r="r" b="b"/>
               <a:pathLst>
-                <a:path h="178502" w="178502">
+                <a:path w="178502" h="178502">
                   <a:moveTo>
                     <a:pt x="0" y="0"/>
                   </a:moveTo>
@@ -9872,7 +10260,7 @@
                 </a:path>
               </a:pathLst>
             </a:custGeom>
-            <a:gradFill rotWithShape="true">
+            <a:gradFill rotWithShape="1">
               <a:gsLst>
                 <a:gs pos="0">
                   <a:srgbClr val="45D0FC">
@@ -9888,11 +10276,18 @@
               <a:lin ang="2700000"/>
             </a:gradFill>
           </p:spPr>
+          <p:txBody>
+            <a:bodyPr/>
+            <a:lstStyle/>
+            <a:p>
+              <a:endParaRPr lang="en-IL"/>
+            </a:p>
+          </p:txBody>
         </p:sp>
         <p:sp>
           <p:nvSpPr>
-            <p:cNvPr name="TextBox 33" id="33"/>
-            <p:cNvSpPr txBox="true"/>
+            <p:cNvPr id="33" name="TextBox 33"/>
+            <p:cNvSpPr txBox="1"/>
             <p:nvPr/>
           </p:nvSpPr>
           <p:spPr>
@@ -9905,7 +10300,7 @@
             </a:prstGeom>
           </p:spPr>
           <p:txBody>
-            <a:bodyPr anchor="ctr" rtlCol="false" tIns="50800" lIns="50800" bIns="50800" rIns="50800"/>
+            <a:bodyPr lIns="50800" tIns="50800" rIns="50800" bIns="50800" rtlCol="0" anchor="ctr"/>
             <a:lstStyle/>
             <a:p>
               <a:pPr algn="ctr">
@@ -9913,18 +10308,19 @@
                   <a:spcPts val="2659"/>
                 </a:lnSpc>
               </a:pPr>
+              <a:endParaRPr/>
             </a:p>
           </p:txBody>
         </p:sp>
       </p:grpSp>
       <p:sp>
         <p:nvSpPr>
-          <p:cNvPr name="TextBox 34" id="34"/>
-          <p:cNvSpPr txBox="true"/>
+          <p:cNvPr id="34" name="TextBox 34"/>
+          <p:cNvSpPr txBox="1"/>
           <p:nvPr/>
         </p:nvSpPr>
         <p:spPr>
-          <a:xfrm rot="0">
+          <a:xfrm>
             <a:off x="11929727" y="6815095"/>
             <a:ext cx="4206776" cy="2497455"/>
           </a:xfrm>
@@ -9933,7 +10329,7 @@
           </a:prstGeom>
         </p:spPr>
         <p:txBody>
-          <a:bodyPr anchor="t" rtlCol="false" tIns="0" lIns="0" bIns="0" rIns="0">
+          <a:bodyPr lIns="0" tIns="0" rIns="0" bIns="0" rtlCol="0" anchor="t">
             <a:spAutoFit/>
           </a:bodyPr>
           <a:lstStyle/>
@@ -9963,12 +10359,12 @@
       </p:sp>
       <p:sp>
         <p:nvSpPr>
-          <p:cNvPr name="TextBox 35" id="35"/>
-          <p:cNvSpPr txBox="true"/>
+          <p:cNvPr id="35" name="TextBox 35"/>
+          <p:cNvSpPr txBox="1"/>
           <p:nvPr/>
         </p:nvSpPr>
         <p:spPr>
-          <a:xfrm rot="0">
+          <a:xfrm>
             <a:off x="10640589" y="6498970"/>
             <a:ext cx="705677" cy="429694"/>
           </a:xfrm>
@@ -9977,7 +10373,7 @@
           </a:prstGeom>
         </p:spPr>
         <p:txBody>
-          <a:bodyPr anchor="t" rtlCol="false" tIns="0" lIns="0" bIns="0" rIns="0">
+          <a:bodyPr lIns="0" tIns="0" rIns="0" bIns="0" rtlCol="0" anchor="t">
             <a:spAutoFit/>
           </a:bodyPr>
           <a:lstStyle/>
@@ -9991,7 +10387,7 @@
               </a:spcBef>
             </a:pPr>
             <a:r>
-              <a:rPr lang="en-US" b="true" sz="2560">
+              <a:rPr lang="en-US" sz="2560" b="1">
                 <a:solidFill>
                   <a:srgbClr val="FFFFFF"/>
                 </a:solidFill>
@@ -10007,12 +10403,12 @@
       </p:sp>
       <p:sp>
         <p:nvSpPr>
-          <p:cNvPr name="TextBox 36" id="36"/>
-          <p:cNvSpPr txBox="true"/>
+          <p:cNvPr id="36" name="TextBox 36"/>
+          <p:cNvSpPr txBox="1"/>
           <p:nvPr/>
         </p:nvSpPr>
         <p:spPr>
-          <a:xfrm rot="0">
+          <a:xfrm>
             <a:off x="11929727" y="6217507"/>
             <a:ext cx="4362696" cy="339781"/>
           </a:xfrm>
@@ -10021,7 +10417,7 @@
           </a:prstGeom>
         </p:spPr>
         <p:txBody>
-          <a:bodyPr anchor="t" rtlCol="false" tIns="0" lIns="0" bIns="0" rIns="0">
+          <a:bodyPr lIns="0" tIns="0" rIns="0" bIns="0" rtlCol="0" anchor="t">
             <a:spAutoFit/>
           </a:bodyPr>
           <a:lstStyle/>
@@ -10035,7 +10431,7 @@
               </a:spcBef>
             </a:pPr>
             <a:r>
-              <a:rPr lang="en-US" b="true" sz="1991">
+              <a:rPr lang="en-US" sz="1991" b="1">
                 <a:solidFill>
                   <a:srgbClr val="02CDFF"/>
                 </a:solidFill>
